--- a/capstone prentation [Autosaved].pptx
+++ b/capstone prentation [Autosaved].pptx
@@ -13,8 +13,8 @@
     <p:sldId id="259" r:id="rId7"/>
     <p:sldId id="269" r:id="rId8"/>
     <p:sldId id="267" r:id="rId9"/>
-    <p:sldId id="264" r:id="rId10"/>
-    <p:sldId id="263" r:id="rId11"/>
+    <p:sldId id="263" r:id="rId10"/>
+    <p:sldId id="264" r:id="rId11"/>
     <p:sldId id="266" r:id="rId12"/>
   </p:sldIdLst>
   <p:sldSz cx="12192000" cy="6858000"/>
@@ -164,10 +164,9 @@
           </a:lstStyle>
           <a:p>
             <a:r>
-              <a:rPr lang="en-US" smtClean="0"/>
+              <a:rPr lang="en-US"/>
               <a:t>Click to edit Master title style</a:t>
             </a:r>
-            <a:endParaRPr lang="en-US"/>
           </a:p>
         </p:txBody>
       </p:sp>
@@ -229,10 +228,9 @@
           </a:lstStyle>
           <a:p>
             <a:r>
-              <a:rPr lang="en-US" smtClean="0"/>
+              <a:rPr lang="en-US"/>
               <a:t>Click to edit Master subtitle style</a:t>
             </a:r>
-            <a:endParaRPr lang="en-US"/>
           </a:p>
         </p:txBody>
       </p:sp>
@@ -347,10 +345,9 @@
           <a:lstStyle/>
           <a:p>
             <a:r>
-              <a:rPr lang="en-US" smtClean="0"/>
+              <a:rPr lang="en-US"/>
               <a:t>Click to edit Master title style</a:t>
             </a:r>
-            <a:endParaRPr lang="en-US"/>
           </a:p>
         </p:txBody>
       </p:sp>
@@ -371,38 +368,37 @@
           <a:p>
             <a:pPr lvl="0"/>
             <a:r>
-              <a:rPr lang="en-US" smtClean="0"/>
+              <a:rPr lang="en-US"/>
               <a:t>Edit Master text styles</a:t>
             </a:r>
           </a:p>
           <a:p>
             <a:pPr lvl="1"/>
             <a:r>
-              <a:rPr lang="en-US" smtClean="0"/>
+              <a:rPr lang="en-US"/>
               <a:t>Second level</a:t>
             </a:r>
           </a:p>
           <a:p>
             <a:pPr lvl="2"/>
             <a:r>
-              <a:rPr lang="en-US" smtClean="0"/>
+              <a:rPr lang="en-US"/>
               <a:t>Third level</a:t>
             </a:r>
           </a:p>
           <a:p>
             <a:pPr lvl="3"/>
             <a:r>
-              <a:rPr lang="en-US" smtClean="0"/>
+              <a:rPr lang="en-US"/>
               <a:t>Fourth level</a:t>
             </a:r>
           </a:p>
           <a:p>
             <a:pPr lvl="4"/>
             <a:r>
-              <a:rPr lang="en-US" smtClean="0"/>
+              <a:rPr lang="en-US"/>
               <a:t>Fifth level</a:t>
             </a:r>
-            <a:endParaRPr lang="en-US"/>
           </a:p>
         </p:txBody>
       </p:sp>
@@ -522,10 +518,9 @@
           <a:lstStyle/>
           <a:p>
             <a:r>
-              <a:rPr lang="en-US" smtClean="0"/>
+              <a:rPr lang="en-US"/>
               <a:t>Click to edit Master title style</a:t>
             </a:r>
-            <a:endParaRPr lang="en-US"/>
           </a:p>
         </p:txBody>
       </p:sp>
@@ -551,38 +546,37 @@
           <a:p>
             <a:pPr lvl="0"/>
             <a:r>
-              <a:rPr lang="en-US" smtClean="0"/>
+              <a:rPr lang="en-US"/>
               <a:t>Edit Master text styles</a:t>
             </a:r>
           </a:p>
           <a:p>
             <a:pPr lvl="1"/>
             <a:r>
-              <a:rPr lang="en-US" smtClean="0"/>
+              <a:rPr lang="en-US"/>
               <a:t>Second level</a:t>
             </a:r>
           </a:p>
           <a:p>
             <a:pPr lvl="2"/>
             <a:r>
-              <a:rPr lang="en-US" smtClean="0"/>
+              <a:rPr lang="en-US"/>
               <a:t>Third level</a:t>
             </a:r>
           </a:p>
           <a:p>
             <a:pPr lvl="3"/>
             <a:r>
-              <a:rPr lang="en-US" smtClean="0"/>
+              <a:rPr lang="en-US"/>
               <a:t>Fourth level</a:t>
             </a:r>
           </a:p>
           <a:p>
             <a:pPr lvl="4"/>
             <a:r>
-              <a:rPr lang="en-US" smtClean="0"/>
+              <a:rPr lang="en-US"/>
               <a:t>Fifth level</a:t>
             </a:r>
-            <a:endParaRPr lang="en-US"/>
           </a:p>
         </p:txBody>
       </p:sp>
@@ -697,10 +691,9 @@
           <a:lstStyle/>
           <a:p>
             <a:r>
-              <a:rPr lang="en-US" smtClean="0"/>
+              <a:rPr lang="en-US"/>
               <a:t>Click to edit Master title style</a:t>
             </a:r>
-            <a:endParaRPr lang="en-US"/>
           </a:p>
         </p:txBody>
       </p:sp>
@@ -721,38 +714,37 @@
           <a:p>
             <a:pPr lvl="0"/>
             <a:r>
-              <a:rPr lang="en-US" smtClean="0"/>
+              <a:rPr lang="en-US"/>
               <a:t>Edit Master text styles</a:t>
             </a:r>
           </a:p>
           <a:p>
             <a:pPr lvl="1"/>
             <a:r>
-              <a:rPr lang="en-US" smtClean="0"/>
+              <a:rPr lang="en-US"/>
               <a:t>Second level</a:t>
             </a:r>
           </a:p>
           <a:p>
             <a:pPr lvl="2"/>
             <a:r>
-              <a:rPr lang="en-US" smtClean="0"/>
+              <a:rPr lang="en-US"/>
               <a:t>Third level</a:t>
             </a:r>
           </a:p>
           <a:p>
             <a:pPr lvl="3"/>
             <a:r>
-              <a:rPr lang="en-US" smtClean="0"/>
+              <a:rPr lang="en-US"/>
               <a:t>Fourth level</a:t>
             </a:r>
           </a:p>
           <a:p>
             <a:pPr lvl="4"/>
             <a:r>
-              <a:rPr lang="en-US" smtClean="0"/>
+              <a:rPr lang="en-US"/>
               <a:t>Fifth level</a:t>
             </a:r>
-            <a:endParaRPr lang="en-US"/>
           </a:p>
         </p:txBody>
       </p:sp>
@@ -876,10 +868,9 @@
           </a:lstStyle>
           <a:p>
             <a:r>
-              <a:rPr lang="en-US" smtClean="0"/>
+              <a:rPr lang="en-US"/>
               <a:t>Click to edit Master title style</a:t>
             </a:r>
-            <a:endParaRPr lang="en-US"/>
           </a:p>
         </p:txBody>
       </p:sp>
@@ -996,7 +987,7 @@
           <a:p>
             <a:pPr lvl="0"/>
             <a:r>
-              <a:rPr lang="en-US" smtClean="0"/>
+              <a:rPr lang="en-US"/>
               <a:t>Edit Master text styles</a:t>
             </a:r>
           </a:p>
@@ -1113,10 +1104,9 @@
           <a:lstStyle/>
           <a:p>
             <a:r>
-              <a:rPr lang="en-US" smtClean="0"/>
+              <a:rPr lang="en-US"/>
               <a:t>Click to edit Master title style</a:t>
             </a:r>
-            <a:endParaRPr lang="en-US"/>
           </a:p>
         </p:txBody>
       </p:sp>
@@ -1142,38 +1132,37 @@
           <a:p>
             <a:pPr lvl="0"/>
             <a:r>
-              <a:rPr lang="en-US" smtClean="0"/>
+              <a:rPr lang="en-US"/>
               <a:t>Edit Master text styles</a:t>
             </a:r>
           </a:p>
           <a:p>
             <a:pPr lvl="1"/>
             <a:r>
-              <a:rPr lang="en-US" smtClean="0"/>
+              <a:rPr lang="en-US"/>
               <a:t>Second level</a:t>
             </a:r>
           </a:p>
           <a:p>
             <a:pPr lvl="2"/>
             <a:r>
-              <a:rPr lang="en-US" smtClean="0"/>
+              <a:rPr lang="en-US"/>
               <a:t>Third level</a:t>
             </a:r>
           </a:p>
           <a:p>
             <a:pPr lvl="3"/>
             <a:r>
-              <a:rPr lang="en-US" smtClean="0"/>
+              <a:rPr lang="en-US"/>
               <a:t>Fourth level</a:t>
             </a:r>
           </a:p>
           <a:p>
             <a:pPr lvl="4"/>
             <a:r>
-              <a:rPr lang="en-US" smtClean="0"/>
+              <a:rPr lang="en-US"/>
               <a:t>Fifth level</a:t>
             </a:r>
-            <a:endParaRPr lang="en-US"/>
           </a:p>
         </p:txBody>
       </p:sp>
@@ -1199,38 +1188,37 @@
           <a:p>
             <a:pPr lvl="0"/>
             <a:r>
-              <a:rPr lang="en-US" smtClean="0"/>
+              <a:rPr lang="en-US"/>
               <a:t>Edit Master text styles</a:t>
             </a:r>
           </a:p>
           <a:p>
             <a:pPr lvl="1"/>
             <a:r>
-              <a:rPr lang="en-US" smtClean="0"/>
+              <a:rPr lang="en-US"/>
               <a:t>Second level</a:t>
             </a:r>
           </a:p>
           <a:p>
             <a:pPr lvl="2"/>
             <a:r>
-              <a:rPr lang="en-US" smtClean="0"/>
+              <a:rPr lang="en-US"/>
               <a:t>Third level</a:t>
             </a:r>
           </a:p>
           <a:p>
             <a:pPr lvl="3"/>
             <a:r>
-              <a:rPr lang="en-US" smtClean="0"/>
+              <a:rPr lang="en-US"/>
               <a:t>Fourth level</a:t>
             </a:r>
           </a:p>
           <a:p>
             <a:pPr lvl="4"/>
             <a:r>
-              <a:rPr lang="en-US" smtClean="0"/>
+              <a:rPr lang="en-US"/>
               <a:t>Fifth level</a:t>
             </a:r>
-            <a:endParaRPr lang="en-US"/>
           </a:p>
         </p:txBody>
       </p:sp>
@@ -1350,10 +1338,9 @@
           <a:lstStyle/>
           <a:p>
             <a:r>
-              <a:rPr lang="en-US" smtClean="0"/>
+              <a:rPr lang="en-US"/>
               <a:t>Click to edit Master title style</a:t>
             </a:r>
-            <a:endParaRPr lang="en-US"/>
           </a:p>
         </p:txBody>
       </p:sp>
@@ -1416,7 +1403,7 @@
           <a:p>
             <a:pPr lvl="0"/>
             <a:r>
-              <a:rPr lang="en-US" smtClean="0"/>
+              <a:rPr lang="en-US"/>
               <a:t>Edit Master text styles</a:t>
             </a:r>
           </a:p>
@@ -1444,38 +1431,37 @@
           <a:p>
             <a:pPr lvl="0"/>
             <a:r>
-              <a:rPr lang="en-US" smtClean="0"/>
+              <a:rPr lang="en-US"/>
               <a:t>Edit Master text styles</a:t>
             </a:r>
           </a:p>
           <a:p>
             <a:pPr lvl="1"/>
             <a:r>
-              <a:rPr lang="en-US" smtClean="0"/>
+              <a:rPr lang="en-US"/>
               <a:t>Second level</a:t>
             </a:r>
           </a:p>
           <a:p>
             <a:pPr lvl="2"/>
             <a:r>
-              <a:rPr lang="en-US" smtClean="0"/>
+              <a:rPr lang="en-US"/>
               <a:t>Third level</a:t>
             </a:r>
           </a:p>
           <a:p>
             <a:pPr lvl="3"/>
             <a:r>
-              <a:rPr lang="en-US" smtClean="0"/>
+              <a:rPr lang="en-US"/>
               <a:t>Fourth level</a:t>
             </a:r>
           </a:p>
           <a:p>
             <a:pPr lvl="4"/>
             <a:r>
-              <a:rPr lang="en-US" smtClean="0"/>
+              <a:rPr lang="en-US"/>
               <a:t>Fifth level</a:t>
             </a:r>
-            <a:endParaRPr lang="en-US"/>
           </a:p>
         </p:txBody>
       </p:sp>
@@ -1538,7 +1524,7 @@
           <a:p>
             <a:pPr lvl="0"/>
             <a:r>
-              <a:rPr lang="en-US" smtClean="0"/>
+              <a:rPr lang="en-US"/>
               <a:t>Edit Master text styles</a:t>
             </a:r>
           </a:p>
@@ -1566,38 +1552,37 @@
           <a:p>
             <a:pPr lvl="0"/>
             <a:r>
-              <a:rPr lang="en-US" smtClean="0"/>
+              <a:rPr lang="en-US"/>
               <a:t>Edit Master text styles</a:t>
             </a:r>
           </a:p>
           <a:p>
             <a:pPr lvl="1"/>
             <a:r>
-              <a:rPr lang="en-US" smtClean="0"/>
+              <a:rPr lang="en-US"/>
               <a:t>Second level</a:t>
             </a:r>
           </a:p>
           <a:p>
             <a:pPr lvl="2"/>
             <a:r>
-              <a:rPr lang="en-US" smtClean="0"/>
+              <a:rPr lang="en-US"/>
               <a:t>Third level</a:t>
             </a:r>
           </a:p>
           <a:p>
             <a:pPr lvl="3"/>
             <a:r>
-              <a:rPr lang="en-US" smtClean="0"/>
+              <a:rPr lang="en-US"/>
               <a:t>Fourth level</a:t>
             </a:r>
           </a:p>
           <a:p>
             <a:pPr lvl="4"/>
             <a:r>
-              <a:rPr lang="en-US" smtClean="0"/>
+              <a:rPr lang="en-US"/>
               <a:t>Fifth level</a:t>
             </a:r>
-            <a:endParaRPr lang="en-US"/>
           </a:p>
         </p:txBody>
       </p:sp>
@@ -1712,10 +1697,9 @@
           <a:lstStyle/>
           <a:p>
             <a:r>
-              <a:rPr lang="en-US" smtClean="0"/>
+              <a:rPr lang="en-US"/>
               <a:t>Click to edit Master title style</a:t>
             </a:r>
-            <a:endParaRPr lang="en-US"/>
           </a:p>
         </p:txBody>
       </p:sp>
@@ -1934,10 +1918,9 @@
           </a:lstStyle>
           <a:p>
             <a:r>
-              <a:rPr lang="en-US" smtClean="0"/>
+              <a:rPr lang="en-US"/>
               <a:t>Click to edit Master title style</a:t>
             </a:r>
-            <a:endParaRPr lang="en-US"/>
           </a:p>
         </p:txBody>
       </p:sp>
@@ -1991,38 +1974,37 @@
           <a:p>
             <a:pPr lvl="0"/>
             <a:r>
-              <a:rPr lang="en-US" smtClean="0"/>
+              <a:rPr lang="en-US"/>
               <a:t>Edit Master text styles</a:t>
             </a:r>
           </a:p>
           <a:p>
             <a:pPr lvl="1"/>
             <a:r>
-              <a:rPr lang="en-US" smtClean="0"/>
+              <a:rPr lang="en-US"/>
               <a:t>Second level</a:t>
             </a:r>
           </a:p>
           <a:p>
             <a:pPr lvl="2"/>
             <a:r>
-              <a:rPr lang="en-US" smtClean="0"/>
+              <a:rPr lang="en-US"/>
               <a:t>Third level</a:t>
             </a:r>
           </a:p>
           <a:p>
             <a:pPr lvl="3"/>
             <a:r>
-              <a:rPr lang="en-US" smtClean="0"/>
+              <a:rPr lang="en-US"/>
               <a:t>Fourth level</a:t>
             </a:r>
           </a:p>
           <a:p>
             <a:pPr lvl="4"/>
             <a:r>
-              <a:rPr lang="en-US" smtClean="0"/>
+              <a:rPr lang="en-US"/>
               <a:t>Fifth level</a:t>
             </a:r>
-            <a:endParaRPr lang="en-US"/>
           </a:p>
         </p:txBody>
       </p:sp>
@@ -2085,7 +2067,7 @@
           <a:p>
             <a:pPr lvl="0"/>
             <a:r>
-              <a:rPr lang="en-US" smtClean="0"/>
+              <a:rPr lang="en-US"/>
               <a:t>Edit Master text styles</a:t>
             </a:r>
           </a:p>
@@ -2211,10 +2193,9 @@
           </a:lstStyle>
           <a:p>
             <a:r>
-              <a:rPr lang="en-US" smtClean="0"/>
+              <a:rPr lang="en-US"/>
               <a:t>Click to edit Master title style</a:t>
             </a:r>
-            <a:endParaRPr lang="en-US"/>
           </a:p>
         </p:txBody>
       </p:sp>
@@ -2338,7 +2319,7 @@
           <a:p>
             <a:pPr lvl="0"/>
             <a:r>
-              <a:rPr lang="en-US" smtClean="0"/>
+              <a:rPr lang="en-US"/>
               <a:t>Edit Master text styles</a:t>
             </a:r>
           </a:p>
@@ -2470,10 +2451,9 @@
           <a:lstStyle/>
           <a:p>
             <a:r>
-              <a:rPr lang="en-US" smtClean="0"/>
+              <a:rPr lang="en-US"/>
               <a:t>Click to edit Master title style</a:t>
             </a:r>
-            <a:endParaRPr lang="en-US"/>
           </a:p>
         </p:txBody>
       </p:sp>
@@ -2504,38 +2484,37 @@
           <a:p>
             <a:pPr lvl="0"/>
             <a:r>
-              <a:rPr lang="en-US" smtClean="0"/>
+              <a:rPr lang="en-US"/>
               <a:t>Edit Master text styles</a:t>
             </a:r>
           </a:p>
           <a:p>
             <a:pPr lvl="1"/>
             <a:r>
-              <a:rPr lang="en-US" smtClean="0"/>
+              <a:rPr lang="en-US"/>
               <a:t>Second level</a:t>
             </a:r>
           </a:p>
           <a:p>
             <a:pPr lvl="2"/>
             <a:r>
-              <a:rPr lang="en-US" smtClean="0"/>
+              <a:rPr lang="en-US"/>
               <a:t>Third level</a:t>
             </a:r>
           </a:p>
           <a:p>
             <a:pPr lvl="3"/>
             <a:r>
-              <a:rPr lang="en-US" smtClean="0"/>
+              <a:rPr lang="en-US"/>
               <a:t>Fourth level</a:t>
             </a:r>
           </a:p>
           <a:p>
             <a:pPr lvl="4"/>
             <a:r>
-              <a:rPr lang="en-US" smtClean="0"/>
+              <a:rPr lang="en-US"/>
               <a:t>Fifth level</a:t>
             </a:r>
-            <a:endParaRPr lang="en-US"/>
           </a:p>
         </p:txBody>
       </p:sp>
@@ -2995,7 +2974,7 @@
         </p:nvSpPr>
         <p:spPr>
           <a:xfrm>
-            <a:off x="17189" y="0"/>
+            <a:off x="17189" y="88802"/>
             <a:ext cx="9285021" cy="6858000"/>
           </a:xfrm>
           <a:prstGeom prst="rect">
@@ -3110,10 +3089,9 @@
             <a:lstStyle/>
             <a:p>
               <a:r>
-                <a:rPr lang="en-US" sz="2400" b="1" dirty="0" smtClean="0"/>
+                <a:rPr lang="en-US" sz="2400" b="1" dirty="0"/>
                 <a:t>Introduction</a:t>
               </a:r>
-              <a:endParaRPr lang="en-US" sz="2400" b="1" dirty="0"/>
             </a:p>
           </p:txBody>
         </p:sp>
@@ -3140,10 +3118,9 @@
             <a:lstStyle/>
             <a:p>
               <a:r>
-                <a:rPr lang="en-US" sz="2400" b="1" dirty="0" smtClean="0"/>
+                <a:rPr lang="en-US" sz="2400" b="1" dirty="0"/>
                 <a:t>Methodology</a:t>
               </a:r>
-              <a:endParaRPr lang="en-US" sz="2400" b="1" dirty="0"/>
             </a:p>
           </p:txBody>
         </p:sp>
@@ -3170,10 +3147,9 @@
             <a:lstStyle/>
             <a:p>
               <a:r>
-                <a:rPr lang="en-US" sz="2400" b="1" dirty="0" smtClean="0"/>
+                <a:rPr lang="en-US" sz="2400" b="1" dirty="0"/>
                 <a:t>Analysis</a:t>
               </a:r>
-              <a:endParaRPr lang="en-US" sz="2400" b="1" dirty="0"/>
             </a:p>
           </p:txBody>
         </p:sp>
@@ -3200,10 +3176,9 @@
             <a:lstStyle/>
             <a:p>
               <a:r>
-                <a:rPr lang="en-US" sz="2400" b="1" dirty="0" smtClean="0"/>
+                <a:rPr lang="en-US" sz="2400" b="1" dirty="0"/>
                 <a:t>Conclusion</a:t>
               </a:r>
-              <a:endParaRPr lang="en-US" sz="2400" b="1" dirty="0"/>
             </a:p>
           </p:txBody>
         </p:sp>
@@ -3412,18 +3387,13 @@
               <a:p>
                 <a:pPr algn="ctr"/>
                 <a:r>
-                  <a:rPr lang="en-US" sz="2400" dirty="0" smtClean="0">
+                  <a:rPr lang="en-US" sz="2400" dirty="0">
                     <a:solidFill>
                       <a:schemeClr val="bg1"/>
                     </a:solidFill>
                   </a:rPr>
                   <a:t>02</a:t>
                 </a:r>
-                <a:endParaRPr lang="en-US" sz="2400" dirty="0">
-                  <a:solidFill>
-                    <a:schemeClr val="bg1"/>
-                  </a:solidFill>
-                </a:endParaRPr>
               </a:p>
             </p:txBody>
           </p:sp>
@@ -3618,18 +3588,13 @@
               <a:p>
                 <a:pPr algn="ctr"/>
                 <a:r>
-                  <a:rPr lang="en-US" sz="2400" dirty="0" smtClean="0">
+                  <a:rPr lang="en-US" sz="2400" dirty="0">
                     <a:solidFill>
                       <a:schemeClr val="bg1"/>
                     </a:solidFill>
                   </a:rPr>
                   <a:t>03</a:t>
                 </a:r>
-                <a:endParaRPr lang="en-US" sz="2400" dirty="0">
-                  <a:solidFill>
-                    <a:schemeClr val="bg1"/>
-                  </a:solidFill>
-                </a:endParaRPr>
               </a:p>
             </p:txBody>
           </p:sp>
@@ -3823,18 +3788,13 @@
               <a:p>
                 <a:pPr algn="ctr"/>
                 <a:r>
-                  <a:rPr lang="en-US" sz="2400" dirty="0" smtClean="0">
+                  <a:rPr lang="en-US" sz="2400" dirty="0">
                     <a:solidFill>
                       <a:schemeClr val="bg1"/>
                     </a:solidFill>
                   </a:rPr>
                   <a:t>04</a:t>
                 </a:r>
-                <a:endParaRPr lang="en-US" sz="2400" dirty="0">
-                  <a:solidFill>
-                    <a:schemeClr val="bg1"/>
-                  </a:solidFill>
-                </a:endParaRPr>
               </a:p>
             </p:txBody>
           </p:sp>
@@ -4031,18 +3991,13 @@
               <a:p>
                 <a:pPr algn="ctr"/>
                 <a:r>
-                  <a:rPr lang="en-US" sz="2400" dirty="0" smtClean="0">
+                  <a:rPr lang="en-US" sz="2400" dirty="0">
                     <a:solidFill>
                       <a:schemeClr val="bg1"/>
                     </a:solidFill>
                   </a:rPr>
                   <a:t>01</a:t>
                 </a:r>
-                <a:endParaRPr lang="en-US" sz="2400" dirty="0">
-                  <a:solidFill>
-                    <a:schemeClr val="bg1"/>
-                  </a:solidFill>
-                </a:endParaRPr>
               </a:p>
             </p:txBody>
           </p:sp>
@@ -4072,10 +4027,9 @@
           <a:p>
             <a:pPr algn="ctr"/>
             <a:r>
-              <a:rPr lang="en-US" sz="3200" dirty="0" smtClean="0"/>
+              <a:rPr lang="en-US" sz="3200" dirty="0"/>
               <a:t>FINANCIAL INDEPENDENCE OF WOMEN</a:t>
             </a:r>
-            <a:endParaRPr lang="en-US" sz="3200" dirty="0"/>
           </a:p>
         </p:txBody>
       </p:sp>
@@ -4133,48 +4087,47 @@
           <a:p>
             <a:pPr algn="ctr"/>
             <a:r>
-              <a:rPr lang="en-US" dirty="0" err="1" smtClean="0"/>
+              <a:rPr lang="en-US" dirty="0" err="1"/>
               <a:t>Gothie</a:t>
             </a:r>
             <a:r>
-              <a:rPr lang="en-US" dirty="0" smtClean="0"/>
+              <a:rPr lang="en-US" dirty="0"/>
               <a:t> </a:t>
             </a:r>
             <a:r>
-              <a:rPr lang="en-US" dirty="0" err="1" smtClean="0"/>
+              <a:rPr lang="en-US" dirty="0" err="1"/>
               <a:t>Ridgina</a:t>
             </a:r>
             <a:r>
-              <a:rPr lang="en-US" dirty="0" smtClean="0"/>
+              <a:rPr lang="en-US" dirty="0"/>
               <a:t> PASTEUR</a:t>
             </a:r>
           </a:p>
           <a:p>
             <a:pPr algn="ctr"/>
             <a:r>
-              <a:rPr lang="en-US" dirty="0" smtClean="0"/>
+              <a:rPr lang="en-US" dirty="0"/>
               <a:t>Student at </a:t>
             </a:r>
             <a:r>
-              <a:rPr lang="en-US" dirty="0" err="1" smtClean="0"/>
+              <a:rPr lang="en-US" dirty="0" err="1"/>
               <a:t>Ayiti</a:t>
             </a:r>
             <a:r>
-              <a:rPr lang="en-US" dirty="0" smtClean="0"/>
+              <a:rPr lang="en-US" dirty="0"/>
               <a:t> Analytics</a:t>
             </a:r>
           </a:p>
           <a:p>
             <a:pPr algn="ctr"/>
             <a:r>
-              <a:rPr lang="en-US" dirty="0" err="1" smtClean="0"/>
+              <a:rPr lang="en-US" dirty="0" err="1"/>
               <a:t>Memorante</a:t>
             </a:r>
             <a:r>
-              <a:rPr lang="en-US" dirty="0" smtClean="0"/>
+              <a:rPr lang="en-US" dirty="0"/>
               <a:t> in Public Administration at INAGHEI</a:t>
             </a:r>
-            <a:endParaRPr lang="en-US" dirty="0"/>
           </a:p>
         </p:txBody>
       </p:sp>
@@ -4692,66 +4645,88 @@
       </p:grpSpPr>
       <p:sp>
         <p:nvSpPr>
-          <p:cNvPr id="3" name="Rectangle 2"/>
-          <p:cNvSpPr/>
+          <p:cNvPr id="2" name="TextBox 1"/>
+          <p:cNvSpPr txBox="1"/>
           <p:nvPr/>
         </p:nvSpPr>
         <p:spPr>
           <a:xfrm>
-            <a:off x="1" y="304799"/>
-            <a:ext cx="12192000" cy="702365"/>
+            <a:off x="0" y="268941"/>
+            <a:ext cx="4482353" cy="461665"/>
           </a:xfrm>
           <a:prstGeom prst="rect">
             <a:avLst/>
           </a:prstGeom>
-          <a:solidFill>
-            <a:srgbClr val="0C7185">
-              <a:alpha val="60000"/>
-            </a:srgbClr>
-          </a:solidFill>
-          <a:ln>
-            <a:solidFill>
-              <a:schemeClr val="accent1">
-                <a:shade val="50000"/>
-                <a:alpha val="70000"/>
-              </a:schemeClr>
-            </a:solidFill>
-          </a:ln>
+          <a:noFill/>
         </p:spPr>
-        <p:style>
-          <a:lnRef idx="2">
-            <a:schemeClr val="accent1">
-              <a:shade val="50000"/>
-            </a:schemeClr>
-          </a:lnRef>
-          <a:fillRef idx="1">
-            <a:schemeClr val="accent1"/>
-          </a:fillRef>
-          <a:effectRef idx="0">
-            <a:schemeClr val="accent1"/>
-          </a:effectRef>
-          <a:fontRef idx="minor">
-            <a:schemeClr val="lt1"/>
-          </a:fontRef>
-        </p:style>
         <p:txBody>
-          <a:bodyPr rtlCol="0" anchor="ctr"/>
+          <a:bodyPr wrap="square" rtlCol="0">
+            <a:spAutoFit/>
+          </a:bodyPr>
           <a:lstStyle/>
           <a:p>
             <a:pPr algn="ctr"/>
             <a:r>
-              <a:rPr lang="en-US" sz="2400" b="1" dirty="0" smtClean="0">
-                <a:solidFill>
-                  <a:schemeClr val="tx1"/>
-                </a:solidFill>
-              </a:rPr>
-              <a:t>RECOMMENDATION</a:t>
+              <a:rPr lang="en-US" sz="2400" b="1" dirty="0"/>
+              <a:t>CONCLUSION</a:t>
             </a:r>
-            <a:endParaRPr lang="en-US" sz="2400" b="1" dirty="0">
-              <a:solidFill>
-                <a:schemeClr val="tx1"/>
-              </a:solidFill>
-            </a:endParaRPr>
+          </a:p>
+        </p:txBody>
+      </p:sp>
+      <p:sp>
+        <p:nvSpPr>
+          <p:cNvPr id="3" name="TextBox 2"/>
+          <p:cNvSpPr txBox="1"/>
+          <p:nvPr/>
+        </p:nvSpPr>
+        <p:spPr>
+          <a:xfrm>
+            <a:off x="3428999" y="1900517"/>
+            <a:ext cx="7382435" cy="4154984"/>
+          </a:xfrm>
+          <a:prstGeom prst="rect">
+            <a:avLst/>
+          </a:prstGeom>
+          <a:noFill/>
+        </p:spPr>
+        <p:txBody>
+          <a:bodyPr wrap="square" rtlCol="0">
+            <a:spAutoFit/>
+          </a:bodyPr>
+          <a:lstStyle/>
+          <a:p>
+            <a:pPr algn="just"/>
+            <a:r>
+              <a:rPr lang="en-US" sz="2400" dirty="0"/>
+              <a:t>Equality in Haitian society is the business of the entire Haitian population. According to the number of observations of the dataset, more than 50% of women are financially dependent and most of them are between 19 and 29 years old, which means that it is the female youth of the country who live in these conditions. </a:t>
+            </a:r>
+          </a:p>
+          <a:p>
+            <a:endParaRPr lang="en-US" sz="2400" dirty="0"/>
+          </a:p>
+          <a:p>
+            <a:pPr algn="ctr"/>
+            <a:r>
+              <a:rPr lang="en-US" sz="2400" b="1" dirty="0"/>
+              <a:t>So what are you going to do?</a:t>
+            </a:r>
+          </a:p>
+          <a:p>
+            <a:endParaRPr lang="en-US" sz="2400" b="1" dirty="0"/>
+          </a:p>
+          <a:p>
+            <a:pPr algn="ctr"/>
+            <a:r>
+              <a:rPr lang="en-US" sz="2400" b="1" dirty="0"/>
+              <a:t> Sit back and watch or get involved?</a:t>
+            </a:r>
+          </a:p>
+          <a:p>
+            <a:pPr algn="ctr"/>
+            <a:r>
+              <a:rPr lang="en-US" sz="2400" b="1" dirty="0"/>
+              <a:t>The choice is yours. </a:t>
+            </a:r>
           </a:p>
         </p:txBody>
       </p:sp>
@@ -4764,7 +4739,7 @@
           <p:nvPr/>
         </p:nvPicPr>
         <p:blipFill>
-          <a:blip r:embed="rId2" cstate="print">
+          <a:blip r:embed="rId2">
             <a:extLst>
               <a:ext uri="{28A0092B-C50C-407E-A947-70E740481C1C}">
                 <a14:useLocalDpi xmlns:a14="http://schemas.microsoft.com/office/drawing/2010/main" val="0"/>
@@ -4777,966 +4752,129 @@
         </p:blipFill>
         <p:spPr>
           <a:xfrm>
-            <a:off x="0" y="6051727"/>
-            <a:ext cx="2701291" cy="2025968"/>
+            <a:off x="205273" y="2241377"/>
+            <a:ext cx="3326371" cy="3151717"/>
           </a:xfrm>
           <a:prstGeom prst="rect">
             <a:avLst/>
           </a:prstGeom>
         </p:spPr>
       </p:pic>
-      <p:grpSp>
-        <p:nvGrpSpPr>
-          <p:cNvPr id="21" name="Group 20"/>
-          <p:cNvGrpSpPr/>
+      <p:cxnSp>
+        <p:nvCxnSpPr>
+          <p:cNvPr id="5" name="Straight Connector 4"/>
+          <p:cNvCxnSpPr/>
           <p:nvPr/>
-        </p:nvGrpSpPr>
-        <p:grpSpPr>
-          <a:xfrm>
-            <a:off x="0" y="1833191"/>
-            <a:ext cx="5432612" cy="1611438"/>
-            <a:chOff x="0" y="1833191"/>
-            <a:chExt cx="5432612" cy="1611438"/>
+        </p:nvCxnSpPr>
+        <p:spPr>
+          <a:xfrm flipV="1">
+            <a:off x="0" y="1053615"/>
+            <a:ext cx="1431565" cy="4220"/>
           </a:xfrm>
-        </p:grpSpPr>
-        <p:sp>
-          <p:nvSpPr>
-            <p:cNvPr id="5" name="Rectangle 4"/>
-            <p:cNvSpPr/>
-            <p:nvPr/>
-          </p:nvSpPr>
-          <p:spPr>
-            <a:xfrm>
-              <a:off x="0" y="1833191"/>
-              <a:ext cx="5432612" cy="1546412"/>
-            </a:xfrm>
-            <a:prstGeom prst="rect">
-              <a:avLst/>
-            </a:prstGeom>
+          <a:prstGeom prst="line">
+            <a:avLst/>
+          </a:prstGeom>
+          <a:ln w="57150">
             <a:solidFill>
-              <a:schemeClr val="accent1">
-                <a:lumMod val="40000"/>
-                <a:lumOff val="60000"/>
-                <a:alpha val="70000"/>
-              </a:schemeClr>
+              <a:schemeClr val="accent2"/>
             </a:solidFill>
-            <a:ln>
-              <a:noFill/>
-            </a:ln>
-          </p:spPr>
-          <p:style>
-            <a:lnRef idx="2">
-              <a:schemeClr val="accent1">
-                <a:shade val="50000"/>
-              </a:schemeClr>
-            </a:lnRef>
-            <a:fillRef idx="1">
-              <a:schemeClr val="accent1"/>
-            </a:fillRef>
-            <a:effectRef idx="0">
-              <a:schemeClr val="accent1"/>
-            </a:effectRef>
-            <a:fontRef idx="minor">
-              <a:schemeClr val="lt1"/>
-            </a:fontRef>
-          </p:style>
-          <p:txBody>
-            <a:bodyPr rtlCol="0" anchor="ctr"/>
-            <a:lstStyle/>
-            <a:p>
-              <a:pPr algn="ctr"/>
-              <a:endParaRPr lang="en-US" dirty="0">
-                <a:solidFill>
-                  <a:schemeClr val="tx1"/>
-                </a:solidFill>
-              </a:endParaRPr>
-            </a:p>
-          </p:txBody>
-        </p:sp>
-        <p:pic>
-          <p:nvPicPr>
-            <p:cNvPr id="2" name="Picture 1"/>
-            <p:cNvPicPr>
-              <a:picLocks noChangeAspect="1"/>
-            </p:cNvPicPr>
-            <p:nvPr/>
-          </p:nvPicPr>
-          <p:blipFill>
-            <a:blip r:embed="rId3">
-              <a:extLst>
-                <a:ext uri="{28A0092B-C50C-407E-A947-70E740481C1C}">
-                  <a14:useLocalDpi xmlns:a14="http://schemas.microsoft.com/office/drawing/2010/main" val="0"/>
-                </a:ext>
-              </a:extLst>
-            </a:blip>
-            <a:stretch>
-              <a:fillRect/>
-            </a:stretch>
-          </p:blipFill>
-          <p:spPr>
-            <a:xfrm>
-              <a:off x="0" y="1833191"/>
-              <a:ext cx="1529500" cy="1611438"/>
-            </a:xfrm>
-            <a:prstGeom prst="rect">
-              <a:avLst/>
-            </a:prstGeom>
-          </p:spPr>
-        </p:pic>
-        <p:sp>
-          <p:nvSpPr>
-            <p:cNvPr id="9" name="TextBox 8"/>
-            <p:cNvSpPr txBox="1"/>
-            <p:nvPr/>
-          </p:nvSpPr>
-          <p:spPr>
-            <a:xfrm>
-              <a:off x="1578612" y="1844191"/>
-              <a:ext cx="3854000" cy="1323439"/>
-            </a:xfrm>
-            <a:prstGeom prst="rect">
-              <a:avLst/>
-            </a:prstGeom>
-            <a:noFill/>
-          </p:spPr>
-          <p:txBody>
-            <a:bodyPr wrap="square" rtlCol="0">
-              <a:spAutoFit/>
-            </a:bodyPr>
-            <a:lstStyle/>
-            <a:p>
-              <a:pPr algn="ctr"/>
-              <a:r>
-                <a:rPr lang="en-US" sz="2000" b="1" dirty="0"/>
-                <a:t>To sensitize the population on the importance of financial independence for them and even for the country</a:t>
-              </a:r>
-              <a:endParaRPr lang="en-US" sz="2000" b="1" dirty="0"/>
-            </a:p>
-          </p:txBody>
-        </p:sp>
-      </p:grpSp>
-      <p:grpSp>
-        <p:nvGrpSpPr>
-          <p:cNvPr id="18" name="Group 17"/>
-          <p:cNvGrpSpPr/>
+          </a:ln>
+        </p:spPr>
+        <p:style>
+          <a:lnRef idx="1">
+            <a:schemeClr val="accent1"/>
+          </a:lnRef>
+          <a:fillRef idx="0">
+            <a:schemeClr val="accent1"/>
+          </a:fillRef>
+          <a:effectRef idx="0">
+            <a:schemeClr val="accent1"/>
+          </a:effectRef>
+          <a:fontRef idx="minor">
+            <a:schemeClr val="tx1"/>
+          </a:fontRef>
+        </p:style>
+      </p:cxnSp>
+      <p:cxnSp>
+        <p:nvCxnSpPr>
+          <p:cNvPr id="6" name="Straight Connector 5"/>
+          <p:cNvCxnSpPr/>
           <p:nvPr/>
-        </p:nvGrpSpPr>
-        <p:grpSpPr>
-          <a:xfrm>
-            <a:off x="6683381" y="1794771"/>
-            <a:ext cx="5481724" cy="1649858"/>
-            <a:chOff x="6683381" y="1794771"/>
-            <a:chExt cx="5481724" cy="1649858"/>
+        </p:nvCxnSpPr>
+        <p:spPr>
+          <a:xfrm flipV="1">
+            <a:off x="3314237" y="1044424"/>
+            <a:ext cx="1431565" cy="4220"/>
           </a:xfrm>
-        </p:grpSpPr>
-        <p:sp>
-          <p:nvSpPr>
-            <p:cNvPr id="8" name="Rectangle 7"/>
-            <p:cNvSpPr/>
-            <p:nvPr/>
-          </p:nvSpPr>
-          <p:spPr>
-            <a:xfrm>
-              <a:off x="6732493" y="1833191"/>
-              <a:ext cx="5432612" cy="1546412"/>
-            </a:xfrm>
-            <a:prstGeom prst="rect">
-              <a:avLst/>
-            </a:prstGeom>
+          <a:prstGeom prst="line">
+            <a:avLst/>
+          </a:prstGeom>
+          <a:ln w="57150">
             <a:solidFill>
-              <a:schemeClr val="accent1">
-                <a:lumMod val="40000"/>
-                <a:lumOff val="60000"/>
-                <a:alpha val="70000"/>
-              </a:schemeClr>
+              <a:srgbClr val="057092"/>
             </a:solidFill>
-            <a:ln>
-              <a:noFill/>
-            </a:ln>
-          </p:spPr>
-          <p:style>
-            <a:lnRef idx="2">
-              <a:schemeClr val="accent1">
-                <a:shade val="50000"/>
-              </a:schemeClr>
-            </a:lnRef>
-            <a:fillRef idx="1">
-              <a:schemeClr val="accent1"/>
-            </a:fillRef>
-            <a:effectRef idx="0">
-              <a:schemeClr val="accent1"/>
-            </a:effectRef>
-            <a:fontRef idx="minor">
-              <a:schemeClr val="lt1"/>
-            </a:fontRef>
-          </p:style>
-          <p:txBody>
-            <a:bodyPr rtlCol="0" anchor="ctr"/>
-            <a:lstStyle/>
-            <a:p>
-              <a:pPr algn="ctr"/>
-              <a:endParaRPr lang="en-US"/>
-            </a:p>
-          </p:txBody>
-        </p:sp>
-        <p:pic>
-          <p:nvPicPr>
-            <p:cNvPr id="11" name="Picture 10"/>
-            <p:cNvPicPr>
-              <a:picLocks noChangeAspect="1"/>
-            </p:cNvPicPr>
-            <p:nvPr/>
-          </p:nvPicPr>
-          <p:blipFill>
-            <a:blip r:embed="rId4" cstate="print">
-              <a:extLst>
-                <a:ext uri="{28A0092B-C50C-407E-A947-70E740481C1C}">
-                  <a14:useLocalDpi xmlns:a14="http://schemas.microsoft.com/office/drawing/2010/main" val="0"/>
-                </a:ext>
-              </a:extLst>
-            </a:blip>
-            <a:stretch>
-              <a:fillRect/>
-            </a:stretch>
-          </p:blipFill>
-          <p:spPr>
-            <a:xfrm>
-              <a:off x="6683381" y="1794771"/>
-              <a:ext cx="1547540" cy="1649858"/>
-            </a:xfrm>
-            <a:prstGeom prst="rect">
-              <a:avLst/>
-            </a:prstGeom>
-          </p:spPr>
-        </p:pic>
-        <p:sp>
-          <p:nvSpPr>
-            <p:cNvPr id="12" name="TextBox 11"/>
-            <p:cNvSpPr txBox="1"/>
-            <p:nvPr/>
-          </p:nvSpPr>
-          <p:spPr>
-            <a:xfrm>
-              <a:off x="8210229" y="2052735"/>
-              <a:ext cx="3807600" cy="1015663"/>
-            </a:xfrm>
-            <a:prstGeom prst="rect">
-              <a:avLst/>
-            </a:prstGeom>
-            <a:noFill/>
-            <a:ln>
-              <a:noFill/>
-            </a:ln>
-          </p:spPr>
-          <p:txBody>
-            <a:bodyPr wrap="square" rtlCol="0">
-              <a:spAutoFit/>
-            </a:bodyPr>
-            <a:lstStyle/>
-            <a:p>
-              <a:pPr algn="ctr"/>
-              <a:r>
-                <a:rPr lang="en-US" sz="2000" b="1" dirty="0"/>
-                <a:t>Implement financial policies to increase access to financial services in rural areas</a:t>
-              </a:r>
-            </a:p>
-          </p:txBody>
-        </p:sp>
-      </p:grpSp>
-      <p:grpSp>
-        <p:nvGrpSpPr>
-          <p:cNvPr id="19" name="Group 18"/>
-          <p:cNvGrpSpPr/>
+          </a:ln>
+        </p:spPr>
+        <p:style>
+          <a:lnRef idx="1">
+            <a:schemeClr val="accent1"/>
+          </a:lnRef>
+          <a:fillRef idx="0">
+            <a:schemeClr val="accent1"/>
+          </a:fillRef>
+          <a:effectRef idx="0">
+            <a:schemeClr val="accent1"/>
+          </a:effectRef>
+          <a:fontRef idx="minor">
+            <a:schemeClr val="tx1"/>
+          </a:fontRef>
+        </p:style>
+      </p:cxnSp>
+      <p:cxnSp>
+        <p:nvCxnSpPr>
+          <p:cNvPr id="7" name="Straight Connector 6"/>
+          <p:cNvCxnSpPr/>
           <p:nvPr/>
-        </p:nvGrpSpPr>
-        <p:grpSpPr>
-          <a:xfrm>
-            <a:off x="0" y="4013072"/>
-            <a:ext cx="5432612" cy="1580872"/>
-            <a:chOff x="0" y="4013072"/>
-            <a:chExt cx="5432612" cy="1580872"/>
+        </p:nvCxnSpPr>
+        <p:spPr>
+          <a:xfrm flipV="1">
+            <a:off x="1638882" y="1053615"/>
+            <a:ext cx="1431565" cy="4220"/>
           </a:xfrm>
-        </p:grpSpPr>
-        <p:sp>
-          <p:nvSpPr>
-            <p:cNvPr id="7" name="Rectangle 6"/>
-            <p:cNvSpPr/>
-            <p:nvPr/>
-          </p:nvSpPr>
-          <p:spPr>
-            <a:xfrm>
-              <a:off x="0" y="4013072"/>
-              <a:ext cx="5432612" cy="1470212"/>
-            </a:xfrm>
-            <a:prstGeom prst="rect">
-              <a:avLst/>
-            </a:prstGeom>
+          <a:prstGeom prst="line">
+            <a:avLst/>
+          </a:prstGeom>
+          <a:ln w="57150">
             <a:solidFill>
-              <a:schemeClr val="accent1">
-                <a:lumMod val="40000"/>
-                <a:lumOff val="60000"/>
-                <a:alpha val="70000"/>
-              </a:schemeClr>
+              <a:srgbClr val="910C07"/>
             </a:solidFill>
-            <a:ln>
-              <a:noFill/>
-            </a:ln>
-          </p:spPr>
-          <p:style>
-            <a:lnRef idx="2">
-              <a:schemeClr val="accent1">
-                <a:shade val="50000"/>
-              </a:schemeClr>
-            </a:lnRef>
-            <a:fillRef idx="1">
-              <a:schemeClr val="accent1"/>
-            </a:fillRef>
-            <a:effectRef idx="0">
-              <a:schemeClr val="accent1"/>
-            </a:effectRef>
-            <a:fontRef idx="minor">
-              <a:schemeClr val="lt1"/>
-            </a:fontRef>
-          </p:style>
-          <p:txBody>
-            <a:bodyPr rtlCol="0" anchor="ctr"/>
-            <a:lstStyle/>
-            <a:p>
-              <a:pPr algn="ctr"/>
-              <a:endParaRPr lang="en-US"/>
-            </a:p>
-          </p:txBody>
-        </p:sp>
-        <p:pic>
-          <p:nvPicPr>
-            <p:cNvPr id="13" name="Picture 12"/>
-            <p:cNvPicPr>
-              <a:picLocks noChangeAspect="1"/>
-            </p:cNvPicPr>
-            <p:nvPr/>
-          </p:nvPicPr>
-          <p:blipFill>
-            <a:blip r:embed="rId5">
-              <a:extLst>
-                <a:ext uri="{28A0092B-C50C-407E-A947-70E740481C1C}">
-                  <a14:useLocalDpi xmlns:a14="http://schemas.microsoft.com/office/drawing/2010/main" val="0"/>
-                </a:ext>
-              </a:extLst>
-            </a:blip>
-            <a:stretch>
-              <a:fillRect/>
-            </a:stretch>
-          </p:blipFill>
-          <p:spPr>
-            <a:xfrm>
-              <a:off x="13652" y="4078097"/>
-              <a:ext cx="1515847" cy="1515847"/>
-            </a:xfrm>
-            <a:prstGeom prst="rect">
-              <a:avLst/>
-            </a:prstGeom>
-            <a:solidFill>
-              <a:srgbClr val="FFFFFF">
-                <a:shade val="85000"/>
-              </a:srgbClr>
-            </a:solidFill>
-            <a:ln w="88900" cap="sq">
-              <a:solidFill>
-                <a:srgbClr val="FFFFFF"/>
-              </a:solidFill>
-              <a:miter lim="800000"/>
-            </a:ln>
-            <a:effectLst>
-              <a:outerShdw blurRad="55000" dist="18000" dir="5400000" algn="tl" rotWithShape="0">
-                <a:srgbClr val="000000">
-                  <a:alpha val="40000"/>
-                </a:srgbClr>
-              </a:outerShdw>
-            </a:effectLst>
-            <a:scene3d>
-              <a:camera prst="orthographicFront"/>
-              <a:lightRig rig="twoPt" dir="t">
-                <a:rot lat="0" lon="0" rev="7200000"/>
-              </a:lightRig>
-            </a:scene3d>
-            <a:sp3d>
-              <a:bevelT w="25400" h="19050"/>
-              <a:contourClr>
-                <a:srgbClr val="FFFFFF"/>
-              </a:contourClr>
-            </a:sp3d>
-          </p:spPr>
-        </p:pic>
-        <p:sp>
-          <p:nvSpPr>
-            <p:cNvPr id="14" name="TextBox 13"/>
-            <p:cNvSpPr txBox="1"/>
-            <p:nvPr/>
-          </p:nvSpPr>
-          <p:spPr>
-            <a:xfrm>
-              <a:off x="1422400" y="4460033"/>
-              <a:ext cx="3746759" cy="707886"/>
-            </a:xfrm>
-            <a:prstGeom prst="rect">
-              <a:avLst/>
-            </a:prstGeom>
-            <a:noFill/>
-          </p:spPr>
-          <p:txBody>
-            <a:bodyPr wrap="square" rtlCol="0">
-              <a:spAutoFit/>
-            </a:bodyPr>
-            <a:lstStyle/>
-            <a:p>
-              <a:pPr algn="ctr"/>
-              <a:r>
-                <a:rPr lang="en-US" sz="2000" b="1" dirty="0"/>
-                <a:t>Investing in women's education in Haiti</a:t>
-              </a:r>
-            </a:p>
-          </p:txBody>
-        </p:sp>
-      </p:grpSp>
-      <p:grpSp>
-        <p:nvGrpSpPr>
-          <p:cNvPr id="20" name="Group 19"/>
-          <p:cNvGrpSpPr/>
-          <p:nvPr/>
-        </p:nvGrpSpPr>
-        <p:grpSpPr>
-          <a:xfrm>
-            <a:off x="6732493" y="4013072"/>
-            <a:ext cx="5432612" cy="1470213"/>
-            <a:chOff x="6732493" y="4013072"/>
-            <a:chExt cx="5432612" cy="1470213"/>
-          </a:xfrm>
-        </p:grpSpPr>
-        <p:sp>
-          <p:nvSpPr>
-            <p:cNvPr id="6" name="Rectangle 5"/>
-            <p:cNvSpPr/>
-            <p:nvPr/>
-          </p:nvSpPr>
-          <p:spPr>
-            <a:xfrm>
-              <a:off x="6732493" y="4013072"/>
-              <a:ext cx="5432612" cy="1470212"/>
-            </a:xfrm>
-            <a:prstGeom prst="rect">
-              <a:avLst/>
-            </a:prstGeom>
-            <a:solidFill>
-              <a:schemeClr val="accent1">
-                <a:lumMod val="40000"/>
-                <a:lumOff val="60000"/>
-                <a:alpha val="70000"/>
-              </a:schemeClr>
-            </a:solidFill>
-            <a:ln>
-              <a:noFill/>
-            </a:ln>
-          </p:spPr>
-          <p:style>
-            <a:lnRef idx="2">
-              <a:schemeClr val="accent1">
-                <a:shade val="50000"/>
-              </a:schemeClr>
-            </a:lnRef>
-            <a:fillRef idx="1">
-              <a:schemeClr val="accent1"/>
-            </a:fillRef>
-            <a:effectRef idx="0">
-              <a:schemeClr val="accent1"/>
-            </a:effectRef>
-            <a:fontRef idx="minor">
-              <a:schemeClr val="lt1"/>
-            </a:fontRef>
-          </p:style>
-          <p:txBody>
-            <a:bodyPr rtlCol="0" anchor="ctr"/>
-            <a:lstStyle/>
-            <a:p>
-              <a:pPr algn="ctr"/>
-              <a:endParaRPr lang="en-US" sz="2000" b="1" dirty="0">
-                <a:solidFill>
-                  <a:schemeClr val="tx1"/>
-                </a:solidFill>
-              </a:endParaRPr>
-            </a:p>
-          </p:txBody>
-        </p:sp>
-        <p:pic>
-          <p:nvPicPr>
-            <p:cNvPr id="15" name="Picture 14"/>
-            <p:cNvPicPr>
-              <a:picLocks noChangeAspect="1"/>
-            </p:cNvPicPr>
-            <p:nvPr/>
-          </p:nvPicPr>
-          <p:blipFill>
-            <a:blip r:embed="rId6" cstate="print">
-              <a:extLst>
-                <a:ext uri="{28A0092B-C50C-407E-A947-70E740481C1C}">
-                  <a14:useLocalDpi xmlns:a14="http://schemas.microsoft.com/office/drawing/2010/main" val="0"/>
-                </a:ext>
-              </a:extLst>
-            </a:blip>
-            <a:stretch>
-              <a:fillRect/>
-            </a:stretch>
-          </p:blipFill>
-          <p:spPr>
-            <a:xfrm>
-              <a:off x="6732493" y="4013073"/>
-              <a:ext cx="1291834" cy="1470212"/>
-            </a:xfrm>
-            <a:prstGeom prst="rect">
-              <a:avLst/>
-            </a:prstGeom>
-            <a:ln>
-              <a:noFill/>
-            </a:ln>
-          </p:spPr>
-        </p:pic>
-        <p:sp>
-          <p:nvSpPr>
-            <p:cNvPr id="16" name="TextBox 15"/>
-            <p:cNvSpPr txBox="1"/>
-            <p:nvPr/>
-          </p:nvSpPr>
-          <p:spPr>
-            <a:xfrm>
-              <a:off x="8537770" y="4240346"/>
-              <a:ext cx="3152518" cy="1015663"/>
-            </a:xfrm>
-            <a:prstGeom prst="rect">
-              <a:avLst/>
-            </a:prstGeom>
-            <a:noFill/>
-            <a:ln>
-              <a:noFill/>
-            </a:ln>
-          </p:spPr>
-          <p:txBody>
-            <a:bodyPr wrap="square" rtlCol="0">
-              <a:spAutoFit/>
-            </a:bodyPr>
-            <a:lstStyle/>
-            <a:p>
-              <a:r>
-                <a:rPr lang="en-US" sz="2000" b="1" dirty="0" smtClean="0"/>
-                <a:t>The responsible institutions must take concrete actions to defend women's rights</a:t>
-              </a:r>
-              <a:endParaRPr lang="en-US" sz="2000" b="1" dirty="0"/>
-            </a:p>
-          </p:txBody>
-        </p:sp>
-      </p:grpSp>
+          </a:ln>
+        </p:spPr>
+        <p:style>
+          <a:lnRef idx="1">
+            <a:schemeClr val="accent1"/>
+          </a:lnRef>
+          <a:fillRef idx="0">
+            <a:schemeClr val="accent1"/>
+          </a:fillRef>
+          <a:effectRef idx="0">
+            <a:schemeClr val="accent1"/>
+          </a:effectRef>
+          <a:fontRef idx="minor">
+            <a:schemeClr val="tx1"/>
+          </a:fontRef>
+        </p:style>
+      </p:cxnSp>
     </p:spTree>
     <p:extLst>
       <p:ext uri="{BB962C8B-B14F-4D97-AF65-F5344CB8AC3E}">
-        <p14:creationId xmlns:p14="http://schemas.microsoft.com/office/powerpoint/2010/main" val="3808284902"/>
+        <p14:creationId xmlns:p14="http://schemas.microsoft.com/office/powerpoint/2010/main" val="3679896686"/>
       </p:ext>
     </p:extLst>
   </p:cSld>
   <p:clrMapOvr>
     <a:masterClrMapping/>
   </p:clrMapOvr>
-  <p:timing>
-    <p:tnLst>
-      <p:par>
-        <p:cTn id="1" dur="indefinite" restart="never" nodeType="tmRoot">
-          <p:childTnLst>
-            <p:seq concurrent="1" nextAc="seek">
-              <p:cTn id="2" dur="indefinite" nodeType="mainSeq">
-                <p:childTnLst>
-                  <p:par>
-                    <p:cTn id="3" fill="hold">
-                      <p:stCondLst>
-                        <p:cond delay="indefinite"/>
-                      </p:stCondLst>
-                      <p:childTnLst>
-                        <p:par>
-                          <p:cTn id="4" fill="hold">
-                            <p:stCondLst>
-                              <p:cond delay="0"/>
-                            </p:stCondLst>
-                            <p:childTnLst>
-                              <p:par>
-                                <p:cTn id="5" presetID="2" presetClass="entr" presetSubtype="4" fill="hold" nodeType="clickEffect">
-                                  <p:stCondLst>
-                                    <p:cond delay="0"/>
-                                  </p:stCondLst>
-                                  <p:childTnLst>
-                                    <p:set>
-                                      <p:cBhvr>
-                                        <p:cTn id="6" dur="1" fill="hold">
-                                          <p:stCondLst>
-                                            <p:cond delay="0"/>
-                                          </p:stCondLst>
-                                        </p:cTn>
-                                        <p:tgtEl>
-                                          <p:spTgt spid="20"/>
-                                        </p:tgtEl>
-                                        <p:attrNameLst>
-                                          <p:attrName>style.visibility</p:attrName>
-                                        </p:attrNameLst>
-                                      </p:cBhvr>
-                                      <p:to>
-                                        <p:strVal val="visible"/>
-                                      </p:to>
-                                    </p:set>
-                                    <p:anim calcmode="lin" valueType="num">
-                                      <p:cBhvr additive="base">
-                                        <p:cTn id="7" dur="500" fill="hold"/>
-                                        <p:tgtEl>
-                                          <p:spTgt spid="20"/>
-                                        </p:tgtEl>
-                                        <p:attrNameLst>
-                                          <p:attrName>ppt_x</p:attrName>
-                                        </p:attrNameLst>
-                                      </p:cBhvr>
-                                      <p:tavLst>
-                                        <p:tav tm="0">
-                                          <p:val>
-                                            <p:strVal val="#ppt_x"/>
-                                          </p:val>
-                                        </p:tav>
-                                        <p:tav tm="100000">
-                                          <p:val>
-                                            <p:strVal val="#ppt_x"/>
-                                          </p:val>
-                                        </p:tav>
-                                      </p:tavLst>
-                                    </p:anim>
-                                    <p:anim calcmode="lin" valueType="num">
-                                      <p:cBhvr additive="base">
-                                        <p:cTn id="8" dur="500" fill="hold"/>
-                                        <p:tgtEl>
-                                          <p:spTgt spid="20"/>
-                                        </p:tgtEl>
-                                        <p:attrNameLst>
-                                          <p:attrName>ppt_y</p:attrName>
-                                        </p:attrNameLst>
-                                      </p:cBhvr>
-                                      <p:tavLst>
-                                        <p:tav tm="0">
-                                          <p:val>
-                                            <p:strVal val="1+#ppt_h/2"/>
-                                          </p:val>
-                                        </p:tav>
-                                        <p:tav tm="100000">
-                                          <p:val>
-                                            <p:strVal val="#ppt_y"/>
-                                          </p:val>
-                                        </p:tav>
-                                      </p:tavLst>
-                                    </p:anim>
-                                  </p:childTnLst>
-                                </p:cTn>
-                              </p:par>
-                            </p:childTnLst>
-                          </p:cTn>
-                        </p:par>
-                      </p:childTnLst>
-                    </p:cTn>
-                  </p:par>
-                  <p:par>
-                    <p:cTn id="9" fill="hold">
-                      <p:stCondLst>
-                        <p:cond delay="indefinite"/>
-                      </p:stCondLst>
-                      <p:childTnLst>
-                        <p:par>
-                          <p:cTn id="10" fill="hold">
-                            <p:stCondLst>
-                              <p:cond delay="0"/>
-                            </p:stCondLst>
-                            <p:childTnLst>
-                              <p:par>
-                                <p:cTn id="11" presetID="2" presetClass="entr" presetSubtype="4" fill="hold" nodeType="clickEffect">
-                                  <p:stCondLst>
-                                    <p:cond delay="0"/>
-                                  </p:stCondLst>
-                                  <p:childTnLst>
-                                    <p:set>
-                                      <p:cBhvr>
-                                        <p:cTn id="12" dur="1" fill="hold">
-                                          <p:stCondLst>
-                                            <p:cond delay="0"/>
-                                          </p:stCondLst>
-                                        </p:cTn>
-                                        <p:tgtEl>
-                                          <p:spTgt spid="19"/>
-                                        </p:tgtEl>
-                                        <p:attrNameLst>
-                                          <p:attrName>style.visibility</p:attrName>
-                                        </p:attrNameLst>
-                                      </p:cBhvr>
-                                      <p:to>
-                                        <p:strVal val="visible"/>
-                                      </p:to>
-                                    </p:set>
-                                    <p:anim calcmode="lin" valueType="num">
-                                      <p:cBhvr additive="base">
-                                        <p:cTn id="13" dur="500" fill="hold"/>
-                                        <p:tgtEl>
-                                          <p:spTgt spid="19"/>
-                                        </p:tgtEl>
-                                        <p:attrNameLst>
-                                          <p:attrName>ppt_x</p:attrName>
-                                        </p:attrNameLst>
-                                      </p:cBhvr>
-                                      <p:tavLst>
-                                        <p:tav tm="0">
-                                          <p:val>
-                                            <p:strVal val="#ppt_x"/>
-                                          </p:val>
-                                        </p:tav>
-                                        <p:tav tm="100000">
-                                          <p:val>
-                                            <p:strVal val="#ppt_x"/>
-                                          </p:val>
-                                        </p:tav>
-                                      </p:tavLst>
-                                    </p:anim>
-                                    <p:anim calcmode="lin" valueType="num">
-                                      <p:cBhvr additive="base">
-                                        <p:cTn id="14" dur="500" fill="hold"/>
-                                        <p:tgtEl>
-                                          <p:spTgt spid="19"/>
-                                        </p:tgtEl>
-                                        <p:attrNameLst>
-                                          <p:attrName>ppt_y</p:attrName>
-                                        </p:attrNameLst>
-                                      </p:cBhvr>
-                                      <p:tavLst>
-                                        <p:tav tm="0">
-                                          <p:val>
-                                            <p:strVal val="1+#ppt_h/2"/>
-                                          </p:val>
-                                        </p:tav>
-                                        <p:tav tm="100000">
-                                          <p:val>
-                                            <p:strVal val="#ppt_y"/>
-                                          </p:val>
-                                        </p:tav>
-                                      </p:tavLst>
-                                    </p:anim>
-                                  </p:childTnLst>
-                                </p:cTn>
-                              </p:par>
-                            </p:childTnLst>
-                          </p:cTn>
-                        </p:par>
-                      </p:childTnLst>
-                    </p:cTn>
-                  </p:par>
-                  <p:par>
-                    <p:cTn id="15" fill="hold">
-                      <p:stCondLst>
-                        <p:cond delay="indefinite"/>
-                      </p:stCondLst>
-                      <p:childTnLst>
-                        <p:par>
-                          <p:cTn id="16" fill="hold">
-                            <p:stCondLst>
-                              <p:cond delay="0"/>
-                            </p:stCondLst>
-                            <p:childTnLst>
-                              <p:par>
-                                <p:cTn id="17" presetID="2" presetClass="entr" presetSubtype="2" fill="hold" nodeType="clickEffect">
-                                  <p:stCondLst>
-                                    <p:cond delay="0"/>
-                                  </p:stCondLst>
-                                  <p:childTnLst>
-                                    <p:set>
-                                      <p:cBhvr>
-                                        <p:cTn id="18" dur="1" fill="hold">
-                                          <p:stCondLst>
-                                            <p:cond delay="0"/>
-                                          </p:stCondLst>
-                                        </p:cTn>
-                                        <p:tgtEl>
-                                          <p:spTgt spid="18"/>
-                                        </p:tgtEl>
-                                        <p:attrNameLst>
-                                          <p:attrName>style.visibility</p:attrName>
-                                        </p:attrNameLst>
-                                      </p:cBhvr>
-                                      <p:to>
-                                        <p:strVal val="visible"/>
-                                      </p:to>
-                                    </p:set>
-                                    <p:anim calcmode="lin" valueType="num">
-                                      <p:cBhvr additive="base">
-                                        <p:cTn id="19" dur="500" fill="hold"/>
-                                        <p:tgtEl>
-                                          <p:spTgt spid="18"/>
-                                        </p:tgtEl>
-                                        <p:attrNameLst>
-                                          <p:attrName>ppt_x</p:attrName>
-                                        </p:attrNameLst>
-                                      </p:cBhvr>
-                                      <p:tavLst>
-                                        <p:tav tm="0">
-                                          <p:val>
-                                            <p:strVal val="1+#ppt_w/2"/>
-                                          </p:val>
-                                        </p:tav>
-                                        <p:tav tm="100000">
-                                          <p:val>
-                                            <p:strVal val="#ppt_x"/>
-                                          </p:val>
-                                        </p:tav>
-                                      </p:tavLst>
-                                    </p:anim>
-                                    <p:anim calcmode="lin" valueType="num">
-                                      <p:cBhvr additive="base">
-                                        <p:cTn id="20" dur="500" fill="hold"/>
-                                        <p:tgtEl>
-                                          <p:spTgt spid="18"/>
-                                        </p:tgtEl>
-                                        <p:attrNameLst>
-                                          <p:attrName>ppt_y</p:attrName>
-                                        </p:attrNameLst>
-                                      </p:cBhvr>
-                                      <p:tavLst>
-                                        <p:tav tm="0">
-                                          <p:val>
-                                            <p:strVal val="#ppt_y"/>
-                                          </p:val>
-                                        </p:tav>
-                                        <p:tav tm="100000">
-                                          <p:val>
-                                            <p:strVal val="#ppt_y"/>
-                                          </p:val>
-                                        </p:tav>
-                                      </p:tavLst>
-                                    </p:anim>
-                                  </p:childTnLst>
-                                </p:cTn>
-                              </p:par>
-                            </p:childTnLst>
-                          </p:cTn>
-                        </p:par>
-                      </p:childTnLst>
-                    </p:cTn>
-                  </p:par>
-                  <p:par>
-                    <p:cTn id="21" fill="hold">
-                      <p:stCondLst>
-                        <p:cond delay="indefinite"/>
-                      </p:stCondLst>
-                      <p:childTnLst>
-                        <p:par>
-                          <p:cTn id="22" fill="hold">
-                            <p:stCondLst>
-                              <p:cond delay="0"/>
-                            </p:stCondLst>
-                            <p:childTnLst>
-                              <p:par>
-                                <p:cTn id="23" presetID="2" presetClass="entr" presetSubtype="8" fill="hold" nodeType="clickEffect">
-                                  <p:stCondLst>
-                                    <p:cond delay="0"/>
-                                  </p:stCondLst>
-                                  <p:childTnLst>
-                                    <p:set>
-                                      <p:cBhvr>
-                                        <p:cTn id="24" dur="1" fill="hold">
-                                          <p:stCondLst>
-                                            <p:cond delay="0"/>
-                                          </p:stCondLst>
-                                        </p:cTn>
-                                        <p:tgtEl>
-                                          <p:spTgt spid="21"/>
-                                        </p:tgtEl>
-                                        <p:attrNameLst>
-                                          <p:attrName>style.visibility</p:attrName>
-                                        </p:attrNameLst>
-                                      </p:cBhvr>
-                                      <p:to>
-                                        <p:strVal val="visible"/>
-                                      </p:to>
-                                    </p:set>
-                                    <p:anim calcmode="lin" valueType="num">
-                                      <p:cBhvr additive="base">
-                                        <p:cTn id="25" dur="500" fill="hold"/>
-                                        <p:tgtEl>
-                                          <p:spTgt spid="21"/>
-                                        </p:tgtEl>
-                                        <p:attrNameLst>
-                                          <p:attrName>ppt_x</p:attrName>
-                                        </p:attrNameLst>
-                                      </p:cBhvr>
-                                      <p:tavLst>
-                                        <p:tav tm="0">
-                                          <p:val>
-                                            <p:strVal val="0-#ppt_w/2"/>
-                                          </p:val>
-                                        </p:tav>
-                                        <p:tav tm="100000">
-                                          <p:val>
-                                            <p:strVal val="#ppt_x"/>
-                                          </p:val>
-                                        </p:tav>
-                                      </p:tavLst>
-                                    </p:anim>
-                                    <p:anim calcmode="lin" valueType="num">
-                                      <p:cBhvr additive="base">
-                                        <p:cTn id="26" dur="500" fill="hold"/>
-                                        <p:tgtEl>
-                                          <p:spTgt spid="21"/>
-                                        </p:tgtEl>
-                                        <p:attrNameLst>
-                                          <p:attrName>ppt_y</p:attrName>
-                                        </p:attrNameLst>
-                                      </p:cBhvr>
-                                      <p:tavLst>
-                                        <p:tav tm="0">
-                                          <p:val>
-                                            <p:strVal val="#ppt_y"/>
-                                          </p:val>
-                                        </p:tav>
-                                        <p:tav tm="100000">
-                                          <p:val>
-                                            <p:strVal val="#ppt_y"/>
-                                          </p:val>
-                                        </p:tav>
-                                      </p:tavLst>
-                                    </p:anim>
-                                  </p:childTnLst>
-                                </p:cTn>
-                              </p:par>
-                            </p:childTnLst>
-                          </p:cTn>
-                        </p:par>
-                      </p:childTnLst>
-                    </p:cTn>
-                  </p:par>
-                </p:childTnLst>
-              </p:cTn>
-              <p:prevCondLst>
-                <p:cond evt="onPrev" delay="0">
-                  <p:tgtEl>
-                    <p:sldTgt/>
-                  </p:tgtEl>
-                </p:cond>
-              </p:prevCondLst>
-              <p:nextCondLst>
-                <p:cond evt="onNext" delay="0">
-                  <p:tgtEl>
-                    <p:sldTgt/>
-                  </p:tgtEl>
-                </p:cond>
-              </p:nextCondLst>
-            </p:seq>
-          </p:childTnLst>
-        </p:cTn>
-      </p:par>
-    </p:tnLst>
-  </p:timing>
 </p:sld>
 </file>
 
@@ -5788,28 +4926,28 @@
           <a:lstStyle/>
           <a:p>
             <a:r>
-              <a:rPr lang="en-US" dirty="0" smtClean="0"/>
+              <a:rPr lang="en-US" dirty="0"/>
               <a:t>LINKEDIN</a:t>
             </a:r>
             <a:r>
-              <a:rPr lang="en-US" sz="2000" dirty="0" smtClean="0"/>
+              <a:rPr lang="en-US" sz="2000" dirty="0"/>
               <a:t>:  </a:t>
             </a:r>
             <a:r>
-              <a:rPr lang="en-US" sz="2000" dirty="0" smtClean="0">
+              <a:rPr lang="en-US" sz="2000" dirty="0">
                 <a:hlinkClick r:id="rId2"/>
               </a:rPr>
               <a:t>www.linkedin.com/in/gothie-ridgina-pasteur</a:t>
             </a:r>
             <a:r>
-              <a:rPr lang="en-US" sz="2000" dirty="0" smtClean="0"/>
+              <a:rPr lang="en-US" sz="2000" dirty="0"/>
               <a:t> </a:t>
             </a:r>
-            <a:endParaRPr lang="en-US" dirty="0" smtClean="0"/>
+            <a:endParaRPr lang="en-US" dirty="0"/>
           </a:p>
           <a:p>
             <a:r>
-              <a:rPr lang="en-US" dirty="0" smtClean="0"/>
+              <a:rPr lang="en-US" dirty="0"/>
               <a:t>GITHUB:      </a:t>
             </a:r>
             <a:r>
@@ -5950,10 +5088,9 @@
           <a:lstStyle/>
           <a:p>
             <a:r>
-              <a:rPr lang="en-US" sz="2000" dirty="0" smtClean="0"/>
+              <a:rPr lang="en-US" sz="2000" dirty="0"/>
               <a:t>YOU CAN CONTACT ME ON</a:t>
             </a:r>
-            <a:endParaRPr lang="en-US" sz="2000" dirty="0"/>
           </a:p>
         </p:txBody>
       </p:sp>
@@ -5997,13 +5134,6 @@
   <p:clrMapOvr>
     <a:masterClrMapping/>
   </p:clrMapOvr>
-  <p:timing>
-    <p:tnLst>
-      <p:par>
-        <p:cTn id="1" dur="indefinite" restart="never" nodeType="tmRoot"/>
-      </p:par>
-    </p:tnLst>
-  </p:timing>
 </p:sld>
 </file>
 
@@ -6583,10 +5713,9 @@
             <a:p>
               <a:pPr algn="ctr"/>
               <a:r>
-                <a:rPr lang="en-US" sz="3600" b="1" dirty="0" smtClean="0"/>
+                <a:rPr lang="en-US" sz="3600" b="1" dirty="0"/>
                 <a:t>51 %</a:t>
               </a:r>
-              <a:endParaRPr lang="en-US" sz="3600" b="1" dirty="0"/>
             </a:p>
           </p:txBody>
         </p:sp>
@@ -6659,7 +5788,7 @@
           <a:p>
             <a:pPr algn="ctr"/>
             <a:r>
-              <a:rPr lang="en-US" sz="2400" b="1" dirty="0" smtClean="0">
+              <a:rPr lang="en-US" sz="2400" b="1" dirty="0">
                 <a:solidFill>
                   <a:schemeClr val="tx1"/>
                 </a:solidFill>
@@ -7499,18 +6628,13 @@
             <a:p>
               <a:pPr algn="ctr"/>
               <a:r>
-                <a:rPr lang="en-US" sz="2800" dirty="0" smtClean="0">
+                <a:rPr lang="en-US" sz="2800" dirty="0">
                   <a:solidFill>
                     <a:schemeClr val="bg1"/>
                   </a:solidFill>
                 </a:rPr>
                 <a:t>1</a:t>
               </a:r>
-              <a:endParaRPr lang="en-US" sz="2800" dirty="0">
-                <a:solidFill>
-                  <a:schemeClr val="bg1"/>
-                </a:solidFill>
-              </a:endParaRPr>
             </a:p>
           </p:txBody>
         </p:sp>
@@ -8310,18 +7434,13 @@
             <a:p>
               <a:pPr algn="ctr"/>
               <a:r>
-                <a:rPr lang="en-US" sz="2800" dirty="0" smtClean="0">
+                <a:rPr lang="en-US" sz="2800" dirty="0">
                   <a:solidFill>
                     <a:schemeClr val="bg1"/>
                   </a:solidFill>
                 </a:rPr>
                 <a:t>3</a:t>
               </a:r>
-              <a:endParaRPr lang="en-US" sz="2800" dirty="0">
-                <a:solidFill>
-                  <a:schemeClr val="bg1"/>
-                </a:solidFill>
-              </a:endParaRPr>
             </a:p>
           </p:txBody>
         </p:sp>
@@ -11276,10 +10395,9 @@
           <a:lstStyle/>
           <a:p>
             <a:r>
-              <a:rPr lang="en-US" sz="2400" b="1" dirty="0" smtClean="0"/>
+              <a:rPr lang="en-US" sz="2400" b="1" dirty="0"/>
               <a:t>PROBLEM, AUDIENCE , DATA SOURCE</a:t>
             </a:r>
-            <a:endParaRPr lang="en-US" sz="2400" b="1" dirty="0"/>
           </a:p>
         </p:txBody>
       </p:sp>
@@ -11412,30 +10530,12 @@
           <a:p>
             <a:pPr algn="ctr"/>
             <a:r>
-              <a:rPr lang="en-US" sz="2400" dirty="0" smtClean="0">
-                <a:latin typeface="Times New Roman" panose="02020603050405020304" pitchFamily="18" charset="0"/>
-                <a:cs typeface="Times New Roman" panose="02020603050405020304" pitchFamily="18" charset="0"/>
-              </a:rPr>
-              <a:t>This </a:t>
-            </a:r>
-            <a:r>
               <a:rPr lang="en-US" sz="2400" dirty="0">
                 <a:latin typeface="Times New Roman" panose="02020603050405020304" pitchFamily="18" charset="0"/>
                 <a:cs typeface="Times New Roman" panose="02020603050405020304" pitchFamily="18" charset="0"/>
               </a:rPr>
-              <a:t>work concerns women in general and </a:t>
+              <a:t>This work concerns women in general and all institutions that promote gender   equality</a:t>
             </a:r>
-            <a:r>
-              <a:rPr lang="en-US" sz="2400" dirty="0" smtClean="0">
-                <a:latin typeface="Times New Roman" panose="02020603050405020304" pitchFamily="18" charset="0"/>
-                <a:cs typeface="Times New Roman" panose="02020603050405020304" pitchFamily="18" charset="0"/>
-              </a:rPr>
-              <a:t>all institutions that promote gender   equality</a:t>
-            </a:r>
-            <a:endParaRPr lang="en-US" sz="2400" dirty="0">
-              <a:latin typeface="Times New Roman" panose="02020603050405020304" pitchFamily="18" charset="0"/>
-              <a:cs typeface="Times New Roman" panose="02020603050405020304" pitchFamily="18" charset="0"/>
-            </a:endParaRPr>
           </a:p>
         </p:txBody>
       </p:sp>
@@ -11463,10 +10563,9 @@
           <a:p>
             <a:pPr algn="ctr"/>
             <a:r>
-              <a:rPr lang="en-US" sz="2000" b="1" dirty="0" smtClean="0"/>
+              <a:rPr lang="en-US" sz="2000" b="1" dirty="0"/>
               <a:t>Audience</a:t>
             </a:r>
-            <a:endParaRPr lang="en-US" sz="2000" b="1" dirty="0"/>
           </a:p>
         </p:txBody>
       </p:sp>
@@ -11494,32 +10593,11 @@
           <a:p>
             <a:pPr algn="ctr"/>
             <a:r>
-              <a:rPr lang="en-US" sz="2400" dirty="0" smtClean="0">
-                <a:latin typeface="Times New Roman" panose="02020603050405020304" pitchFamily="18" charset="0"/>
-                <a:cs typeface="Times New Roman" panose="02020603050405020304" pitchFamily="18" charset="0"/>
-              </a:rPr>
-              <a:t>Data </a:t>
-            </a:r>
-            <a:r>
               <a:rPr lang="en-US" sz="2400" dirty="0">
                 <a:latin typeface="Times New Roman" panose="02020603050405020304" pitchFamily="18" charset="0"/>
                 <a:cs typeface="Times New Roman" panose="02020603050405020304" pitchFamily="18" charset="0"/>
               </a:rPr>
-              <a:t>are from EMMUS </a:t>
-            </a:r>
-            <a:r>
-              <a:rPr lang="en-US" sz="2400" dirty="0" smtClean="0">
-                <a:latin typeface="Times New Roman" panose="02020603050405020304" pitchFamily="18" charset="0"/>
-                <a:cs typeface="Times New Roman" panose="02020603050405020304" pitchFamily="18" charset="0"/>
-              </a:rPr>
-              <a:t>2016-2017, a </a:t>
-            </a:r>
-            <a:r>
-              <a:rPr lang="en-US" sz="2400" dirty="0">
-                <a:latin typeface="Times New Roman" panose="02020603050405020304" pitchFamily="18" charset="0"/>
-                <a:cs typeface="Times New Roman" panose="02020603050405020304" pitchFamily="18" charset="0"/>
-              </a:rPr>
-              <a:t>survey of morbidity, mortality and service utilization</a:t>
+              <a:t>Data are from EMMUS 2016-2017, a survey of morbidity, mortality and service utilization</a:t>
             </a:r>
           </a:p>
           <a:p>
@@ -11550,10 +10628,9 @@
           <a:lstStyle/>
           <a:p>
             <a:r>
-              <a:rPr lang="en-US" sz="2000" b="1" dirty="0" smtClean="0"/>
+              <a:rPr lang="en-US" sz="2000" b="1" dirty="0"/>
               <a:t>Data Source</a:t>
             </a:r>
-            <a:endParaRPr lang="en-US" sz="2000" b="1" dirty="0"/>
           </a:p>
         </p:txBody>
       </p:sp>
@@ -11580,10 +10657,9 @@
           <a:lstStyle/>
           <a:p>
             <a:r>
-              <a:rPr lang="en-US" sz="2000" b="1" dirty="0" smtClean="0"/>
+              <a:rPr lang="en-US" sz="2000" b="1" dirty="0"/>
               <a:t>Problem</a:t>
             </a:r>
-            <a:endParaRPr lang="en-US" sz="2000" b="1" dirty="0"/>
           </a:p>
         </p:txBody>
       </p:sp>
@@ -11612,15 +10688,42 @@
             <a:pPr algn="ctr"/>
             <a:r>
               <a:rPr lang="en-US" sz="2400" dirty="0"/>
-              <a:t>The lack of financial independence of </a:t>
+              <a:t>The lack of financial independence of Haitian women source of lack of freedom</a:t>
             </a:r>
+          </a:p>
+        </p:txBody>
+      </p:sp>
+      <p:sp>
+        <p:nvSpPr>
+          <p:cNvPr id="5" name="TextBox 4">
+            <a:extLst>
+              <a:ext uri="{FF2B5EF4-FFF2-40B4-BE49-F238E27FC236}">
+                <a16:creationId xmlns:a16="http://schemas.microsoft.com/office/drawing/2014/main" id="{3A82D424-91D7-41E5-8D90-C4161C520849}"/>
+              </a:ext>
+            </a:extLst>
+          </p:cNvPr>
+          <p:cNvSpPr txBox="1"/>
+          <p:nvPr/>
+        </p:nvSpPr>
+        <p:spPr>
+          <a:xfrm>
+            <a:off x="3713018" y="5763491"/>
+            <a:ext cx="5860473" cy="707886"/>
+          </a:xfrm>
+          <a:prstGeom prst="rect">
+            <a:avLst/>
+          </a:prstGeom>
+          <a:noFill/>
+        </p:spPr>
+        <p:txBody>
+          <a:bodyPr wrap="square" rtlCol="0">
+            <a:spAutoFit/>
+          </a:bodyPr>
+          <a:lstStyle/>
+          <a:p>
             <a:r>
-              <a:rPr lang="en-US" sz="2400" dirty="0" smtClean="0"/>
-              <a:t>Haitian </a:t>
-            </a:r>
-            <a:r>
-              <a:rPr lang="en-US" sz="2400" dirty="0"/>
-              <a:t>women source of lack of freedom</a:t>
+              <a:rPr lang="en-US" sz="2000" b="1" dirty="0"/>
+              <a:t>To do this work, I calculated a score with tree variables.</a:t>
             </a:r>
           </a:p>
         </p:txBody>
@@ -12709,10 +11812,9 @@
             <a:lstStyle/>
             <a:p>
               <a:r>
-                <a:rPr lang="en-US" dirty="0" smtClean="0"/>
+                <a:rPr lang="en-US" dirty="0"/>
                 <a:t>Data collection</a:t>
               </a:r>
-              <a:endParaRPr lang="en-US" dirty="0"/>
             </a:p>
           </p:txBody>
         </p:sp>
@@ -13349,10 +12451,9 @@
             <a:lstStyle/>
             <a:p>
               <a:r>
-                <a:rPr lang="en-US" dirty="0" smtClean="0"/>
+                <a:rPr lang="en-US" dirty="0"/>
                 <a:t>Data Cleaning</a:t>
               </a:r>
-              <a:endParaRPr lang="en-US" dirty="0"/>
             </a:p>
           </p:txBody>
         </p:sp>
@@ -13974,10 +13075,9 @@
             <a:p>
               <a:pPr algn="ctr"/>
               <a:r>
-                <a:rPr lang="en-US" dirty="0" smtClean="0"/>
+                <a:rPr lang="en-US" dirty="0"/>
                 <a:t>Target Variable Creation</a:t>
               </a:r>
-              <a:endParaRPr lang="en-US" dirty="0"/>
             </a:p>
           </p:txBody>
         </p:sp>
@@ -14599,10 +13699,9 @@
             <a:lstStyle/>
             <a:p>
               <a:r>
-                <a:rPr lang="en-US" dirty="0" smtClean="0"/>
+                <a:rPr lang="en-US" dirty="0"/>
                 <a:t>Data Analysis</a:t>
               </a:r>
-              <a:endParaRPr lang="en-US" dirty="0"/>
             </a:p>
           </p:txBody>
         </p:sp>
@@ -15239,10 +14338,9 @@
             <a:lstStyle/>
             <a:p>
               <a:r>
-                <a:rPr lang="en-US" dirty="0" smtClean="0"/>
+                <a:rPr lang="en-US" dirty="0"/>
                 <a:t>Modelling</a:t>
               </a:r>
-              <a:endParaRPr lang="en-US" dirty="0"/>
             </a:p>
           </p:txBody>
         </p:sp>
@@ -15271,7 +14369,7 @@
           <a:p>
             <a:pPr algn="ctr"/>
             <a:r>
-              <a:rPr lang="en-US" sz="2400" b="1" dirty="0" smtClean="0"/>
+              <a:rPr lang="en-US" sz="2400" b="1" dirty="0"/>
               <a:t>METHODOLOGY</a:t>
             </a:r>
             <a:endParaRPr lang="en-US" b="1" dirty="0"/>
@@ -16026,10 +15124,9 @@
           <a:lstStyle/>
           <a:p>
             <a:r>
-              <a:rPr lang="en-US" sz="2400" dirty="0" smtClean="0"/>
+              <a:rPr lang="en-US" sz="2400" dirty="0"/>
               <a:t>Exploratory Analysis</a:t>
             </a:r>
-            <a:endParaRPr lang="en-US" sz="2400" dirty="0"/>
           </a:p>
         </p:txBody>
       </p:sp>
@@ -16121,14 +15218,7 @@
                 <a:latin typeface="Times New Roman" panose="02020603050405020304" pitchFamily="18" charset="0"/>
                 <a:cs typeface="Times New Roman" panose="02020603050405020304" pitchFamily="18" charset="0"/>
               </a:rPr>
-              <a:t>There are twice as many women who are financially dependent. Among the 6176 married women and 1136 cohabiting women, respectively 60% and 51% are financially independent </a:t>
-            </a:r>
-            <a:r>
-              <a:rPr lang="en-US" sz="2400" dirty="0" smtClean="0">
-                <a:latin typeface="Times New Roman" panose="02020603050405020304" pitchFamily="18" charset="0"/>
-                <a:cs typeface="Times New Roman" panose="02020603050405020304" pitchFamily="18" charset="0"/>
-              </a:rPr>
-              <a:t>.</a:t>
+              <a:t>There are twice as many women who are financially dependent Among the 6176 married women and 1136 cohabiting women, respectively 60% and 51% are financially independent .</a:t>
             </a:r>
           </a:p>
         </p:txBody>
@@ -16143,13 +15233,6 @@
   <p:clrMapOvr>
     <a:masterClrMapping/>
   </p:clrMapOvr>
-  <p:timing>
-    <p:tnLst>
-      <p:par>
-        <p:cTn id="1" dur="indefinite" restart="never" nodeType="tmRoot"/>
-      </p:par>
-    </p:tnLst>
-  </p:timing>
 </p:sld>
 </file>
 
@@ -16232,10 +15315,9 @@
           <a:p>
             <a:pPr algn="ctr"/>
             <a:r>
-              <a:rPr lang="en-US" sz="2400" b="1" dirty="0" smtClean="0"/>
+              <a:rPr lang="en-US" sz="2400" b="1" dirty="0"/>
               <a:t>Exploratory Data Analysis</a:t>
             </a:r>
-            <a:endParaRPr lang="en-US" sz="2400" b="1" dirty="0"/>
           </a:p>
         </p:txBody>
       </p:sp>
@@ -16450,13 +15532,6 @@
   <p:clrMapOvr>
     <a:masterClrMapping/>
   </p:clrMapOvr>
-  <p:timing>
-    <p:tnLst>
-      <p:par>
-        <p:cTn id="1" dur="indefinite" restart="never" nodeType="tmRoot"/>
-      </p:par>
-    </p:tnLst>
-  </p:timing>
 </p:sld>
 </file>
 
@@ -16665,18 +15740,11 @@
           <a:p>
             <a:pPr algn="just"/>
             <a:r>
-              <a:rPr lang="en-US" sz="2400" dirty="0" smtClean="0">
-                <a:latin typeface="Times New Roman" panose="02020603050405020304" pitchFamily="18" charset="0"/>
-                <a:cs typeface="Times New Roman" panose="02020603050405020304" pitchFamily="18" charset="0"/>
-              </a:rPr>
-              <a:t>Among </a:t>
-            </a:r>
-            <a:r>
               <a:rPr lang="en-US" sz="2400" dirty="0">
                 <a:latin typeface="Times New Roman" panose="02020603050405020304" pitchFamily="18" charset="0"/>
                 <a:cs typeface="Times New Roman" panose="02020603050405020304" pitchFamily="18" charset="0"/>
               </a:rPr>
-              <a:t>the women coming from each department directly, more than 40% of those coming from the Northeast are independent</a:t>
+              <a:t>Among the women coming from each department directly, more than 40% of those coming from the Northeast are independent</a:t>
             </a:r>
           </a:p>
         </p:txBody>
@@ -16691,13 +15759,6 @@
   <p:clrMapOvr>
     <a:masterClrMapping/>
   </p:clrMapOvr>
-  <p:timing>
-    <p:tnLst>
-      <p:par>
-        <p:cTn id="1" dur="indefinite" restart="never" nodeType="tmRoot"/>
-      </p:par>
-    </p:tnLst>
-  </p:timing>
 </p:sld>
 </file>
 
@@ -16741,10 +15802,9 @@
           <a:lstStyle/>
           <a:p>
             <a:r>
-              <a:rPr lang="en-US" sz="2800" b="1" dirty="0" smtClean="0"/>
+              <a:rPr lang="en-US" sz="2800" b="1" dirty="0"/>
               <a:t>Analytical Models</a:t>
             </a:r>
-            <a:endParaRPr lang="en-US" sz="2800" b="1" dirty="0"/>
           </a:p>
         </p:txBody>
       </p:sp>
@@ -16877,31 +15937,15 @@
           <a:p>
             <a:r>
               <a:rPr lang="en-US" sz="2400" dirty="0"/>
-              <a:t>Technical document</a:t>
-            </a:r>
-            <a:r>
-              <a:rPr lang="en-US" sz="2400" dirty="0" smtClean="0"/>
-              <a:t>: </a:t>
-            </a:r>
-            <a:r>
-              <a:rPr lang="en-US" sz="2400" dirty="0" smtClean="0">
-                <a:hlinkClick r:id="rId2"/>
-              </a:rPr>
-              <a:t>https</a:t>
+              <a:t>Technical document: </a:t>
             </a:r>
             <a:r>
               <a:rPr lang="en-US" sz="2400" dirty="0">
                 <a:hlinkClick r:id="rId2"/>
               </a:rPr>
-              <a:t>://</a:t>
+              <a:t>https://github.com/gothie348/Final-project.git</a:t>
             </a:r>
-            <a:r>
-              <a:rPr lang="en-US" sz="2400" dirty="0" smtClean="0">
-                <a:hlinkClick r:id="rId2"/>
-              </a:rPr>
-              <a:t>github.com/gothie348/Final-project.git</a:t>
-            </a:r>
-            <a:endParaRPr lang="en-US" sz="2400" dirty="0" smtClean="0"/>
+            <a:endParaRPr lang="en-US" sz="2400" dirty="0"/>
           </a:p>
           <a:p>
             <a:endParaRPr lang="en-US" sz="2400" dirty="0"/>
@@ -18433,13 +17477,13 @@
           <a:p>
             <a:pPr algn="ctr"/>
             <a:r>
-              <a:rPr lang="en-US" sz="2800" b="1" dirty="0" smtClean="0"/>
+              <a:rPr lang="en-US" sz="2800" b="1" dirty="0"/>
               <a:t>Model Chosen</a:t>
             </a:r>
           </a:p>
           <a:p>
             <a:pPr algn="ctr"/>
-            <a:endParaRPr lang="en-US" sz="2000" b="1" dirty="0" smtClean="0"/>
+            <a:endParaRPr lang="en-US" sz="2000" b="1" dirty="0"/>
           </a:p>
           <a:p>
             <a:pPr algn="just"/>
@@ -18450,7 +17494,7 @@
               </a:rPr>
               <a:t>Given the performance of the models, the amount of categorical data contained in the dataset, and the objective of my work, I chose the Random forest classification model with an accuracy of and in a time of 0.76 seconds</a:t>
             </a:r>
-            <a:endParaRPr lang="en-US" sz="2000" b="1" dirty="0" smtClean="0"/>
+            <a:endParaRPr lang="en-US" sz="2000" b="1" dirty="0"/>
           </a:p>
           <a:p>
             <a:pPr algn="ctr"/>
@@ -18458,7 +17502,7 @@
           </a:p>
           <a:p>
             <a:pPr algn="ctr"/>
-            <a:endParaRPr lang="en-US" sz="2000" b="1" dirty="0" smtClean="0"/>
+            <a:endParaRPr lang="en-US" sz="2000" b="1" dirty="0"/>
           </a:p>
           <a:p>
             <a:pPr algn="ctr"/>
@@ -18480,13 +17524,6 @@
   <p:clrMapOvr>
     <a:masterClrMapping/>
   </p:clrMapOvr>
-  <p:timing>
-    <p:tnLst>
-      <p:par>
-        <p:cTn id="1" dur="indefinite" restart="never" nodeType="tmRoot"/>
-      </p:par>
-    </p:tnLst>
-  </p:timing>
 </p:sld>
 </file>
 
@@ -18509,109 +17546,60 @@
       </p:grpSpPr>
       <p:sp>
         <p:nvSpPr>
-          <p:cNvPr id="2" name="TextBox 1"/>
-          <p:cNvSpPr txBox="1"/>
+          <p:cNvPr id="3" name="Rectangle 2"/>
+          <p:cNvSpPr/>
           <p:nvPr/>
         </p:nvSpPr>
         <p:spPr>
           <a:xfrm>
-            <a:off x="0" y="268941"/>
-            <a:ext cx="4482353" cy="461665"/>
+            <a:off x="1" y="304799"/>
+            <a:ext cx="12192000" cy="702365"/>
           </a:xfrm>
           <a:prstGeom prst="rect">
             <a:avLst/>
           </a:prstGeom>
-          <a:noFill/>
+          <a:solidFill>
+            <a:srgbClr val="0C7185">
+              <a:alpha val="60000"/>
+            </a:srgbClr>
+          </a:solidFill>
+          <a:ln>
+            <a:solidFill>
+              <a:schemeClr val="accent1">
+                <a:shade val="50000"/>
+                <a:alpha val="70000"/>
+              </a:schemeClr>
+            </a:solidFill>
+          </a:ln>
         </p:spPr>
+        <p:style>
+          <a:lnRef idx="2">
+            <a:schemeClr val="accent1">
+              <a:shade val="50000"/>
+            </a:schemeClr>
+          </a:lnRef>
+          <a:fillRef idx="1">
+            <a:schemeClr val="accent1"/>
+          </a:fillRef>
+          <a:effectRef idx="0">
+            <a:schemeClr val="accent1"/>
+          </a:effectRef>
+          <a:fontRef idx="minor">
+            <a:schemeClr val="lt1"/>
+          </a:fontRef>
+        </p:style>
         <p:txBody>
-          <a:bodyPr wrap="square" rtlCol="0">
-            <a:spAutoFit/>
-          </a:bodyPr>
+          <a:bodyPr rtlCol="0" anchor="ctr"/>
           <a:lstStyle/>
           <a:p>
             <a:pPr algn="ctr"/>
             <a:r>
-              <a:rPr lang="en-US" sz="2400" b="1" dirty="0" smtClean="0"/>
-              <a:t>CONCLUSION</a:t>
-            </a:r>
-            <a:endParaRPr lang="en-US" sz="2400" b="1" dirty="0"/>
-          </a:p>
-        </p:txBody>
-      </p:sp>
-      <p:sp>
-        <p:nvSpPr>
-          <p:cNvPr id="3" name="TextBox 2"/>
-          <p:cNvSpPr txBox="1"/>
-          <p:nvPr/>
-        </p:nvSpPr>
-        <p:spPr>
-          <a:xfrm>
-            <a:off x="3428999" y="1900517"/>
-            <a:ext cx="7382435" cy="4154984"/>
-          </a:xfrm>
-          <a:prstGeom prst="rect">
-            <a:avLst/>
-          </a:prstGeom>
-          <a:noFill/>
-        </p:spPr>
-        <p:txBody>
-          <a:bodyPr wrap="square" rtlCol="0">
-            <a:spAutoFit/>
-          </a:bodyPr>
-          <a:lstStyle/>
-          <a:p>
-            <a:pPr algn="just"/>
-            <a:r>
-              <a:rPr lang="en-US" sz="2400" dirty="0"/>
-              <a:t>Equality in Haitian society is the business of the entire Haitian population. According to the number of observations of the dataset, more than 50% of women are financially dependent and most of them are between 19 and 29 years old, which means that it is the female youth of the country who live in these conditions. </a:t>
-            </a:r>
-            <a:endParaRPr lang="en-US" sz="2400" dirty="0" smtClean="0"/>
-          </a:p>
-          <a:p>
-            <a:endParaRPr lang="en-US" sz="2400" dirty="0" smtClean="0"/>
-          </a:p>
-          <a:p>
-            <a:pPr algn="ctr"/>
-            <a:r>
-              <a:rPr lang="en-US" sz="2400" b="1" dirty="0" smtClean="0"/>
-              <a:t>So </a:t>
-            </a:r>
-            <a:r>
-              <a:rPr lang="en-US" sz="2400" b="1" dirty="0"/>
-              <a:t>what are you going to do</a:t>
-            </a:r>
-            <a:r>
-              <a:rPr lang="en-US" sz="2400" b="1" dirty="0" smtClean="0"/>
-              <a:t>?</a:t>
-            </a:r>
-          </a:p>
-          <a:p>
-            <a:endParaRPr lang="en-US" sz="2400" b="1" dirty="0"/>
-          </a:p>
-          <a:p>
-            <a:pPr algn="ctr"/>
-            <a:r>
-              <a:rPr lang="en-US" sz="2400" b="1" dirty="0" smtClean="0"/>
-              <a:t> </a:t>
-            </a:r>
-            <a:r>
-              <a:rPr lang="en-US" sz="2400" b="1" dirty="0"/>
-              <a:t>Sit back and watch or get involved</a:t>
-            </a:r>
-            <a:r>
-              <a:rPr lang="en-US" sz="2400" b="1" dirty="0" smtClean="0"/>
-              <a:t>?</a:t>
-            </a:r>
-          </a:p>
-          <a:p>
-            <a:pPr algn="ctr"/>
-            <a:r>
-              <a:rPr lang="en-US" sz="2400" b="1" dirty="0" smtClean="0"/>
-              <a:t>The </a:t>
-            </a:r>
-            <a:r>
-              <a:rPr lang="en-US" sz="2400" b="1" dirty="0"/>
-              <a:t>choice is yours. </a:t>
+              <a:rPr lang="en-US" sz="2400" b="1" dirty="0">
+                <a:solidFill>
+                  <a:schemeClr val="tx1"/>
+                </a:solidFill>
+              </a:rPr>
+              <a:t>RECOMMENDATION</a:t>
             </a:r>
           </a:p>
         </p:txBody>
@@ -18625,7 +17613,7 @@
           <p:nvPr/>
         </p:nvPicPr>
         <p:blipFill>
-          <a:blip r:embed="rId2">
+          <a:blip r:embed="rId2" cstate="print">
             <a:extLst>
               <a:ext uri="{28A0092B-C50C-407E-A947-70E740481C1C}">
                 <a14:useLocalDpi xmlns:a14="http://schemas.microsoft.com/office/drawing/2010/main" val="0"/>
@@ -18638,123 +17626,564 @@
         </p:blipFill>
         <p:spPr>
           <a:xfrm>
-            <a:off x="205273" y="2241377"/>
-            <a:ext cx="3326371" cy="3151717"/>
+            <a:off x="0" y="6051727"/>
+            <a:ext cx="2701291" cy="2025968"/>
           </a:xfrm>
           <a:prstGeom prst="rect">
             <a:avLst/>
           </a:prstGeom>
         </p:spPr>
       </p:pic>
-      <p:cxnSp>
-        <p:nvCxnSpPr>
-          <p:cNvPr id="5" name="Straight Connector 4"/>
-          <p:cNvCxnSpPr/>
+      <p:grpSp>
+        <p:nvGrpSpPr>
+          <p:cNvPr id="21" name="Group 20"/>
+          <p:cNvGrpSpPr/>
           <p:nvPr/>
-        </p:nvCxnSpPr>
-        <p:spPr>
-          <a:xfrm flipV="1">
-            <a:off x="0" y="1053615"/>
-            <a:ext cx="1431565" cy="4220"/>
+        </p:nvGrpSpPr>
+        <p:grpSpPr>
+          <a:xfrm>
+            <a:off x="0" y="1833191"/>
+            <a:ext cx="5432612" cy="1611438"/>
+            <a:chOff x="0" y="1833191"/>
+            <a:chExt cx="5432612" cy="1611438"/>
           </a:xfrm>
-          <a:prstGeom prst="line">
-            <a:avLst/>
-          </a:prstGeom>
-          <a:ln w="57150">
+        </p:grpSpPr>
+        <p:sp>
+          <p:nvSpPr>
+            <p:cNvPr id="5" name="Rectangle 4"/>
+            <p:cNvSpPr/>
+            <p:nvPr/>
+          </p:nvSpPr>
+          <p:spPr>
+            <a:xfrm>
+              <a:off x="0" y="1833191"/>
+              <a:ext cx="5432612" cy="1546412"/>
+            </a:xfrm>
+            <a:prstGeom prst="rect">
+              <a:avLst/>
+            </a:prstGeom>
             <a:solidFill>
-              <a:schemeClr val="accent2"/>
+              <a:schemeClr val="accent1">
+                <a:lumMod val="40000"/>
+                <a:lumOff val="60000"/>
+                <a:alpha val="70000"/>
+              </a:schemeClr>
             </a:solidFill>
-          </a:ln>
-        </p:spPr>
-        <p:style>
-          <a:lnRef idx="1">
-            <a:schemeClr val="accent1"/>
-          </a:lnRef>
-          <a:fillRef idx="0">
-            <a:schemeClr val="accent1"/>
-          </a:fillRef>
-          <a:effectRef idx="0">
-            <a:schemeClr val="accent1"/>
-          </a:effectRef>
-          <a:fontRef idx="minor">
-            <a:schemeClr val="tx1"/>
-          </a:fontRef>
-        </p:style>
-      </p:cxnSp>
-      <p:cxnSp>
-        <p:nvCxnSpPr>
-          <p:cNvPr id="6" name="Straight Connector 5"/>
-          <p:cNvCxnSpPr/>
+            <a:ln>
+              <a:noFill/>
+            </a:ln>
+          </p:spPr>
+          <p:style>
+            <a:lnRef idx="2">
+              <a:schemeClr val="accent1">
+                <a:shade val="50000"/>
+              </a:schemeClr>
+            </a:lnRef>
+            <a:fillRef idx="1">
+              <a:schemeClr val="accent1"/>
+            </a:fillRef>
+            <a:effectRef idx="0">
+              <a:schemeClr val="accent1"/>
+            </a:effectRef>
+            <a:fontRef idx="minor">
+              <a:schemeClr val="lt1"/>
+            </a:fontRef>
+          </p:style>
+          <p:txBody>
+            <a:bodyPr rtlCol="0" anchor="ctr"/>
+            <a:lstStyle/>
+            <a:p>
+              <a:pPr algn="ctr"/>
+              <a:endParaRPr lang="en-US" dirty="0">
+                <a:solidFill>
+                  <a:schemeClr val="tx1"/>
+                </a:solidFill>
+              </a:endParaRPr>
+            </a:p>
+          </p:txBody>
+        </p:sp>
+        <p:pic>
+          <p:nvPicPr>
+            <p:cNvPr id="2" name="Picture 1"/>
+            <p:cNvPicPr>
+              <a:picLocks noChangeAspect="1"/>
+            </p:cNvPicPr>
+            <p:nvPr/>
+          </p:nvPicPr>
+          <p:blipFill>
+            <a:blip r:embed="rId3">
+              <a:extLst>
+                <a:ext uri="{28A0092B-C50C-407E-A947-70E740481C1C}">
+                  <a14:useLocalDpi xmlns:a14="http://schemas.microsoft.com/office/drawing/2010/main" val="0"/>
+                </a:ext>
+              </a:extLst>
+            </a:blip>
+            <a:stretch>
+              <a:fillRect/>
+            </a:stretch>
+          </p:blipFill>
+          <p:spPr>
+            <a:xfrm>
+              <a:off x="0" y="1833191"/>
+              <a:ext cx="1529500" cy="1611438"/>
+            </a:xfrm>
+            <a:prstGeom prst="rect">
+              <a:avLst/>
+            </a:prstGeom>
+          </p:spPr>
+        </p:pic>
+        <p:sp>
+          <p:nvSpPr>
+            <p:cNvPr id="9" name="TextBox 8"/>
+            <p:cNvSpPr txBox="1"/>
+            <p:nvPr/>
+          </p:nvSpPr>
+          <p:spPr>
+            <a:xfrm>
+              <a:off x="1578612" y="1844191"/>
+              <a:ext cx="3854000" cy="1323439"/>
+            </a:xfrm>
+            <a:prstGeom prst="rect">
+              <a:avLst/>
+            </a:prstGeom>
+            <a:noFill/>
+          </p:spPr>
+          <p:txBody>
+            <a:bodyPr wrap="square" rtlCol="0">
+              <a:spAutoFit/>
+            </a:bodyPr>
+            <a:lstStyle/>
+            <a:p>
+              <a:pPr algn="ctr"/>
+              <a:r>
+                <a:rPr lang="en-US" sz="2000" b="1" dirty="0"/>
+                <a:t>To sensitize the population on the importance of financial independence for them and even for the country</a:t>
+              </a:r>
+            </a:p>
+          </p:txBody>
+        </p:sp>
+      </p:grpSp>
+      <p:grpSp>
+        <p:nvGrpSpPr>
+          <p:cNvPr id="18" name="Group 17"/>
+          <p:cNvGrpSpPr/>
           <p:nvPr/>
-        </p:nvCxnSpPr>
-        <p:spPr>
-          <a:xfrm flipV="1">
-            <a:off x="3314237" y="1044424"/>
-            <a:ext cx="1431565" cy="4220"/>
+        </p:nvGrpSpPr>
+        <p:grpSpPr>
+          <a:xfrm>
+            <a:off x="6683381" y="1794771"/>
+            <a:ext cx="5481724" cy="1649858"/>
+            <a:chOff x="6683381" y="1794771"/>
+            <a:chExt cx="5481724" cy="1649858"/>
           </a:xfrm>
-          <a:prstGeom prst="line">
-            <a:avLst/>
-          </a:prstGeom>
-          <a:ln w="57150">
+        </p:grpSpPr>
+        <p:sp>
+          <p:nvSpPr>
+            <p:cNvPr id="8" name="Rectangle 7"/>
+            <p:cNvSpPr/>
+            <p:nvPr/>
+          </p:nvSpPr>
+          <p:spPr>
+            <a:xfrm>
+              <a:off x="6732493" y="1833191"/>
+              <a:ext cx="5432612" cy="1546412"/>
+            </a:xfrm>
+            <a:prstGeom prst="rect">
+              <a:avLst/>
+            </a:prstGeom>
             <a:solidFill>
-              <a:srgbClr val="057092"/>
+              <a:schemeClr val="accent1">
+                <a:lumMod val="40000"/>
+                <a:lumOff val="60000"/>
+                <a:alpha val="70000"/>
+              </a:schemeClr>
             </a:solidFill>
-          </a:ln>
-        </p:spPr>
-        <p:style>
-          <a:lnRef idx="1">
-            <a:schemeClr val="accent1"/>
-          </a:lnRef>
-          <a:fillRef idx="0">
-            <a:schemeClr val="accent1"/>
-          </a:fillRef>
-          <a:effectRef idx="0">
-            <a:schemeClr val="accent1"/>
-          </a:effectRef>
-          <a:fontRef idx="minor">
-            <a:schemeClr val="tx1"/>
-          </a:fontRef>
-        </p:style>
-      </p:cxnSp>
-      <p:cxnSp>
-        <p:nvCxnSpPr>
-          <p:cNvPr id="7" name="Straight Connector 6"/>
-          <p:cNvCxnSpPr/>
+            <a:ln>
+              <a:noFill/>
+            </a:ln>
+          </p:spPr>
+          <p:style>
+            <a:lnRef idx="2">
+              <a:schemeClr val="accent1">
+                <a:shade val="50000"/>
+              </a:schemeClr>
+            </a:lnRef>
+            <a:fillRef idx="1">
+              <a:schemeClr val="accent1"/>
+            </a:fillRef>
+            <a:effectRef idx="0">
+              <a:schemeClr val="accent1"/>
+            </a:effectRef>
+            <a:fontRef idx="minor">
+              <a:schemeClr val="lt1"/>
+            </a:fontRef>
+          </p:style>
+          <p:txBody>
+            <a:bodyPr rtlCol="0" anchor="ctr"/>
+            <a:lstStyle/>
+            <a:p>
+              <a:pPr algn="ctr"/>
+              <a:endParaRPr lang="en-US"/>
+            </a:p>
+          </p:txBody>
+        </p:sp>
+        <p:pic>
+          <p:nvPicPr>
+            <p:cNvPr id="11" name="Picture 10"/>
+            <p:cNvPicPr>
+              <a:picLocks noChangeAspect="1"/>
+            </p:cNvPicPr>
+            <p:nvPr/>
+          </p:nvPicPr>
+          <p:blipFill>
+            <a:blip r:embed="rId4" cstate="print">
+              <a:extLst>
+                <a:ext uri="{28A0092B-C50C-407E-A947-70E740481C1C}">
+                  <a14:useLocalDpi xmlns:a14="http://schemas.microsoft.com/office/drawing/2010/main" val="0"/>
+                </a:ext>
+              </a:extLst>
+            </a:blip>
+            <a:stretch>
+              <a:fillRect/>
+            </a:stretch>
+          </p:blipFill>
+          <p:spPr>
+            <a:xfrm>
+              <a:off x="6683381" y="1794771"/>
+              <a:ext cx="1547540" cy="1649858"/>
+            </a:xfrm>
+            <a:prstGeom prst="rect">
+              <a:avLst/>
+            </a:prstGeom>
+          </p:spPr>
+        </p:pic>
+        <p:sp>
+          <p:nvSpPr>
+            <p:cNvPr id="12" name="TextBox 11"/>
+            <p:cNvSpPr txBox="1"/>
+            <p:nvPr/>
+          </p:nvSpPr>
+          <p:spPr>
+            <a:xfrm>
+              <a:off x="8210229" y="2052735"/>
+              <a:ext cx="3807600" cy="1015663"/>
+            </a:xfrm>
+            <a:prstGeom prst="rect">
+              <a:avLst/>
+            </a:prstGeom>
+            <a:noFill/>
+            <a:ln>
+              <a:noFill/>
+            </a:ln>
+          </p:spPr>
+          <p:txBody>
+            <a:bodyPr wrap="square" rtlCol="0">
+              <a:spAutoFit/>
+            </a:bodyPr>
+            <a:lstStyle/>
+            <a:p>
+              <a:pPr algn="ctr"/>
+              <a:r>
+                <a:rPr lang="en-US" sz="2000" b="1" dirty="0"/>
+                <a:t>Implement financial policies to increase access to financial services in rural areas</a:t>
+              </a:r>
+            </a:p>
+          </p:txBody>
+        </p:sp>
+      </p:grpSp>
+      <p:grpSp>
+        <p:nvGrpSpPr>
+          <p:cNvPr id="19" name="Group 18"/>
+          <p:cNvGrpSpPr/>
           <p:nvPr/>
-        </p:nvCxnSpPr>
-        <p:spPr>
-          <a:xfrm flipV="1">
-            <a:off x="1638882" y="1053615"/>
-            <a:ext cx="1431565" cy="4220"/>
+        </p:nvGrpSpPr>
+        <p:grpSpPr>
+          <a:xfrm>
+            <a:off x="0" y="4013072"/>
+            <a:ext cx="5432612" cy="1580872"/>
+            <a:chOff x="0" y="4013072"/>
+            <a:chExt cx="5432612" cy="1580872"/>
           </a:xfrm>
-          <a:prstGeom prst="line">
-            <a:avLst/>
-          </a:prstGeom>
-          <a:ln w="57150">
+        </p:grpSpPr>
+        <p:sp>
+          <p:nvSpPr>
+            <p:cNvPr id="7" name="Rectangle 6"/>
+            <p:cNvSpPr/>
+            <p:nvPr/>
+          </p:nvSpPr>
+          <p:spPr>
+            <a:xfrm>
+              <a:off x="0" y="4013072"/>
+              <a:ext cx="5432612" cy="1470212"/>
+            </a:xfrm>
+            <a:prstGeom prst="rect">
+              <a:avLst/>
+            </a:prstGeom>
             <a:solidFill>
-              <a:srgbClr val="910C07"/>
+              <a:schemeClr val="accent1">
+                <a:lumMod val="40000"/>
+                <a:lumOff val="60000"/>
+                <a:alpha val="70000"/>
+              </a:schemeClr>
             </a:solidFill>
-          </a:ln>
-        </p:spPr>
-        <p:style>
-          <a:lnRef idx="1">
-            <a:schemeClr val="accent1"/>
-          </a:lnRef>
-          <a:fillRef idx="0">
-            <a:schemeClr val="accent1"/>
-          </a:fillRef>
-          <a:effectRef idx="0">
-            <a:schemeClr val="accent1"/>
-          </a:effectRef>
-          <a:fontRef idx="minor">
-            <a:schemeClr val="tx1"/>
-          </a:fontRef>
-        </p:style>
-      </p:cxnSp>
+            <a:ln>
+              <a:noFill/>
+            </a:ln>
+          </p:spPr>
+          <p:style>
+            <a:lnRef idx="2">
+              <a:schemeClr val="accent1">
+                <a:shade val="50000"/>
+              </a:schemeClr>
+            </a:lnRef>
+            <a:fillRef idx="1">
+              <a:schemeClr val="accent1"/>
+            </a:fillRef>
+            <a:effectRef idx="0">
+              <a:schemeClr val="accent1"/>
+            </a:effectRef>
+            <a:fontRef idx="minor">
+              <a:schemeClr val="lt1"/>
+            </a:fontRef>
+          </p:style>
+          <p:txBody>
+            <a:bodyPr rtlCol="0" anchor="ctr"/>
+            <a:lstStyle/>
+            <a:p>
+              <a:pPr algn="ctr"/>
+              <a:endParaRPr lang="en-US"/>
+            </a:p>
+          </p:txBody>
+        </p:sp>
+        <p:pic>
+          <p:nvPicPr>
+            <p:cNvPr id="13" name="Picture 12"/>
+            <p:cNvPicPr>
+              <a:picLocks noChangeAspect="1"/>
+            </p:cNvPicPr>
+            <p:nvPr/>
+          </p:nvPicPr>
+          <p:blipFill>
+            <a:blip r:embed="rId5">
+              <a:extLst>
+                <a:ext uri="{28A0092B-C50C-407E-A947-70E740481C1C}">
+                  <a14:useLocalDpi xmlns:a14="http://schemas.microsoft.com/office/drawing/2010/main" val="0"/>
+                </a:ext>
+              </a:extLst>
+            </a:blip>
+            <a:stretch>
+              <a:fillRect/>
+            </a:stretch>
+          </p:blipFill>
+          <p:spPr>
+            <a:xfrm>
+              <a:off x="13652" y="4078097"/>
+              <a:ext cx="1515847" cy="1515847"/>
+            </a:xfrm>
+            <a:prstGeom prst="rect">
+              <a:avLst/>
+            </a:prstGeom>
+            <a:solidFill>
+              <a:srgbClr val="FFFFFF">
+                <a:shade val="85000"/>
+              </a:srgbClr>
+            </a:solidFill>
+            <a:ln w="88900" cap="sq">
+              <a:solidFill>
+                <a:srgbClr val="FFFFFF"/>
+              </a:solidFill>
+              <a:miter lim="800000"/>
+            </a:ln>
+            <a:effectLst>
+              <a:outerShdw blurRad="55000" dist="18000" dir="5400000" algn="tl" rotWithShape="0">
+                <a:srgbClr val="000000">
+                  <a:alpha val="40000"/>
+                </a:srgbClr>
+              </a:outerShdw>
+            </a:effectLst>
+            <a:scene3d>
+              <a:camera prst="orthographicFront"/>
+              <a:lightRig rig="twoPt" dir="t">
+                <a:rot lat="0" lon="0" rev="7200000"/>
+              </a:lightRig>
+            </a:scene3d>
+            <a:sp3d>
+              <a:bevelT w="25400" h="19050"/>
+              <a:contourClr>
+                <a:srgbClr val="FFFFFF"/>
+              </a:contourClr>
+            </a:sp3d>
+          </p:spPr>
+        </p:pic>
+        <p:sp>
+          <p:nvSpPr>
+            <p:cNvPr id="14" name="TextBox 13"/>
+            <p:cNvSpPr txBox="1"/>
+            <p:nvPr/>
+          </p:nvSpPr>
+          <p:spPr>
+            <a:xfrm>
+              <a:off x="1422400" y="4460033"/>
+              <a:ext cx="3746759" cy="707886"/>
+            </a:xfrm>
+            <a:prstGeom prst="rect">
+              <a:avLst/>
+            </a:prstGeom>
+            <a:noFill/>
+          </p:spPr>
+          <p:txBody>
+            <a:bodyPr wrap="square" rtlCol="0">
+              <a:spAutoFit/>
+            </a:bodyPr>
+            <a:lstStyle/>
+            <a:p>
+              <a:pPr algn="ctr"/>
+              <a:r>
+                <a:rPr lang="en-US" sz="2000" b="1" dirty="0"/>
+                <a:t>Investing in women's education in Haiti</a:t>
+              </a:r>
+            </a:p>
+          </p:txBody>
+        </p:sp>
+      </p:grpSp>
+      <p:grpSp>
+        <p:nvGrpSpPr>
+          <p:cNvPr id="20" name="Group 19"/>
+          <p:cNvGrpSpPr/>
+          <p:nvPr/>
+        </p:nvGrpSpPr>
+        <p:grpSpPr>
+          <a:xfrm>
+            <a:off x="6732493" y="4013072"/>
+            <a:ext cx="5432612" cy="1470213"/>
+            <a:chOff x="6732493" y="4013072"/>
+            <a:chExt cx="5432612" cy="1470213"/>
+          </a:xfrm>
+        </p:grpSpPr>
+        <p:sp>
+          <p:nvSpPr>
+            <p:cNvPr id="6" name="Rectangle 5"/>
+            <p:cNvSpPr/>
+            <p:nvPr/>
+          </p:nvSpPr>
+          <p:spPr>
+            <a:xfrm>
+              <a:off x="6732493" y="4013072"/>
+              <a:ext cx="5432612" cy="1470212"/>
+            </a:xfrm>
+            <a:prstGeom prst="rect">
+              <a:avLst/>
+            </a:prstGeom>
+            <a:solidFill>
+              <a:schemeClr val="accent1">
+                <a:lumMod val="40000"/>
+                <a:lumOff val="60000"/>
+                <a:alpha val="70000"/>
+              </a:schemeClr>
+            </a:solidFill>
+            <a:ln>
+              <a:noFill/>
+            </a:ln>
+          </p:spPr>
+          <p:style>
+            <a:lnRef idx="2">
+              <a:schemeClr val="accent1">
+                <a:shade val="50000"/>
+              </a:schemeClr>
+            </a:lnRef>
+            <a:fillRef idx="1">
+              <a:schemeClr val="accent1"/>
+            </a:fillRef>
+            <a:effectRef idx="0">
+              <a:schemeClr val="accent1"/>
+            </a:effectRef>
+            <a:fontRef idx="minor">
+              <a:schemeClr val="lt1"/>
+            </a:fontRef>
+          </p:style>
+          <p:txBody>
+            <a:bodyPr rtlCol="0" anchor="ctr"/>
+            <a:lstStyle/>
+            <a:p>
+              <a:pPr algn="ctr"/>
+              <a:endParaRPr lang="en-US" sz="2000" b="1" dirty="0">
+                <a:solidFill>
+                  <a:schemeClr val="tx1"/>
+                </a:solidFill>
+              </a:endParaRPr>
+            </a:p>
+          </p:txBody>
+        </p:sp>
+        <p:pic>
+          <p:nvPicPr>
+            <p:cNvPr id="15" name="Picture 14"/>
+            <p:cNvPicPr>
+              <a:picLocks noChangeAspect="1"/>
+            </p:cNvPicPr>
+            <p:nvPr/>
+          </p:nvPicPr>
+          <p:blipFill>
+            <a:blip r:embed="rId6" cstate="print">
+              <a:extLst>
+                <a:ext uri="{28A0092B-C50C-407E-A947-70E740481C1C}">
+                  <a14:useLocalDpi xmlns:a14="http://schemas.microsoft.com/office/drawing/2010/main" val="0"/>
+                </a:ext>
+              </a:extLst>
+            </a:blip>
+            <a:stretch>
+              <a:fillRect/>
+            </a:stretch>
+          </p:blipFill>
+          <p:spPr>
+            <a:xfrm>
+              <a:off x="6732493" y="4013073"/>
+              <a:ext cx="1291834" cy="1470212"/>
+            </a:xfrm>
+            <a:prstGeom prst="rect">
+              <a:avLst/>
+            </a:prstGeom>
+            <a:ln>
+              <a:noFill/>
+            </a:ln>
+          </p:spPr>
+        </p:pic>
+        <p:sp>
+          <p:nvSpPr>
+            <p:cNvPr id="16" name="TextBox 15"/>
+            <p:cNvSpPr txBox="1"/>
+            <p:nvPr/>
+          </p:nvSpPr>
+          <p:spPr>
+            <a:xfrm>
+              <a:off x="8537770" y="4240346"/>
+              <a:ext cx="3152518" cy="1015663"/>
+            </a:xfrm>
+            <a:prstGeom prst="rect">
+              <a:avLst/>
+            </a:prstGeom>
+            <a:noFill/>
+            <a:ln>
+              <a:noFill/>
+            </a:ln>
+          </p:spPr>
+          <p:txBody>
+            <a:bodyPr wrap="square" rtlCol="0">
+              <a:spAutoFit/>
+            </a:bodyPr>
+            <a:lstStyle/>
+            <a:p>
+              <a:r>
+                <a:rPr lang="en-US" sz="2000" b="1" dirty="0"/>
+                <a:t>The responsible institutions must take concrete actions to defend women's rights</a:t>
+              </a:r>
+            </a:p>
+          </p:txBody>
+        </p:sp>
+      </p:grpSp>
     </p:spTree>
     <p:extLst>
       <p:ext uri="{BB962C8B-B14F-4D97-AF65-F5344CB8AC3E}">
-        <p14:creationId xmlns:p14="http://schemas.microsoft.com/office/powerpoint/2010/main" val="3679896686"/>
+        <p14:creationId xmlns:p14="http://schemas.microsoft.com/office/powerpoint/2010/main" val="1663132200"/>
       </p:ext>
     </p:extLst>
   </p:cSld>
@@ -18764,7 +18193,394 @@
   <p:timing>
     <p:tnLst>
       <p:par>
-        <p:cTn id="1" dur="indefinite" restart="never" nodeType="tmRoot"/>
+        <p:cTn id="1" dur="indefinite" restart="never" nodeType="tmRoot">
+          <p:childTnLst>
+            <p:seq concurrent="1" nextAc="seek">
+              <p:cTn id="2" dur="indefinite" nodeType="mainSeq">
+                <p:childTnLst>
+                  <p:par>
+                    <p:cTn id="3" fill="hold">
+                      <p:stCondLst>
+                        <p:cond delay="indefinite"/>
+                      </p:stCondLst>
+                      <p:childTnLst>
+                        <p:par>
+                          <p:cTn id="4" fill="hold">
+                            <p:stCondLst>
+                              <p:cond delay="0"/>
+                            </p:stCondLst>
+                            <p:childTnLst>
+                              <p:par>
+                                <p:cTn id="5" presetID="2" presetClass="entr" presetSubtype="4" fill="hold" nodeType="clickEffect">
+                                  <p:stCondLst>
+                                    <p:cond delay="0"/>
+                                  </p:stCondLst>
+                                  <p:childTnLst>
+                                    <p:set>
+                                      <p:cBhvr>
+                                        <p:cTn id="6" dur="1" fill="hold">
+                                          <p:stCondLst>
+                                            <p:cond delay="0"/>
+                                          </p:stCondLst>
+                                        </p:cTn>
+                                        <p:tgtEl>
+                                          <p:spTgt spid="20"/>
+                                        </p:tgtEl>
+                                        <p:attrNameLst>
+                                          <p:attrName>style.visibility</p:attrName>
+                                        </p:attrNameLst>
+                                      </p:cBhvr>
+                                      <p:to>
+                                        <p:strVal val="visible"/>
+                                      </p:to>
+                                    </p:set>
+                                    <p:anim calcmode="lin" valueType="num">
+                                      <p:cBhvr additive="base">
+                                        <p:cTn id="7" dur="500" fill="hold"/>
+                                        <p:tgtEl>
+                                          <p:spTgt spid="20"/>
+                                        </p:tgtEl>
+                                        <p:attrNameLst>
+                                          <p:attrName>ppt_x</p:attrName>
+                                        </p:attrNameLst>
+                                      </p:cBhvr>
+                                      <p:tavLst>
+                                        <p:tav tm="0">
+                                          <p:val>
+                                            <p:strVal val="#ppt_x"/>
+                                          </p:val>
+                                        </p:tav>
+                                        <p:tav tm="100000">
+                                          <p:val>
+                                            <p:strVal val="#ppt_x"/>
+                                          </p:val>
+                                        </p:tav>
+                                      </p:tavLst>
+                                    </p:anim>
+                                    <p:anim calcmode="lin" valueType="num">
+                                      <p:cBhvr additive="base">
+                                        <p:cTn id="8" dur="500" fill="hold"/>
+                                        <p:tgtEl>
+                                          <p:spTgt spid="20"/>
+                                        </p:tgtEl>
+                                        <p:attrNameLst>
+                                          <p:attrName>ppt_y</p:attrName>
+                                        </p:attrNameLst>
+                                      </p:cBhvr>
+                                      <p:tavLst>
+                                        <p:tav tm="0">
+                                          <p:val>
+                                            <p:strVal val="1+#ppt_h/2"/>
+                                          </p:val>
+                                        </p:tav>
+                                        <p:tav tm="100000">
+                                          <p:val>
+                                            <p:strVal val="#ppt_y"/>
+                                          </p:val>
+                                        </p:tav>
+                                      </p:tavLst>
+                                    </p:anim>
+                                  </p:childTnLst>
+                                </p:cTn>
+                              </p:par>
+                            </p:childTnLst>
+                          </p:cTn>
+                        </p:par>
+                      </p:childTnLst>
+                    </p:cTn>
+                  </p:par>
+                  <p:par>
+                    <p:cTn id="9" fill="hold">
+                      <p:stCondLst>
+                        <p:cond delay="indefinite"/>
+                      </p:stCondLst>
+                      <p:childTnLst>
+                        <p:par>
+                          <p:cTn id="10" fill="hold">
+                            <p:stCondLst>
+                              <p:cond delay="0"/>
+                            </p:stCondLst>
+                            <p:childTnLst>
+                              <p:par>
+                                <p:cTn id="11" presetID="2" presetClass="entr" presetSubtype="4" fill="hold" nodeType="clickEffect">
+                                  <p:stCondLst>
+                                    <p:cond delay="0"/>
+                                  </p:stCondLst>
+                                  <p:childTnLst>
+                                    <p:set>
+                                      <p:cBhvr>
+                                        <p:cTn id="12" dur="1" fill="hold">
+                                          <p:stCondLst>
+                                            <p:cond delay="0"/>
+                                          </p:stCondLst>
+                                        </p:cTn>
+                                        <p:tgtEl>
+                                          <p:spTgt spid="19"/>
+                                        </p:tgtEl>
+                                        <p:attrNameLst>
+                                          <p:attrName>style.visibility</p:attrName>
+                                        </p:attrNameLst>
+                                      </p:cBhvr>
+                                      <p:to>
+                                        <p:strVal val="visible"/>
+                                      </p:to>
+                                    </p:set>
+                                    <p:anim calcmode="lin" valueType="num">
+                                      <p:cBhvr additive="base">
+                                        <p:cTn id="13" dur="500" fill="hold"/>
+                                        <p:tgtEl>
+                                          <p:spTgt spid="19"/>
+                                        </p:tgtEl>
+                                        <p:attrNameLst>
+                                          <p:attrName>ppt_x</p:attrName>
+                                        </p:attrNameLst>
+                                      </p:cBhvr>
+                                      <p:tavLst>
+                                        <p:tav tm="0">
+                                          <p:val>
+                                            <p:strVal val="#ppt_x"/>
+                                          </p:val>
+                                        </p:tav>
+                                        <p:tav tm="100000">
+                                          <p:val>
+                                            <p:strVal val="#ppt_x"/>
+                                          </p:val>
+                                        </p:tav>
+                                      </p:tavLst>
+                                    </p:anim>
+                                    <p:anim calcmode="lin" valueType="num">
+                                      <p:cBhvr additive="base">
+                                        <p:cTn id="14" dur="500" fill="hold"/>
+                                        <p:tgtEl>
+                                          <p:spTgt spid="19"/>
+                                        </p:tgtEl>
+                                        <p:attrNameLst>
+                                          <p:attrName>ppt_y</p:attrName>
+                                        </p:attrNameLst>
+                                      </p:cBhvr>
+                                      <p:tavLst>
+                                        <p:tav tm="0">
+                                          <p:val>
+                                            <p:strVal val="1+#ppt_h/2"/>
+                                          </p:val>
+                                        </p:tav>
+                                        <p:tav tm="100000">
+                                          <p:val>
+                                            <p:strVal val="#ppt_y"/>
+                                          </p:val>
+                                        </p:tav>
+                                      </p:tavLst>
+                                    </p:anim>
+                                  </p:childTnLst>
+                                </p:cTn>
+                              </p:par>
+                            </p:childTnLst>
+                          </p:cTn>
+                        </p:par>
+                      </p:childTnLst>
+                    </p:cTn>
+                  </p:par>
+                  <p:par>
+                    <p:cTn id="15" fill="hold">
+                      <p:stCondLst>
+                        <p:cond delay="indefinite"/>
+                      </p:stCondLst>
+                      <p:childTnLst>
+                        <p:par>
+                          <p:cTn id="16" fill="hold">
+                            <p:stCondLst>
+                              <p:cond delay="0"/>
+                            </p:stCondLst>
+                            <p:childTnLst>
+                              <p:par>
+                                <p:cTn id="17" presetID="2" presetClass="entr" presetSubtype="2" fill="hold" nodeType="clickEffect">
+                                  <p:stCondLst>
+                                    <p:cond delay="0"/>
+                                  </p:stCondLst>
+                                  <p:childTnLst>
+                                    <p:set>
+                                      <p:cBhvr>
+                                        <p:cTn id="18" dur="1" fill="hold">
+                                          <p:stCondLst>
+                                            <p:cond delay="0"/>
+                                          </p:stCondLst>
+                                        </p:cTn>
+                                        <p:tgtEl>
+                                          <p:spTgt spid="18"/>
+                                        </p:tgtEl>
+                                        <p:attrNameLst>
+                                          <p:attrName>style.visibility</p:attrName>
+                                        </p:attrNameLst>
+                                      </p:cBhvr>
+                                      <p:to>
+                                        <p:strVal val="visible"/>
+                                      </p:to>
+                                    </p:set>
+                                    <p:anim calcmode="lin" valueType="num">
+                                      <p:cBhvr additive="base">
+                                        <p:cTn id="19" dur="500" fill="hold"/>
+                                        <p:tgtEl>
+                                          <p:spTgt spid="18"/>
+                                        </p:tgtEl>
+                                        <p:attrNameLst>
+                                          <p:attrName>ppt_x</p:attrName>
+                                        </p:attrNameLst>
+                                      </p:cBhvr>
+                                      <p:tavLst>
+                                        <p:tav tm="0">
+                                          <p:val>
+                                            <p:strVal val="1+#ppt_w/2"/>
+                                          </p:val>
+                                        </p:tav>
+                                        <p:tav tm="100000">
+                                          <p:val>
+                                            <p:strVal val="#ppt_x"/>
+                                          </p:val>
+                                        </p:tav>
+                                      </p:tavLst>
+                                    </p:anim>
+                                    <p:anim calcmode="lin" valueType="num">
+                                      <p:cBhvr additive="base">
+                                        <p:cTn id="20" dur="500" fill="hold"/>
+                                        <p:tgtEl>
+                                          <p:spTgt spid="18"/>
+                                        </p:tgtEl>
+                                        <p:attrNameLst>
+                                          <p:attrName>ppt_y</p:attrName>
+                                        </p:attrNameLst>
+                                      </p:cBhvr>
+                                      <p:tavLst>
+                                        <p:tav tm="0">
+                                          <p:val>
+                                            <p:strVal val="#ppt_y"/>
+                                          </p:val>
+                                        </p:tav>
+                                        <p:tav tm="100000">
+                                          <p:val>
+                                            <p:strVal val="#ppt_y"/>
+                                          </p:val>
+                                        </p:tav>
+                                      </p:tavLst>
+                                    </p:anim>
+                                  </p:childTnLst>
+                                </p:cTn>
+                              </p:par>
+                            </p:childTnLst>
+                          </p:cTn>
+                        </p:par>
+                      </p:childTnLst>
+                    </p:cTn>
+                  </p:par>
+                  <p:par>
+                    <p:cTn id="21" fill="hold">
+                      <p:stCondLst>
+                        <p:cond delay="indefinite"/>
+                      </p:stCondLst>
+                      <p:childTnLst>
+                        <p:par>
+                          <p:cTn id="22" fill="hold">
+                            <p:stCondLst>
+                              <p:cond delay="0"/>
+                            </p:stCondLst>
+                            <p:childTnLst>
+                              <p:par>
+                                <p:cTn id="23" presetID="2" presetClass="entr" presetSubtype="8" fill="hold" nodeType="clickEffect">
+                                  <p:stCondLst>
+                                    <p:cond delay="0"/>
+                                  </p:stCondLst>
+                                  <p:childTnLst>
+                                    <p:set>
+                                      <p:cBhvr>
+                                        <p:cTn id="24" dur="1" fill="hold">
+                                          <p:stCondLst>
+                                            <p:cond delay="0"/>
+                                          </p:stCondLst>
+                                        </p:cTn>
+                                        <p:tgtEl>
+                                          <p:spTgt spid="21"/>
+                                        </p:tgtEl>
+                                        <p:attrNameLst>
+                                          <p:attrName>style.visibility</p:attrName>
+                                        </p:attrNameLst>
+                                      </p:cBhvr>
+                                      <p:to>
+                                        <p:strVal val="visible"/>
+                                      </p:to>
+                                    </p:set>
+                                    <p:anim calcmode="lin" valueType="num">
+                                      <p:cBhvr additive="base">
+                                        <p:cTn id="25" dur="500" fill="hold"/>
+                                        <p:tgtEl>
+                                          <p:spTgt spid="21"/>
+                                        </p:tgtEl>
+                                        <p:attrNameLst>
+                                          <p:attrName>ppt_x</p:attrName>
+                                        </p:attrNameLst>
+                                      </p:cBhvr>
+                                      <p:tavLst>
+                                        <p:tav tm="0">
+                                          <p:val>
+                                            <p:strVal val="0-#ppt_w/2"/>
+                                          </p:val>
+                                        </p:tav>
+                                        <p:tav tm="100000">
+                                          <p:val>
+                                            <p:strVal val="#ppt_x"/>
+                                          </p:val>
+                                        </p:tav>
+                                      </p:tavLst>
+                                    </p:anim>
+                                    <p:anim calcmode="lin" valueType="num">
+                                      <p:cBhvr additive="base">
+                                        <p:cTn id="26" dur="500" fill="hold"/>
+                                        <p:tgtEl>
+                                          <p:spTgt spid="21"/>
+                                        </p:tgtEl>
+                                        <p:attrNameLst>
+                                          <p:attrName>ppt_y</p:attrName>
+                                        </p:attrNameLst>
+                                      </p:cBhvr>
+                                      <p:tavLst>
+                                        <p:tav tm="0">
+                                          <p:val>
+                                            <p:strVal val="#ppt_y"/>
+                                          </p:val>
+                                        </p:tav>
+                                        <p:tav tm="100000">
+                                          <p:val>
+                                            <p:strVal val="#ppt_y"/>
+                                          </p:val>
+                                        </p:tav>
+                                      </p:tavLst>
+                                    </p:anim>
+                                  </p:childTnLst>
+                                </p:cTn>
+                              </p:par>
+                            </p:childTnLst>
+                          </p:cTn>
+                        </p:par>
+                      </p:childTnLst>
+                    </p:cTn>
+                  </p:par>
+                </p:childTnLst>
+              </p:cTn>
+              <p:prevCondLst>
+                <p:cond evt="onPrev" delay="0">
+                  <p:tgtEl>
+                    <p:sldTgt/>
+                  </p:tgtEl>
+                </p:cond>
+              </p:prevCondLst>
+              <p:nextCondLst>
+                <p:cond evt="onNext" delay="0">
+                  <p:tgtEl>
+                    <p:sldTgt/>
+                  </p:tgtEl>
+                </p:cond>
+              </p:nextCondLst>
+            </p:seq>
+          </p:childTnLst>
+        </p:cTn>
       </p:par>
     </p:tnLst>
   </p:timing>

--- a/capstone prentation [Autosaved].pptx
+++ b/capstone prentation [Autosaved].pptx
@@ -9,13 +9,15 @@
     <p:sldId id="257" r:id="rId3"/>
     <p:sldId id="261" r:id="rId4"/>
     <p:sldId id="262" r:id="rId5"/>
-    <p:sldId id="268" r:id="rId6"/>
-    <p:sldId id="259" r:id="rId7"/>
-    <p:sldId id="269" r:id="rId8"/>
-    <p:sldId id="267" r:id="rId9"/>
-    <p:sldId id="263" r:id="rId10"/>
-    <p:sldId id="264" r:id="rId11"/>
-    <p:sldId id="266" r:id="rId12"/>
+    <p:sldId id="270" r:id="rId6"/>
+    <p:sldId id="271" r:id="rId7"/>
+    <p:sldId id="268" r:id="rId8"/>
+    <p:sldId id="269" r:id="rId9"/>
+    <p:sldId id="259" r:id="rId10"/>
+    <p:sldId id="267" r:id="rId11"/>
+    <p:sldId id="263" r:id="rId12"/>
+    <p:sldId id="264" r:id="rId13"/>
+    <p:sldId id="266" r:id="rId14"/>
   </p:sldIdLst>
   <p:sldSz cx="12192000" cy="6858000"/>
   <p:notesSz cx="6858000" cy="9144000"/>
@@ -251,7 +253,7 @@
           <a:p>
             <a:fld id="{F8589557-5BFE-4FB6-9C06-2A11FB9A38C7}" type="datetimeFigureOut">
               <a:rPr lang="en-US" smtClean="0"/>
-              <a:t>9/28/2021</a:t>
+              <a:t>9/30/2021</a:t>
             </a:fld>
             <a:endParaRPr lang="en-US"/>
           </a:p>
@@ -419,7 +421,7 @@
           <a:p>
             <a:fld id="{F8589557-5BFE-4FB6-9C06-2A11FB9A38C7}" type="datetimeFigureOut">
               <a:rPr lang="en-US" smtClean="0"/>
-              <a:t>9/28/2021</a:t>
+              <a:t>9/30/2021</a:t>
             </a:fld>
             <a:endParaRPr lang="en-US"/>
           </a:p>
@@ -597,7 +599,7 @@
           <a:p>
             <a:fld id="{F8589557-5BFE-4FB6-9C06-2A11FB9A38C7}" type="datetimeFigureOut">
               <a:rPr lang="en-US" smtClean="0"/>
-              <a:t>9/28/2021</a:t>
+              <a:t>9/30/2021</a:t>
             </a:fld>
             <a:endParaRPr lang="en-US"/>
           </a:p>
@@ -765,7 +767,7 @@
           <a:p>
             <a:fld id="{F8589557-5BFE-4FB6-9C06-2A11FB9A38C7}" type="datetimeFigureOut">
               <a:rPr lang="en-US" smtClean="0"/>
-              <a:t>9/28/2021</a:t>
+              <a:t>9/30/2021</a:t>
             </a:fld>
             <a:endParaRPr lang="en-US"/>
           </a:p>
@@ -1010,7 +1012,7 @@
           <a:p>
             <a:fld id="{F8589557-5BFE-4FB6-9C06-2A11FB9A38C7}" type="datetimeFigureOut">
               <a:rPr lang="en-US" smtClean="0"/>
-              <a:t>9/28/2021</a:t>
+              <a:t>9/30/2021</a:t>
             </a:fld>
             <a:endParaRPr lang="en-US"/>
           </a:p>
@@ -1239,7 +1241,7 @@
           <a:p>
             <a:fld id="{F8589557-5BFE-4FB6-9C06-2A11FB9A38C7}" type="datetimeFigureOut">
               <a:rPr lang="en-US" smtClean="0"/>
-              <a:t>9/28/2021</a:t>
+              <a:t>9/30/2021</a:t>
             </a:fld>
             <a:endParaRPr lang="en-US"/>
           </a:p>
@@ -1603,7 +1605,7 @@
           <a:p>
             <a:fld id="{F8589557-5BFE-4FB6-9C06-2A11FB9A38C7}" type="datetimeFigureOut">
               <a:rPr lang="en-US" smtClean="0"/>
-              <a:t>9/28/2021</a:t>
+              <a:t>9/30/2021</a:t>
             </a:fld>
             <a:endParaRPr lang="en-US"/>
           </a:p>
@@ -1720,7 +1722,7 @@
           <a:p>
             <a:fld id="{F8589557-5BFE-4FB6-9C06-2A11FB9A38C7}" type="datetimeFigureOut">
               <a:rPr lang="en-US" smtClean="0"/>
-              <a:t>9/28/2021</a:t>
+              <a:t>9/30/2021</a:t>
             </a:fld>
             <a:endParaRPr lang="en-US"/>
           </a:p>
@@ -1815,7 +1817,7 @@
           <a:p>
             <a:fld id="{F8589557-5BFE-4FB6-9C06-2A11FB9A38C7}" type="datetimeFigureOut">
               <a:rPr lang="en-US" smtClean="0"/>
-              <a:t>9/28/2021</a:t>
+              <a:t>9/30/2021</a:t>
             </a:fld>
             <a:endParaRPr lang="en-US"/>
           </a:p>
@@ -2090,7 +2092,7 @@
           <a:p>
             <a:fld id="{F8589557-5BFE-4FB6-9C06-2A11FB9A38C7}" type="datetimeFigureOut">
               <a:rPr lang="en-US" smtClean="0"/>
-              <a:t>9/28/2021</a:t>
+              <a:t>9/30/2021</a:t>
             </a:fld>
             <a:endParaRPr lang="en-US"/>
           </a:p>
@@ -2342,7 +2344,7 @@
           <a:p>
             <a:fld id="{F8589557-5BFE-4FB6-9C06-2A11FB9A38C7}" type="datetimeFigureOut">
               <a:rPr lang="en-US" smtClean="0"/>
-              <a:t>9/28/2021</a:t>
+              <a:t>9/30/2021</a:t>
             </a:fld>
             <a:endParaRPr lang="en-US"/>
           </a:p>
@@ -2553,7 +2555,7 @@
           <a:p>
             <a:fld id="{F8589557-5BFE-4FB6-9C06-2A11FB9A38C7}" type="datetimeFigureOut">
               <a:rPr lang="en-US" smtClean="0"/>
-              <a:t>9/28/2021</a:t>
+              <a:t>9/30/2021</a:t>
             </a:fld>
             <a:endParaRPr lang="en-US"/>
           </a:p>
@@ -2974,7 +2976,7 @@
         </p:nvSpPr>
         <p:spPr>
           <a:xfrm>
-            <a:off x="17189" y="88802"/>
+            <a:off x="17189" y="0"/>
             <a:ext cx="9285021" cy="6858000"/>
           </a:xfrm>
           <a:prstGeom prst="rect">
@@ -4153,9 +4155,6 @@
                     <p:cTn id="3" fill="hold">
                       <p:stCondLst>
                         <p:cond delay="indefinite"/>
-                        <p:cond evt="onBegin" delay="0">
-                          <p:tn val="2"/>
-                        </p:cond>
                       </p:stCondLst>
                       <p:childTnLst>
                         <p:par>
@@ -4165,7 +4164,7 @@
                             </p:stCondLst>
                             <p:childTnLst>
                               <p:par>
-                                <p:cTn id="5" presetID="2" presetClass="entr" presetSubtype="1" fill="hold" grpId="0" nodeType="afterEffect">
+                                <p:cTn id="5" presetID="2" presetClass="entr" presetSubtype="4" fill="hold" grpId="0" nodeType="clickEffect">
                                   <p:stCondLst>
                                     <p:cond delay="0"/>
                                   </p:stCondLst>
@@ -4224,361 +4223,7 @@
                                       <p:tavLst>
                                         <p:tav tm="0">
                                           <p:val>
-                                            <p:strVal val="0-#ppt_h/2"/>
-                                          </p:val>
-                                        </p:tav>
-                                        <p:tav tm="100000">
-                                          <p:val>
-                                            <p:strVal val="#ppt_y"/>
-                                          </p:val>
-                                        </p:tav>
-                                      </p:tavLst>
-                                    </p:anim>
-                                  </p:childTnLst>
-                                </p:cTn>
-                              </p:par>
-                            </p:childTnLst>
-                          </p:cTn>
-                        </p:par>
-                        <p:par>
-                          <p:cTn id="9" fill="hold">
-                            <p:stCondLst>
-                              <p:cond delay="500"/>
-                            </p:stCondLst>
-                            <p:childTnLst>
-                              <p:par>
-                                <p:cTn id="10" presetID="2" presetClass="entr" presetSubtype="1" fill="hold" grpId="1" nodeType="afterEffect">
-                                  <p:stCondLst>
-                                    <p:cond delay="0"/>
-                                  </p:stCondLst>
-                                  <p:childTnLst>
-                                    <p:set>
-                                      <p:cBhvr>
-                                        <p:cTn id="11" dur="1" fill="hold">
-                                          <p:stCondLst>
-                                            <p:cond delay="0"/>
-                                          </p:stCondLst>
-                                        </p:cTn>
-                                        <p:tgtEl>
-                                          <p:spTgt spid="4"/>
-                                        </p:tgtEl>
-                                        <p:attrNameLst>
-                                          <p:attrName>style.visibility</p:attrName>
-                                        </p:attrNameLst>
-                                      </p:cBhvr>
-                                      <p:to>
-                                        <p:strVal val="visible"/>
-                                      </p:to>
-                                    </p:set>
-                                    <p:anim calcmode="lin" valueType="num">
-                                      <p:cBhvr additive="base">
-                                        <p:cTn id="12" dur="500" fill="hold"/>
-                                        <p:tgtEl>
-                                          <p:spTgt spid="4"/>
-                                        </p:tgtEl>
-                                        <p:attrNameLst>
-                                          <p:attrName>ppt_x</p:attrName>
-                                        </p:attrNameLst>
-                                      </p:cBhvr>
-                                      <p:tavLst>
-                                        <p:tav tm="0">
-                                          <p:val>
-                                            <p:strVal val="#ppt_x"/>
-                                          </p:val>
-                                        </p:tav>
-                                        <p:tav tm="100000">
-                                          <p:val>
-                                            <p:strVal val="#ppt_x"/>
-                                          </p:val>
-                                        </p:tav>
-                                      </p:tavLst>
-                                    </p:anim>
-                                    <p:anim calcmode="lin" valueType="num">
-                                      <p:cBhvr additive="base">
-                                        <p:cTn id="13" dur="500" fill="hold"/>
-                                        <p:tgtEl>
-                                          <p:spTgt spid="4"/>
-                                        </p:tgtEl>
-                                        <p:attrNameLst>
-                                          <p:attrName>ppt_y</p:attrName>
-                                        </p:attrNameLst>
-                                      </p:cBhvr>
-                                      <p:tavLst>
-                                        <p:tav tm="0">
-                                          <p:val>
-                                            <p:strVal val="0-#ppt_h/2"/>
-                                          </p:val>
-                                        </p:tav>
-                                        <p:tav tm="100000">
-                                          <p:val>
-                                            <p:strVal val="#ppt_y"/>
-                                          </p:val>
-                                        </p:tav>
-                                      </p:tavLst>
-                                    </p:anim>
-                                  </p:childTnLst>
-                                </p:cTn>
-                              </p:par>
-                            </p:childTnLst>
-                          </p:cTn>
-                        </p:par>
-                      </p:childTnLst>
-                    </p:cTn>
-                  </p:par>
-                  <p:par>
-                    <p:cTn id="14" fill="hold">
-                      <p:stCondLst>
-                        <p:cond delay="indefinite"/>
-                      </p:stCondLst>
-                      <p:childTnLst>
-                        <p:par>
-                          <p:cTn id="15" fill="hold">
-                            <p:stCondLst>
-                              <p:cond delay="0"/>
-                            </p:stCondLst>
-                            <p:childTnLst>
-                              <p:par>
-                                <p:cTn id="16" presetID="2" presetClass="entr" presetSubtype="1" fill="hold" nodeType="clickEffect">
-                                  <p:stCondLst>
-                                    <p:cond delay="0"/>
-                                  </p:stCondLst>
-                                  <p:childTnLst>
-                                    <p:set>
-                                      <p:cBhvr>
-                                        <p:cTn id="17" dur="1" fill="hold">
-                                          <p:stCondLst>
-                                            <p:cond delay="0"/>
-                                          </p:stCondLst>
-                                        </p:cTn>
-                                        <p:tgtEl>
-                                          <p:spTgt spid="6"/>
-                                        </p:tgtEl>
-                                        <p:attrNameLst>
-                                          <p:attrName>style.visibility</p:attrName>
-                                        </p:attrNameLst>
-                                      </p:cBhvr>
-                                      <p:to>
-                                        <p:strVal val="visible"/>
-                                      </p:to>
-                                    </p:set>
-                                    <p:anim calcmode="lin" valueType="num">
-                                      <p:cBhvr additive="base">
-                                        <p:cTn id="18" dur="500" fill="hold"/>
-                                        <p:tgtEl>
-                                          <p:spTgt spid="6"/>
-                                        </p:tgtEl>
-                                        <p:attrNameLst>
-                                          <p:attrName>ppt_x</p:attrName>
-                                        </p:attrNameLst>
-                                      </p:cBhvr>
-                                      <p:tavLst>
-                                        <p:tav tm="0">
-                                          <p:val>
-                                            <p:strVal val="#ppt_x"/>
-                                          </p:val>
-                                        </p:tav>
-                                        <p:tav tm="100000">
-                                          <p:val>
-                                            <p:strVal val="#ppt_x"/>
-                                          </p:val>
-                                        </p:tav>
-                                      </p:tavLst>
-                                    </p:anim>
-                                    <p:anim calcmode="lin" valueType="num">
-                                      <p:cBhvr additive="base">
-                                        <p:cTn id="19" dur="500" fill="hold"/>
-                                        <p:tgtEl>
-                                          <p:spTgt spid="6"/>
-                                        </p:tgtEl>
-                                        <p:attrNameLst>
-                                          <p:attrName>ppt_y</p:attrName>
-                                        </p:attrNameLst>
-                                      </p:cBhvr>
-                                      <p:tavLst>
-                                        <p:tav tm="0">
-                                          <p:val>
-                                            <p:strVal val="0-#ppt_h/2"/>
-                                          </p:val>
-                                        </p:tav>
-                                        <p:tav tm="100000">
-                                          <p:val>
-                                            <p:strVal val="#ppt_y"/>
-                                          </p:val>
-                                        </p:tav>
-                                      </p:tavLst>
-                                    </p:anim>
-                                  </p:childTnLst>
-                                </p:cTn>
-                              </p:par>
-                            </p:childTnLst>
-                          </p:cTn>
-                        </p:par>
-                      </p:childTnLst>
-                    </p:cTn>
-                  </p:par>
-                  <p:par>
-                    <p:cTn id="20" fill="hold">
-                      <p:stCondLst>
-                        <p:cond delay="indefinite"/>
-                      </p:stCondLst>
-                      <p:childTnLst>
-                        <p:par>
-                          <p:cTn id="21" fill="hold">
-                            <p:stCondLst>
-                              <p:cond delay="0"/>
-                            </p:stCondLst>
-                            <p:childTnLst>
-                              <p:par>
-                                <p:cTn id="22" presetID="47" presetClass="entr" presetSubtype="0" fill="hold" nodeType="clickEffect">
-                                  <p:stCondLst>
-                                    <p:cond delay="0"/>
-                                  </p:stCondLst>
-                                  <p:childTnLst>
-                                    <p:set>
-                                      <p:cBhvr>
-                                        <p:cTn id="23" dur="1" fill="hold">
-                                          <p:stCondLst>
-                                            <p:cond delay="0"/>
-                                          </p:stCondLst>
-                                        </p:cTn>
-                                        <p:tgtEl>
-                                          <p:spTgt spid="102"/>
-                                        </p:tgtEl>
-                                        <p:attrNameLst>
-                                          <p:attrName>style.visibility</p:attrName>
-                                        </p:attrNameLst>
-                                      </p:cBhvr>
-                                      <p:to>
-                                        <p:strVal val="visible"/>
-                                      </p:to>
-                                    </p:set>
-                                    <p:animEffect transition="in" filter="fade">
-                                      <p:cBhvr>
-                                        <p:cTn id="24" dur="1000"/>
-                                        <p:tgtEl>
-                                          <p:spTgt spid="102"/>
-                                        </p:tgtEl>
-                                      </p:cBhvr>
-                                    </p:animEffect>
-                                    <p:anim calcmode="lin" valueType="num">
-                                      <p:cBhvr>
-                                        <p:cTn id="25" dur="1000" fill="hold"/>
-                                        <p:tgtEl>
-                                          <p:spTgt spid="102"/>
-                                        </p:tgtEl>
-                                        <p:attrNameLst>
-                                          <p:attrName>ppt_x</p:attrName>
-                                        </p:attrNameLst>
-                                      </p:cBhvr>
-                                      <p:tavLst>
-                                        <p:tav tm="0">
-                                          <p:val>
-                                            <p:strVal val="#ppt_x"/>
-                                          </p:val>
-                                        </p:tav>
-                                        <p:tav tm="100000">
-                                          <p:val>
-                                            <p:strVal val="#ppt_x"/>
-                                          </p:val>
-                                        </p:tav>
-                                      </p:tavLst>
-                                    </p:anim>
-                                    <p:anim calcmode="lin" valueType="num">
-                                      <p:cBhvr>
-                                        <p:cTn id="26" dur="1000" fill="hold"/>
-                                        <p:tgtEl>
-                                          <p:spTgt spid="102"/>
-                                        </p:tgtEl>
-                                        <p:attrNameLst>
-                                          <p:attrName>ppt_y</p:attrName>
-                                        </p:attrNameLst>
-                                      </p:cBhvr>
-                                      <p:tavLst>
-                                        <p:tav tm="0">
-                                          <p:val>
-                                            <p:strVal val="#ppt_y-.1"/>
-                                          </p:val>
-                                        </p:tav>
-                                        <p:tav tm="100000">
-                                          <p:val>
-                                            <p:strVal val="#ppt_y"/>
-                                          </p:val>
-                                        </p:tav>
-                                      </p:tavLst>
-                                    </p:anim>
-                                  </p:childTnLst>
-                                </p:cTn>
-                              </p:par>
-                            </p:childTnLst>
-                          </p:cTn>
-                        </p:par>
-                        <p:par>
-                          <p:cTn id="27" fill="hold">
-                            <p:stCondLst>
-                              <p:cond delay="1000"/>
-                            </p:stCondLst>
-                            <p:childTnLst>
-                              <p:par>
-                                <p:cTn id="28" presetID="2" presetClass="entr" presetSubtype="1" fill="hold" nodeType="afterEffect">
-                                  <p:stCondLst>
-                                    <p:cond delay="0"/>
-                                  </p:stCondLst>
-                                  <p:childTnLst>
-                                    <p:set>
-                                      <p:cBhvr>
-                                        <p:cTn id="29" dur="1" fill="hold">
-                                          <p:stCondLst>
-                                            <p:cond delay="0"/>
-                                          </p:stCondLst>
-                                        </p:cTn>
-                                        <p:tgtEl>
-                                          <p:spTgt spid="56"/>
-                                        </p:tgtEl>
-                                        <p:attrNameLst>
-                                          <p:attrName>style.visibility</p:attrName>
-                                        </p:attrNameLst>
-                                      </p:cBhvr>
-                                      <p:to>
-                                        <p:strVal val="visible"/>
-                                      </p:to>
-                                    </p:set>
-                                    <p:anim calcmode="lin" valueType="num">
-                                      <p:cBhvr additive="base">
-                                        <p:cTn id="30" dur="1000" fill="hold"/>
-                                        <p:tgtEl>
-                                          <p:spTgt spid="56"/>
-                                        </p:tgtEl>
-                                        <p:attrNameLst>
-                                          <p:attrName>ppt_x</p:attrName>
-                                        </p:attrNameLst>
-                                      </p:cBhvr>
-                                      <p:tavLst>
-                                        <p:tav tm="0">
-                                          <p:val>
-                                            <p:strVal val="#ppt_x"/>
-                                          </p:val>
-                                        </p:tav>
-                                        <p:tav tm="100000">
-                                          <p:val>
-                                            <p:strVal val="#ppt_x"/>
-                                          </p:val>
-                                        </p:tav>
-                                      </p:tavLst>
-                                    </p:anim>
-                                    <p:anim calcmode="lin" valueType="num">
-                                      <p:cBhvr additive="base">
-                                        <p:cTn id="31" dur="1000" fill="hold"/>
-                                        <p:tgtEl>
-                                          <p:spTgt spid="56"/>
-                                        </p:tgtEl>
-                                        <p:attrNameLst>
-                                          <p:attrName>ppt_y</p:attrName>
-                                        </p:attrNameLst>
-                                      </p:cBhvr>
-                                      <p:tavLst>
-                                        <p:tav tm="0">
-                                          <p:val>
-                                            <p:strVal val="0-#ppt_h/2"/>
+                                            <p:strVal val="1+#ppt_h/2"/>
                                           </p:val>
                                         </p:tav>
                                         <p:tav tm="100000">
@@ -4620,13 +4265,842 @@
     </p:tnLst>
     <p:bldLst>
       <p:bldP spid="4" grpId="0" animBg="1"/>
-      <p:bldP spid="4" grpId="1" animBg="1"/>
     </p:bldLst>
   </p:timing>
 </p:sld>
 </file>
 
 <file path=ppt/slides/slide10.xml><?xml version="1.0" encoding="utf-8"?>
+<p:sld xmlns:a="http://schemas.openxmlformats.org/drawingml/2006/main" xmlns:r="http://schemas.openxmlformats.org/officeDocument/2006/relationships" xmlns:p="http://schemas.openxmlformats.org/presentationml/2006/main">
+  <p:cSld>
+    <p:spTree>
+      <p:nvGrpSpPr>
+        <p:cNvPr id="1" name=""/>
+        <p:cNvGrpSpPr/>
+        <p:nvPr/>
+      </p:nvGrpSpPr>
+      <p:grpSpPr>
+        <a:xfrm>
+          <a:off x="0" y="0"/>
+          <a:ext cx="0" cy="0"/>
+          <a:chOff x="0" y="0"/>
+          <a:chExt cx="0" cy="0"/>
+        </a:xfrm>
+      </p:grpSpPr>
+      <p:sp>
+        <p:nvSpPr>
+          <p:cNvPr id="2" name="TextBox 1"/>
+          <p:cNvSpPr txBox="1"/>
+          <p:nvPr/>
+        </p:nvSpPr>
+        <p:spPr>
+          <a:xfrm>
+            <a:off x="179294" y="286871"/>
+            <a:ext cx="6329082" cy="523220"/>
+          </a:xfrm>
+          <a:prstGeom prst="rect">
+            <a:avLst/>
+          </a:prstGeom>
+          <a:noFill/>
+        </p:spPr>
+        <p:txBody>
+          <a:bodyPr wrap="square" rtlCol="0">
+            <a:spAutoFit/>
+          </a:bodyPr>
+          <a:lstStyle/>
+          <a:p>
+            <a:r>
+              <a:rPr lang="en-US" sz="2800" b="1" dirty="0"/>
+              <a:t>Analytical Models</a:t>
+            </a:r>
+          </a:p>
+        </p:txBody>
+      </p:sp>
+      <p:cxnSp>
+        <p:nvCxnSpPr>
+          <p:cNvPr id="3" name="Straight Connector 2"/>
+          <p:cNvCxnSpPr/>
+          <p:nvPr/>
+        </p:nvCxnSpPr>
+        <p:spPr>
+          <a:xfrm flipV="1">
+            <a:off x="0" y="1053615"/>
+            <a:ext cx="1431565" cy="4220"/>
+          </a:xfrm>
+          <a:prstGeom prst="line">
+            <a:avLst/>
+          </a:prstGeom>
+          <a:ln w="57150">
+            <a:solidFill>
+              <a:schemeClr val="accent2"/>
+            </a:solidFill>
+          </a:ln>
+        </p:spPr>
+        <p:style>
+          <a:lnRef idx="1">
+            <a:schemeClr val="accent1"/>
+          </a:lnRef>
+          <a:fillRef idx="0">
+            <a:schemeClr val="accent1"/>
+          </a:fillRef>
+          <a:effectRef idx="0">
+            <a:schemeClr val="accent1"/>
+          </a:effectRef>
+          <a:fontRef idx="minor">
+            <a:schemeClr val="tx1"/>
+          </a:fontRef>
+        </p:style>
+      </p:cxnSp>
+      <p:cxnSp>
+        <p:nvCxnSpPr>
+          <p:cNvPr id="4" name="Straight Connector 3"/>
+          <p:cNvCxnSpPr/>
+          <p:nvPr/>
+        </p:nvCxnSpPr>
+        <p:spPr>
+          <a:xfrm flipV="1">
+            <a:off x="3314237" y="1044424"/>
+            <a:ext cx="1431565" cy="4220"/>
+          </a:xfrm>
+          <a:prstGeom prst="line">
+            <a:avLst/>
+          </a:prstGeom>
+          <a:ln w="57150">
+            <a:solidFill>
+              <a:srgbClr val="057092"/>
+            </a:solidFill>
+          </a:ln>
+        </p:spPr>
+        <p:style>
+          <a:lnRef idx="1">
+            <a:schemeClr val="accent1"/>
+          </a:lnRef>
+          <a:fillRef idx="0">
+            <a:schemeClr val="accent1"/>
+          </a:fillRef>
+          <a:effectRef idx="0">
+            <a:schemeClr val="accent1"/>
+          </a:effectRef>
+          <a:fontRef idx="minor">
+            <a:schemeClr val="tx1"/>
+          </a:fontRef>
+        </p:style>
+      </p:cxnSp>
+      <p:cxnSp>
+        <p:nvCxnSpPr>
+          <p:cNvPr id="5" name="Straight Connector 4"/>
+          <p:cNvCxnSpPr/>
+          <p:nvPr/>
+        </p:nvCxnSpPr>
+        <p:spPr>
+          <a:xfrm flipV="1">
+            <a:off x="1638882" y="1053615"/>
+            <a:ext cx="1431565" cy="4220"/>
+          </a:xfrm>
+          <a:prstGeom prst="line">
+            <a:avLst/>
+          </a:prstGeom>
+          <a:ln w="57150">
+            <a:solidFill>
+              <a:srgbClr val="910C07"/>
+            </a:solidFill>
+          </a:ln>
+        </p:spPr>
+        <p:style>
+          <a:lnRef idx="1">
+            <a:schemeClr val="accent1"/>
+          </a:lnRef>
+          <a:fillRef idx="0">
+            <a:schemeClr val="accent1"/>
+          </a:fillRef>
+          <a:effectRef idx="0">
+            <a:schemeClr val="accent1"/>
+          </a:effectRef>
+          <a:fontRef idx="minor">
+            <a:schemeClr val="tx1"/>
+          </a:fontRef>
+        </p:style>
+      </p:cxnSp>
+      <p:sp>
+        <p:nvSpPr>
+          <p:cNvPr id="9" name="TextBox 8"/>
+          <p:cNvSpPr txBox="1"/>
+          <p:nvPr/>
+        </p:nvSpPr>
+        <p:spPr>
+          <a:xfrm>
+            <a:off x="0" y="1301359"/>
+            <a:ext cx="8803341" cy="830997"/>
+          </a:xfrm>
+          <a:prstGeom prst="rect">
+            <a:avLst/>
+          </a:prstGeom>
+          <a:noFill/>
+        </p:spPr>
+        <p:txBody>
+          <a:bodyPr wrap="square" rtlCol="0">
+            <a:spAutoFit/>
+          </a:bodyPr>
+          <a:lstStyle/>
+          <a:p>
+            <a:r>
+              <a:rPr lang="en-US" sz="2400" dirty="0"/>
+              <a:t>Technical document: </a:t>
+            </a:r>
+            <a:r>
+              <a:rPr lang="en-US" sz="2400" dirty="0">
+                <a:hlinkClick r:id="rId2"/>
+              </a:rPr>
+              <a:t>https://github.com/gothie348/Final-project.git</a:t>
+            </a:r>
+            <a:endParaRPr lang="en-US" sz="2400" dirty="0"/>
+          </a:p>
+          <a:p>
+            <a:endParaRPr lang="en-US" sz="2400" dirty="0"/>
+          </a:p>
+        </p:txBody>
+      </p:sp>
+      <p:sp>
+        <p:nvSpPr>
+          <p:cNvPr id="12" name="TextBox 11"/>
+          <p:cNvSpPr txBox="1"/>
+          <p:nvPr/>
+        </p:nvSpPr>
+        <p:spPr>
+          <a:xfrm>
+            <a:off x="7709644" y="1873858"/>
+            <a:ext cx="4285132" cy="3971132"/>
+          </a:xfrm>
+          <a:prstGeom prst="rect">
+            <a:avLst/>
+          </a:prstGeom>
+          <a:noFill/>
+        </p:spPr>
+        <p:txBody>
+          <a:bodyPr wrap="square" rtlCol="0">
+            <a:spAutoFit/>
+          </a:bodyPr>
+          <a:lstStyle/>
+          <a:p>
+            <a:endParaRPr lang="en-US" dirty="0"/>
+          </a:p>
+        </p:txBody>
+      </p:sp>
+      <p:sp>
+        <p:nvSpPr>
+          <p:cNvPr id="13" name="TextBox 12"/>
+          <p:cNvSpPr txBox="1"/>
+          <p:nvPr/>
+        </p:nvSpPr>
+        <p:spPr>
+          <a:xfrm>
+            <a:off x="1431565" y="2132356"/>
+            <a:ext cx="4267203" cy="4832092"/>
+          </a:xfrm>
+          <a:prstGeom prst="rect">
+            <a:avLst/>
+          </a:prstGeom>
+          <a:noFill/>
+        </p:spPr>
+        <p:txBody>
+          <a:bodyPr wrap="square" rtlCol="0">
+            <a:spAutoFit/>
+          </a:bodyPr>
+          <a:lstStyle/>
+          <a:p>
+            <a:pPr algn="ctr"/>
+            <a:r>
+              <a:rPr lang="en-US" sz="2800" b="1" dirty="0"/>
+              <a:t>Model Chosen</a:t>
+            </a:r>
+          </a:p>
+          <a:p>
+            <a:pPr algn="ctr"/>
+            <a:endParaRPr lang="en-US" sz="2000" b="1" dirty="0"/>
+          </a:p>
+          <a:p>
+            <a:pPr algn="just"/>
+            <a:r>
+              <a:rPr lang="en-US" sz="2000" dirty="0">
+                <a:latin typeface="Times New Roman" panose="02020603050405020304" pitchFamily="18" charset="0"/>
+                <a:cs typeface="Times New Roman" panose="02020603050405020304" pitchFamily="18" charset="0"/>
+              </a:rPr>
+              <a:t>I used classification techniques in machine learning to predict according to the profile if the woman is financially independent or not. The chosen technique is random forest which predicts at 80% if a woman is independent or not. The variables that best predict women's financial independence are age, education level and number of children.</a:t>
+            </a:r>
+            <a:endParaRPr lang="en-US" sz="2000" b="1" dirty="0"/>
+          </a:p>
+          <a:p>
+            <a:pPr algn="ctr"/>
+            <a:endParaRPr lang="en-US" sz="2000" b="1" dirty="0"/>
+          </a:p>
+          <a:p>
+            <a:pPr algn="ctr"/>
+            <a:endParaRPr lang="en-US" sz="2000" b="1" dirty="0"/>
+          </a:p>
+          <a:p>
+            <a:pPr algn="ctr"/>
+            <a:endParaRPr lang="en-US" sz="2000" b="1" dirty="0"/>
+          </a:p>
+        </p:txBody>
+      </p:sp>
+      <p:pic>
+        <p:nvPicPr>
+          <p:cNvPr id="6" name="Picture 5"/>
+          <p:cNvPicPr>
+            <a:picLocks noChangeAspect="1"/>
+          </p:cNvPicPr>
+          <p:nvPr/>
+        </p:nvPicPr>
+        <p:blipFill>
+          <a:blip r:embed="rId3">
+            <a:extLst>
+              <a:ext uri="{28A0092B-C50C-407E-A947-70E740481C1C}">
+                <a14:useLocalDpi xmlns:a14="http://schemas.microsoft.com/office/drawing/2010/main" val="0"/>
+              </a:ext>
+            </a:extLst>
+          </a:blip>
+          <a:stretch>
+            <a:fillRect/>
+          </a:stretch>
+        </p:blipFill>
+        <p:spPr>
+          <a:xfrm>
+            <a:off x="6445620" y="1873858"/>
+            <a:ext cx="4756466" cy="4204992"/>
+          </a:xfrm>
+          <a:prstGeom prst="rect">
+            <a:avLst/>
+          </a:prstGeom>
+        </p:spPr>
+      </p:pic>
+    </p:spTree>
+    <p:extLst>
+      <p:ext uri="{BB962C8B-B14F-4D97-AF65-F5344CB8AC3E}">
+        <p14:creationId xmlns:p14="http://schemas.microsoft.com/office/powerpoint/2010/main" val="8517291"/>
+      </p:ext>
+    </p:extLst>
+  </p:cSld>
+  <p:clrMapOvr>
+    <a:masterClrMapping/>
+  </p:clrMapOvr>
+</p:sld>
+</file>
+
+<file path=ppt/slides/slide11.xml><?xml version="1.0" encoding="utf-8"?>
+<p:sld xmlns:a="http://schemas.openxmlformats.org/drawingml/2006/main" xmlns:r="http://schemas.openxmlformats.org/officeDocument/2006/relationships" xmlns:p="http://schemas.openxmlformats.org/presentationml/2006/main">
+  <p:cSld>
+    <p:spTree>
+      <p:nvGrpSpPr>
+        <p:cNvPr id="1" name=""/>
+        <p:cNvGrpSpPr/>
+        <p:nvPr/>
+      </p:nvGrpSpPr>
+      <p:grpSpPr>
+        <a:xfrm>
+          <a:off x="0" y="0"/>
+          <a:ext cx="0" cy="0"/>
+          <a:chOff x="0" y="0"/>
+          <a:chExt cx="0" cy="0"/>
+        </a:xfrm>
+      </p:grpSpPr>
+      <p:sp>
+        <p:nvSpPr>
+          <p:cNvPr id="3" name="Rectangle 2"/>
+          <p:cNvSpPr/>
+          <p:nvPr/>
+        </p:nvSpPr>
+        <p:spPr>
+          <a:xfrm>
+            <a:off x="1" y="304799"/>
+            <a:ext cx="12192000" cy="702365"/>
+          </a:xfrm>
+          <a:prstGeom prst="rect">
+            <a:avLst/>
+          </a:prstGeom>
+          <a:solidFill>
+            <a:srgbClr val="0C7185">
+              <a:alpha val="60000"/>
+            </a:srgbClr>
+          </a:solidFill>
+          <a:ln>
+            <a:solidFill>
+              <a:schemeClr val="accent1">
+                <a:shade val="50000"/>
+                <a:alpha val="70000"/>
+              </a:schemeClr>
+            </a:solidFill>
+          </a:ln>
+        </p:spPr>
+        <p:style>
+          <a:lnRef idx="2">
+            <a:schemeClr val="accent1">
+              <a:shade val="50000"/>
+            </a:schemeClr>
+          </a:lnRef>
+          <a:fillRef idx="1">
+            <a:schemeClr val="accent1"/>
+          </a:fillRef>
+          <a:effectRef idx="0">
+            <a:schemeClr val="accent1"/>
+          </a:effectRef>
+          <a:fontRef idx="minor">
+            <a:schemeClr val="lt1"/>
+          </a:fontRef>
+        </p:style>
+        <p:txBody>
+          <a:bodyPr rtlCol="0" anchor="ctr"/>
+          <a:lstStyle/>
+          <a:p>
+            <a:pPr algn="ctr"/>
+            <a:r>
+              <a:rPr lang="en-US" sz="2400" b="1" dirty="0">
+                <a:solidFill>
+                  <a:schemeClr val="tx1"/>
+                </a:solidFill>
+              </a:rPr>
+              <a:t>RECOMMENDATION</a:t>
+            </a:r>
+          </a:p>
+        </p:txBody>
+      </p:sp>
+      <p:grpSp>
+        <p:nvGrpSpPr>
+          <p:cNvPr id="10" name="Group 9">
+            <a:extLst>
+              <a:ext uri="{FF2B5EF4-FFF2-40B4-BE49-F238E27FC236}">
+                <a16:creationId xmlns:a16="http://schemas.microsoft.com/office/drawing/2014/main" id="{29344CEC-F3F1-4E47-A505-D1F44ABC6DCA}"/>
+              </a:ext>
+            </a:extLst>
+          </p:cNvPr>
+          <p:cNvGrpSpPr/>
+          <p:nvPr/>
+        </p:nvGrpSpPr>
+        <p:grpSpPr>
+          <a:xfrm>
+            <a:off x="232477" y="1383170"/>
+            <a:ext cx="10460283" cy="1649858"/>
+            <a:chOff x="232477" y="1383170"/>
+            <a:chExt cx="10460283" cy="1649858"/>
+          </a:xfrm>
+        </p:grpSpPr>
+        <p:sp>
+          <p:nvSpPr>
+            <p:cNvPr id="8" name="Rectangle 7"/>
+            <p:cNvSpPr/>
+            <p:nvPr/>
+          </p:nvSpPr>
+          <p:spPr>
+            <a:xfrm>
+              <a:off x="304800" y="1421618"/>
+              <a:ext cx="10387960" cy="1546412"/>
+            </a:xfrm>
+            <a:prstGeom prst="rect">
+              <a:avLst/>
+            </a:prstGeom>
+            <a:solidFill>
+              <a:schemeClr val="accent1">
+                <a:lumMod val="40000"/>
+                <a:lumOff val="60000"/>
+                <a:alpha val="70000"/>
+              </a:schemeClr>
+            </a:solidFill>
+            <a:ln>
+              <a:noFill/>
+            </a:ln>
+          </p:spPr>
+          <p:style>
+            <a:lnRef idx="2">
+              <a:schemeClr val="accent1">
+                <a:shade val="50000"/>
+              </a:schemeClr>
+            </a:lnRef>
+            <a:fillRef idx="1">
+              <a:schemeClr val="accent1"/>
+            </a:fillRef>
+            <a:effectRef idx="0">
+              <a:schemeClr val="accent1"/>
+            </a:effectRef>
+            <a:fontRef idx="minor">
+              <a:schemeClr val="lt1"/>
+            </a:fontRef>
+          </p:style>
+          <p:txBody>
+            <a:bodyPr rtlCol="0" anchor="ctr"/>
+            <a:lstStyle/>
+            <a:p>
+              <a:pPr algn="ctr"/>
+              <a:endParaRPr lang="en-US"/>
+            </a:p>
+          </p:txBody>
+        </p:sp>
+        <p:pic>
+          <p:nvPicPr>
+            <p:cNvPr id="11" name="Picture 10"/>
+            <p:cNvPicPr>
+              <a:picLocks noChangeAspect="1"/>
+            </p:cNvPicPr>
+            <p:nvPr/>
+          </p:nvPicPr>
+          <p:blipFill>
+            <a:blip r:embed="rId2" cstate="print">
+              <a:extLst>
+                <a:ext uri="{28A0092B-C50C-407E-A947-70E740481C1C}">
+                  <a14:useLocalDpi xmlns:a14="http://schemas.microsoft.com/office/drawing/2010/main" val="0"/>
+                </a:ext>
+              </a:extLst>
+            </a:blip>
+            <a:stretch>
+              <a:fillRect/>
+            </a:stretch>
+          </p:blipFill>
+          <p:spPr>
+            <a:xfrm>
+              <a:off x="232477" y="1383170"/>
+              <a:ext cx="2236336" cy="1649858"/>
+            </a:xfrm>
+            <a:prstGeom prst="rect">
+              <a:avLst/>
+            </a:prstGeom>
+          </p:spPr>
+        </p:pic>
+      </p:grpSp>
+      <p:sp>
+        <p:nvSpPr>
+          <p:cNvPr id="12" name="TextBox 11"/>
+          <p:cNvSpPr txBox="1"/>
+          <p:nvPr/>
+        </p:nvSpPr>
+        <p:spPr>
+          <a:xfrm>
+            <a:off x="2075154" y="1515117"/>
+            <a:ext cx="9083588" cy="2554545"/>
+          </a:xfrm>
+          <a:prstGeom prst="rect">
+            <a:avLst/>
+          </a:prstGeom>
+          <a:noFill/>
+          <a:ln>
+            <a:noFill/>
+          </a:ln>
+        </p:spPr>
+        <p:txBody>
+          <a:bodyPr wrap="square" rtlCol="0">
+            <a:spAutoFit/>
+          </a:bodyPr>
+          <a:lstStyle/>
+          <a:p>
+            <a:pPr algn="ctr"/>
+            <a:r>
+              <a:rPr lang="en-US" sz="2000" b="1" dirty="0"/>
+              <a:t>From the age of 40 onwards, insights show that women become less independent due to the fact that they did not save during the times when they were working hard. We recommend that financial institutions put in place policies to help women save money in their younger years.</a:t>
+            </a:r>
+          </a:p>
+        </p:txBody>
+      </p:sp>
+      <p:grpSp>
+        <p:nvGrpSpPr>
+          <p:cNvPr id="19" name="Group 18"/>
+          <p:cNvGrpSpPr/>
+          <p:nvPr/>
+        </p:nvGrpSpPr>
+        <p:grpSpPr>
+          <a:xfrm>
+            <a:off x="-15015" y="4078097"/>
+            <a:ext cx="5432612" cy="1573530"/>
+            <a:chOff x="-127833" y="4078097"/>
+            <a:chExt cx="5432612" cy="1573530"/>
+          </a:xfrm>
+        </p:grpSpPr>
+        <p:sp>
+          <p:nvSpPr>
+            <p:cNvPr id="7" name="Rectangle 6"/>
+            <p:cNvSpPr/>
+            <p:nvPr/>
+          </p:nvSpPr>
+          <p:spPr>
+            <a:xfrm>
+              <a:off x="-127833" y="4163161"/>
+              <a:ext cx="5432612" cy="1470212"/>
+            </a:xfrm>
+            <a:prstGeom prst="rect">
+              <a:avLst/>
+            </a:prstGeom>
+            <a:solidFill>
+              <a:schemeClr val="accent1">
+                <a:lumMod val="40000"/>
+                <a:lumOff val="60000"/>
+                <a:alpha val="70000"/>
+              </a:schemeClr>
+            </a:solidFill>
+            <a:ln>
+              <a:noFill/>
+            </a:ln>
+          </p:spPr>
+          <p:style>
+            <a:lnRef idx="2">
+              <a:schemeClr val="accent1">
+                <a:shade val="50000"/>
+              </a:schemeClr>
+            </a:lnRef>
+            <a:fillRef idx="1">
+              <a:schemeClr val="accent1"/>
+            </a:fillRef>
+            <a:effectRef idx="0">
+              <a:schemeClr val="accent1"/>
+            </a:effectRef>
+            <a:fontRef idx="minor">
+              <a:schemeClr val="lt1"/>
+            </a:fontRef>
+          </p:style>
+          <p:txBody>
+            <a:bodyPr rtlCol="0" anchor="ctr"/>
+            <a:lstStyle/>
+            <a:p>
+              <a:pPr algn="ctr"/>
+              <a:endParaRPr lang="en-US"/>
+            </a:p>
+          </p:txBody>
+        </p:sp>
+        <p:pic>
+          <p:nvPicPr>
+            <p:cNvPr id="13" name="Picture 12"/>
+            <p:cNvPicPr>
+              <a:picLocks noChangeAspect="1"/>
+            </p:cNvPicPr>
+            <p:nvPr/>
+          </p:nvPicPr>
+          <p:blipFill>
+            <a:blip r:embed="rId3">
+              <a:extLst>
+                <a:ext uri="{28A0092B-C50C-407E-A947-70E740481C1C}">
+                  <a14:useLocalDpi xmlns:a14="http://schemas.microsoft.com/office/drawing/2010/main" val="0"/>
+                </a:ext>
+              </a:extLst>
+            </a:blip>
+            <a:stretch>
+              <a:fillRect/>
+            </a:stretch>
+          </p:blipFill>
+          <p:spPr>
+            <a:xfrm>
+              <a:off x="13652" y="4078097"/>
+              <a:ext cx="1515847" cy="1515847"/>
+            </a:xfrm>
+            <a:prstGeom prst="rect">
+              <a:avLst/>
+            </a:prstGeom>
+            <a:solidFill>
+              <a:srgbClr val="FFFFFF">
+                <a:shade val="85000"/>
+              </a:srgbClr>
+            </a:solidFill>
+            <a:ln w="88900" cap="sq">
+              <a:solidFill>
+                <a:srgbClr val="FFFFFF"/>
+              </a:solidFill>
+              <a:miter lim="800000"/>
+            </a:ln>
+            <a:effectLst>
+              <a:outerShdw blurRad="55000" dist="18000" dir="5400000" algn="tl" rotWithShape="0">
+                <a:srgbClr val="000000">
+                  <a:alpha val="40000"/>
+                </a:srgbClr>
+              </a:outerShdw>
+            </a:effectLst>
+            <a:scene3d>
+              <a:camera prst="orthographicFront"/>
+              <a:lightRig rig="twoPt" dir="t">
+                <a:rot lat="0" lon="0" rev="7200000"/>
+              </a:lightRig>
+            </a:scene3d>
+            <a:sp3d>
+              <a:bevelT w="25400" h="19050"/>
+              <a:contourClr>
+                <a:srgbClr val="FFFFFF"/>
+              </a:contourClr>
+            </a:sp3d>
+          </p:spPr>
+        </p:pic>
+        <p:sp>
+          <p:nvSpPr>
+            <p:cNvPr id="14" name="TextBox 13"/>
+            <p:cNvSpPr txBox="1"/>
+            <p:nvPr/>
+          </p:nvSpPr>
+          <p:spPr>
+            <a:xfrm>
+              <a:off x="1350645" y="4328188"/>
+              <a:ext cx="3746759" cy="1323439"/>
+            </a:xfrm>
+            <a:prstGeom prst="rect">
+              <a:avLst/>
+            </a:prstGeom>
+            <a:noFill/>
+          </p:spPr>
+          <p:txBody>
+            <a:bodyPr wrap="square" rtlCol="0">
+              <a:spAutoFit/>
+            </a:bodyPr>
+            <a:lstStyle/>
+            <a:p>
+              <a:pPr algn="ctr"/>
+              <a:r>
+                <a:rPr lang="en-US" sz="2000" b="1" dirty="0"/>
+                <a:t>Introducing women to entrepreneurship from primary grade and give them financial education.</a:t>
+              </a:r>
+            </a:p>
+          </p:txBody>
+        </p:sp>
+      </p:grpSp>
+      <p:grpSp>
+        <p:nvGrpSpPr>
+          <p:cNvPr id="20" name="Group 19"/>
+          <p:cNvGrpSpPr/>
+          <p:nvPr/>
+        </p:nvGrpSpPr>
+        <p:grpSpPr>
+          <a:xfrm>
+            <a:off x="6591323" y="4069662"/>
+            <a:ext cx="5474207" cy="1510462"/>
+            <a:chOff x="6643227" y="4013073"/>
+            <a:chExt cx="5474207" cy="1510462"/>
+          </a:xfrm>
+        </p:grpSpPr>
+        <p:sp>
+          <p:nvSpPr>
+            <p:cNvPr id="6" name="Rectangle 5"/>
+            <p:cNvSpPr/>
+            <p:nvPr/>
+          </p:nvSpPr>
+          <p:spPr>
+            <a:xfrm>
+              <a:off x="6643227" y="4053323"/>
+              <a:ext cx="5432612" cy="1470212"/>
+            </a:xfrm>
+            <a:prstGeom prst="rect">
+              <a:avLst/>
+            </a:prstGeom>
+            <a:solidFill>
+              <a:schemeClr val="accent1">
+                <a:lumMod val="40000"/>
+                <a:lumOff val="60000"/>
+                <a:alpha val="70000"/>
+              </a:schemeClr>
+            </a:solidFill>
+            <a:ln>
+              <a:noFill/>
+            </a:ln>
+          </p:spPr>
+          <p:style>
+            <a:lnRef idx="2">
+              <a:schemeClr val="accent1">
+                <a:shade val="50000"/>
+              </a:schemeClr>
+            </a:lnRef>
+            <a:fillRef idx="1">
+              <a:schemeClr val="accent1"/>
+            </a:fillRef>
+            <a:effectRef idx="0">
+              <a:schemeClr val="accent1"/>
+            </a:effectRef>
+            <a:fontRef idx="minor">
+              <a:schemeClr val="lt1"/>
+            </a:fontRef>
+          </p:style>
+          <p:txBody>
+            <a:bodyPr rtlCol="0" anchor="ctr"/>
+            <a:lstStyle/>
+            <a:p>
+              <a:pPr algn="ctr"/>
+              <a:endParaRPr lang="en-US" sz="2000" b="1" dirty="0">
+                <a:solidFill>
+                  <a:schemeClr val="tx1"/>
+                </a:solidFill>
+              </a:endParaRPr>
+            </a:p>
+          </p:txBody>
+        </p:sp>
+        <p:pic>
+          <p:nvPicPr>
+            <p:cNvPr id="15" name="Picture 14"/>
+            <p:cNvPicPr>
+              <a:picLocks noChangeAspect="1"/>
+            </p:cNvPicPr>
+            <p:nvPr/>
+          </p:nvPicPr>
+          <p:blipFill>
+            <a:blip r:embed="rId4" cstate="print">
+              <a:extLst>
+                <a:ext uri="{28A0092B-C50C-407E-A947-70E740481C1C}">
+                  <a14:useLocalDpi xmlns:a14="http://schemas.microsoft.com/office/drawing/2010/main" val="0"/>
+                </a:ext>
+              </a:extLst>
+            </a:blip>
+            <a:stretch>
+              <a:fillRect/>
+            </a:stretch>
+          </p:blipFill>
+          <p:spPr>
+            <a:xfrm>
+              <a:off x="6732493" y="4013073"/>
+              <a:ext cx="1291834" cy="1470212"/>
+            </a:xfrm>
+            <a:prstGeom prst="rect">
+              <a:avLst/>
+            </a:prstGeom>
+            <a:ln>
+              <a:noFill/>
+            </a:ln>
+          </p:spPr>
+        </p:pic>
+        <p:sp>
+          <p:nvSpPr>
+            <p:cNvPr id="16" name="TextBox 15"/>
+            <p:cNvSpPr txBox="1"/>
+            <p:nvPr/>
+          </p:nvSpPr>
+          <p:spPr>
+            <a:xfrm>
+              <a:off x="8032438" y="4131196"/>
+              <a:ext cx="4084996" cy="1323439"/>
+            </a:xfrm>
+            <a:prstGeom prst="rect">
+              <a:avLst/>
+            </a:prstGeom>
+            <a:noFill/>
+            <a:ln>
+              <a:noFill/>
+            </a:ln>
+          </p:spPr>
+          <p:txBody>
+            <a:bodyPr wrap="square" rtlCol="0">
+              <a:spAutoFit/>
+            </a:bodyPr>
+            <a:lstStyle/>
+            <a:p>
+              <a:pPr algn="ctr"/>
+              <a:r>
+                <a:rPr lang="en-US" sz="2000" b="1" dirty="0"/>
+                <a:t>sensitize the general population on the importance of women's financial independence for the country's economy.</a:t>
+              </a:r>
+            </a:p>
+          </p:txBody>
+        </p:sp>
+      </p:grpSp>
+    </p:spTree>
+    <p:extLst>
+      <p:ext uri="{BB962C8B-B14F-4D97-AF65-F5344CB8AC3E}">
+        <p14:creationId xmlns:p14="http://schemas.microsoft.com/office/powerpoint/2010/main" val="3808284902"/>
+      </p:ext>
+    </p:extLst>
+  </p:cSld>
+  <p:clrMapOvr>
+    <a:masterClrMapping/>
+  </p:clrMapOvr>
+</p:sld>
+</file>
+
+<file path=ppt/slides/slide12.xml><?xml version="1.0" encoding="utf-8"?>
 <p:sld xmlns:a="http://schemas.openxmlformats.org/drawingml/2006/main" xmlns:r="http://schemas.openxmlformats.org/officeDocument/2006/relationships" xmlns:p="http://schemas.openxmlformats.org/presentationml/2006/main">
   <p:cSld>
     <p:spTree>
@@ -4878,7 +5352,7 @@
 </p:sld>
 </file>
 
-<file path=ppt/slides/slide11.xml><?xml version="1.0" encoding="utf-8"?>
+<file path=ppt/slides/slide13.xml><?xml version="1.0" encoding="utf-8"?>
 <p:sld xmlns:a="http://schemas.openxmlformats.org/drawingml/2006/main" xmlns:r="http://schemas.openxmlformats.org/officeDocument/2006/relationships" xmlns:p="http://schemas.openxmlformats.org/presentationml/2006/main">
   <p:cSld>
     <p:bg>
@@ -5833,36 +6307,6 @@
           </a:prstGeom>
         </p:spPr>
       </p:pic>
-      <p:pic>
-        <p:nvPicPr>
-          <p:cNvPr id="49" name="Picture 48"/>
-          <p:cNvPicPr>
-            <a:picLocks noChangeAspect="1"/>
-          </p:cNvPicPr>
-          <p:nvPr/>
-        </p:nvPicPr>
-        <p:blipFill>
-          <a:blip r:embed="rId3" cstate="print">
-            <a:extLst>
-              <a:ext uri="{28A0092B-C50C-407E-A947-70E740481C1C}">
-                <a14:useLocalDpi xmlns:a14="http://schemas.microsoft.com/office/drawing/2010/main" val="0"/>
-              </a:ext>
-            </a:extLst>
-          </a:blip>
-          <a:stretch>
-            <a:fillRect/>
-          </a:stretch>
-        </p:blipFill>
-        <p:spPr>
-          <a:xfrm>
-            <a:off x="-793166" y="7279188"/>
-            <a:ext cx="3307080" cy="2480310"/>
-          </a:xfrm>
-          <a:prstGeom prst="rect">
-            <a:avLst/>
-          </a:prstGeom>
-        </p:spPr>
-      </p:pic>
       <p:sp>
         <p:nvSpPr>
           <p:cNvPr id="48" name="Rectangle 47"/>
@@ -6639,36 +7083,6 @@
           </p:txBody>
         </p:sp>
       </p:grpSp>
-      <p:pic>
-        <p:nvPicPr>
-          <p:cNvPr id="12" name="Picture 11"/>
-          <p:cNvPicPr>
-            <a:picLocks noChangeAspect="1"/>
-          </p:cNvPicPr>
-          <p:nvPr/>
-        </p:nvPicPr>
-        <p:blipFill>
-          <a:blip r:embed="rId4" cstate="print">
-            <a:extLst>
-              <a:ext uri="{28A0092B-C50C-407E-A947-70E740481C1C}">
-                <a14:useLocalDpi xmlns:a14="http://schemas.microsoft.com/office/drawing/2010/main" val="0"/>
-              </a:ext>
-            </a:extLst>
-          </a:blip>
-          <a:stretch>
-            <a:fillRect/>
-          </a:stretch>
-        </p:blipFill>
-        <p:spPr>
-          <a:xfrm>
-            <a:off x="2824361" y="7451297"/>
-            <a:ext cx="3567953" cy="2675965"/>
-          </a:xfrm>
-          <a:prstGeom prst="rect">
-            <a:avLst/>
-          </a:prstGeom>
-        </p:spPr>
-      </p:pic>
       <p:grpSp>
         <p:nvGrpSpPr>
           <p:cNvPr id="15" name="Group 14"/>
@@ -8233,309 +8647,6 @@
   <p:clrMapOvr>
     <a:masterClrMapping/>
   </p:clrMapOvr>
-  <p:timing>
-    <p:tnLst>
-      <p:par>
-        <p:cTn id="1" dur="indefinite" restart="never" nodeType="tmRoot">
-          <p:childTnLst>
-            <p:seq concurrent="1" nextAc="seek">
-              <p:cTn id="2" dur="indefinite" nodeType="mainSeq">
-                <p:childTnLst>
-                  <p:par>
-                    <p:cTn id="3" fill="hold">
-                      <p:stCondLst>
-                        <p:cond delay="indefinite"/>
-                      </p:stCondLst>
-                      <p:childTnLst>
-                        <p:par>
-                          <p:cTn id="4" fill="hold">
-                            <p:stCondLst>
-                              <p:cond delay="0"/>
-                            </p:stCondLst>
-                            <p:childTnLst>
-                              <p:par>
-                                <p:cTn id="5" presetID="2" presetClass="entr" presetSubtype="8" fill="hold" nodeType="clickEffect">
-                                  <p:stCondLst>
-                                    <p:cond delay="0"/>
-                                  </p:stCondLst>
-                                  <p:childTnLst>
-                                    <p:set>
-                                      <p:cBhvr>
-                                        <p:cTn id="6" dur="1" fill="hold">
-                                          <p:stCondLst>
-                                            <p:cond delay="0"/>
-                                          </p:stCondLst>
-                                        </p:cTn>
-                                        <p:tgtEl>
-                                          <p:spTgt spid="26"/>
-                                        </p:tgtEl>
-                                        <p:attrNameLst>
-                                          <p:attrName>style.visibility</p:attrName>
-                                        </p:attrNameLst>
-                                      </p:cBhvr>
-                                      <p:to>
-                                        <p:strVal val="visible"/>
-                                      </p:to>
-                                    </p:set>
-                                    <p:anim calcmode="lin" valueType="num">
-                                      <p:cBhvr additive="base">
-                                        <p:cTn id="7" dur="500" fill="hold"/>
-                                        <p:tgtEl>
-                                          <p:spTgt spid="26"/>
-                                        </p:tgtEl>
-                                        <p:attrNameLst>
-                                          <p:attrName>ppt_x</p:attrName>
-                                        </p:attrNameLst>
-                                      </p:cBhvr>
-                                      <p:tavLst>
-                                        <p:tav tm="0">
-                                          <p:val>
-                                            <p:strVal val="0-#ppt_w/2"/>
-                                          </p:val>
-                                        </p:tav>
-                                        <p:tav tm="100000">
-                                          <p:val>
-                                            <p:strVal val="#ppt_x"/>
-                                          </p:val>
-                                        </p:tav>
-                                      </p:tavLst>
-                                    </p:anim>
-                                    <p:anim calcmode="lin" valueType="num">
-                                      <p:cBhvr additive="base">
-                                        <p:cTn id="8" dur="500" fill="hold"/>
-                                        <p:tgtEl>
-                                          <p:spTgt spid="26"/>
-                                        </p:tgtEl>
-                                        <p:attrNameLst>
-                                          <p:attrName>ppt_y</p:attrName>
-                                        </p:attrNameLst>
-                                      </p:cBhvr>
-                                      <p:tavLst>
-                                        <p:tav tm="0">
-                                          <p:val>
-                                            <p:strVal val="#ppt_y"/>
-                                          </p:val>
-                                        </p:tav>
-                                        <p:tav tm="100000">
-                                          <p:val>
-                                            <p:strVal val="#ppt_y"/>
-                                          </p:val>
-                                        </p:tav>
-                                      </p:tavLst>
-                                    </p:anim>
-                                  </p:childTnLst>
-                                </p:cTn>
-                              </p:par>
-                            </p:childTnLst>
-                          </p:cTn>
-                        </p:par>
-                      </p:childTnLst>
-                    </p:cTn>
-                  </p:par>
-                  <p:par>
-                    <p:cTn id="9" fill="hold">
-                      <p:stCondLst>
-                        <p:cond delay="indefinite"/>
-                      </p:stCondLst>
-                      <p:childTnLst>
-                        <p:par>
-                          <p:cTn id="10" fill="hold">
-                            <p:stCondLst>
-                              <p:cond delay="0"/>
-                            </p:stCondLst>
-                            <p:childTnLst>
-                              <p:par>
-                                <p:cTn id="11" presetID="2" presetClass="entr" presetSubtype="8" fill="hold" nodeType="clickEffect">
-                                  <p:stCondLst>
-                                    <p:cond delay="0"/>
-                                  </p:stCondLst>
-                                  <p:childTnLst>
-                                    <p:set>
-                                      <p:cBhvr>
-                                        <p:cTn id="12" dur="1" fill="hold">
-                                          <p:stCondLst>
-                                            <p:cond delay="0"/>
-                                          </p:stCondLst>
-                                        </p:cTn>
-                                        <p:tgtEl>
-                                          <p:spTgt spid="84"/>
-                                        </p:tgtEl>
-                                        <p:attrNameLst>
-                                          <p:attrName>style.visibility</p:attrName>
-                                        </p:attrNameLst>
-                                      </p:cBhvr>
-                                      <p:to>
-                                        <p:strVal val="visible"/>
-                                      </p:to>
-                                    </p:set>
-                                    <p:anim calcmode="lin" valueType="num">
-                                      <p:cBhvr additive="base">
-                                        <p:cTn id="13" dur="500" fill="hold"/>
-                                        <p:tgtEl>
-                                          <p:spTgt spid="84"/>
-                                        </p:tgtEl>
-                                        <p:attrNameLst>
-                                          <p:attrName>ppt_x</p:attrName>
-                                        </p:attrNameLst>
-                                      </p:cBhvr>
-                                      <p:tavLst>
-                                        <p:tav tm="0">
-                                          <p:val>
-                                            <p:strVal val="0-#ppt_w/2"/>
-                                          </p:val>
-                                        </p:tav>
-                                        <p:tav tm="100000">
-                                          <p:val>
-                                            <p:strVal val="#ppt_x"/>
-                                          </p:val>
-                                        </p:tav>
-                                      </p:tavLst>
-                                    </p:anim>
-                                    <p:anim calcmode="lin" valueType="num">
-                                      <p:cBhvr additive="base">
-                                        <p:cTn id="14" dur="500" fill="hold"/>
-                                        <p:tgtEl>
-                                          <p:spTgt spid="84"/>
-                                        </p:tgtEl>
-                                        <p:attrNameLst>
-                                          <p:attrName>ppt_y</p:attrName>
-                                        </p:attrNameLst>
-                                      </p:cBhvr>
-                                      <p:tavLst>
-                                        <p:tav tm="0">
-                                          <p:val>
-                                            <p:strVal val="#ppt_y"/>
-                                          </p:val>
-                                        </p:tav>
-                                        <p:tav tm="100000">
-                                          <p:val>
-                                            <p:strVal val="#ppt_y"/>
-                                          </p:val>
-                                        </p:tav>
-                                      </p:tavLst>
-                                    </p:anim>
-                                  </p:childTnLst>
-                                </p:cTn>
-                              </p:par>
-                            </p:childTnLst>
-                          </p:cTn>
-                        </p:par>
-                      </p:childTnLst>
-                    </p:cTn>
-                  </p:par>
-                  <p:par>
-                    <p:cTn id="15" fill="hold">
-                      <p:stCondLst>
-                        <p:cond delay="indefinite"/>
-                      </p:stCondLst>
-                      <p:childTnLst>
-                        <p:par>
-                          <p:cTn id="16" fill="hold">
-                            <p:stCondLst>
-                              <p:cond delay="0"/>
-                            </p:stCondLst>
-                            <p:childTnLst>
-                              <p:par>
-                                <p:cTn id="17" presetID="2" presetClass="entr" presetSubtype="8" fill="hold" nodeType="clickEffect">
-                                  <p:stCondLst>
-                                    <p:cond delay="0"/>
-                                  </p:stCondLst>
-                                  <p:childTnLst>
-                                    <p:set>
-                                      <p:cBhvr>
-                                        <p:cTn id="18" dur="1" fill="hold">
-                                          <p:stCondLst>
-                                            <p:cond delay="0"/>
-                                          </p:stCondLst>
-                                        </p:cTn>
-                                        <p:tgtEl>
-                                          <p:spTgt spid="15"/>
-                                        </p:tgtEl>
-                                        <p:attrNameLst>
-                                          <p:attrName>style.visibility</p:attrName>
-                                        </p:attrNameLst>
-                                      </p:cBhvr>
-                                      <p:to>
-                                        <p:strVal val="visible"/>
-                                      </p:to>
-                                    </p:set>
-                                    <p:anim calcmode="lin" valueType="num">
-                                      <p:cBhvr additive="base">
-                                        <p:cTn id="19" dur="500" fill="hold"/>
-                                        <p:tgtEl>
-                                          <p:spTgt spid="15"/>
-                                        </p:tgtEl>
-                                        <p:attrNameLst>
-                                          <p:attrName>ppt_x</p:attrName>
-                                        </p:attrNameLst>
-                                      </p:cBhvr>
-                                      <p:tavLst>
-                                        <p:tav tm="0">
-                                          <p:val>
-                                            <p:strVal val="0-#ppt_w/2"/>
-                                          </p:val>
-                                        </p:tav>
-                                        <p:tav tm="100000">
-                                          <p:val>
-                                            <p:strVal val="#ppt_x"/>
-                                          </p:val>
-                                        </p:tav>
-                                      </p:tavLst>
-                                    </p:anim>
-                                    <p:anim calcmode="lin" valueType="num">
-                                      <p:cBhvr additive="base">
-                                        <p:cTn id="20" dur="500" fill="hold"/>
-                                        <p:tgtEl>
-                                          <p:spTgt spid="15"/>
-                                        </p:tgtEl>
-                                        <p:attrNameLst>
-                                          <p:attrName>ppt_y</p:attrName>
-                                        </p:attrNameLst>
-                                      </p:cBhvr>
-                                      <p:tavLst>
-                                        <p:tav tm="0">
-                                          <p:val>
-                                            <p:strVal val="#ppt_y"/>
-                                          </p:val>
-                                        </p:tav>
-                                        <p:tav tm="100000">
-                                          <p:val>
-                                            <p:strVal val="#ppt_y"/>
-                                          </p:val>
-                                        </p:tav>
-                                      </p:tavLst>
-                                    </p:anim>
-                                  </p:childTnLst>
-                                </p:cTn>
-                              </p:par>
-                            </p:childTnLst>
-                          </p:cTn>
-                        </p:par>
-                      </p:childTnLst>
-                    </p:cTn>
-                  </p:par>
-                </p:childTnLst>
-              </p:cTn>
-              <p:prevCondLst>
-                <p:cond evt="onPrev" delay="0">
-                  <p:tgtEl>
-                    <p:sldTgt/>
-                  </p:tgtEl>
-                </p:cond>
-              </p:prevCondLst>
-              <p:nextCondLst>
-                <p:cond evt="onNext" delay="0">
-                  <p:tgtEl>
-                    <p:sldTgt/>
-                  </p:tgtEl>
-                </p:cond>
-              </p:nextCondLst>
-            </p:seq>
-          </p:childTnLst>
-        </p:cTn>
-      </p:par>
-    </p:tnLst>
-  </p:timing>
 </p:sld>
 </file>
 
@@ -8556,36 +8667,6 @@
           <a:chExt cx="0" cy="0"/>
         </a:xfrm>
       </p:grpSpPr>
-      <p:pic>
-        <p:nvPicPr>
-          <p:cNvPr id="4" name="Picture 3"/>
-          <p:cNvPicPr>
-            <a:picLocks noChangeAspect="1"/>
-          </p:cNvPicPr>
-          <p:nvPr/>
-        </p:nvPicPr>
-        <p:blipFill>
-          <a:blip r:embed="rId2" cstate="print">
-            <a:extLst>
-              <a:ext uri="{28A0092B-C50C-407E-A947-70E740481C1C}">
-                <a14:useLocalDpi xmlns:a14="http://schemas.microsoft.com/office/drawing/2010/main" val="0"/>
-              </a:ext>
-            </a:extLst>
-          </a:blip>
-          <a:stretch>
-            <a:fillRect/>
-          </a:stretch>
-        </p:blipFill>
-        <p:spPr>
-          <a:xfrm>
-            <a:off x="-215153" y="5289176"/>
-            <a:ext cx="2438400" cy="1828800"/>
-          </a:xfrm>
-          <a:prstGeom prst="rect">
-            <a:avLst/>
-          </a:prstGeom>
-        </p:spPr>
-      </p:pic>
       <p:sp>
         <p:nvSpPr>
           <p:cNvPr id="8" name="Round Same Side Corner Rectangle 4"/>
@@ -10634,100 +10715,80 @@
           </a:p>
         </p:txBody>
       </p:sp>
-      <p:sp>
-        <p:nvSpPr>
-          <p:cNvPr id="2" name="TextBox 1"/>
-          <p:cNvSpPr txBox="1"/>
+      <p:grpSp>
+        <p:nvGrpSpPr>
+          <p:cNvPr id="5" name="Group 4"/>
+          <p:cNvGrpSpPr/>
           <p:nvPr/>
-        </p:nvSpPr>
-        <p:spPr>
+        </p:nvGrpSpPr>
+        <p:grpSpPr>
           <a:xfrm>
-            <a:off x="1533805" y="2407808"/>
-            <a:ext cx="1780432" cy="400110"/>
+            <a:off x="615820" y="2407808"/>
+            <a:ext cx="2698417" cy="2747318"/>
+            <a:chOff x="615820" y="2407808"/>
+            <a:chExt cx="2698417" cy="2747318"/>
           </a:xfrm>
-          <a:prstGeom prst="rect">
-            <a:avLst/>
-          </a:prstGeom>
-          <a:noFill/>
-        </p:spPr>
-        <p:txBody>
-          <a:bodyPr wrap="square" rtlCol="0">
-            <a:spAutoFit/>
-          </a:bodyPr>
-          <a:lstStyle/>
-          <a:p>
-            <a:r>
-              <a:rPr lang="en-US" sz="2000" b="1" dirty="0"/>
-              <a:t>Problem</a:t>
-            </a:r>
-          </a:p>
-        </p:txBody>
-      </p:sp>
-      <p:sp>
-        <p:nvSpPr>
-          <p:cNvPr id="3" name="TextBox 2"/>
-          <p:cNvSpPr txBox="1"/>
-          <p:nvPr/>
-        </p:nvSpPr>
-        <p:spPr>
-          <a:xfrm>
-            <a:off x="615820" y="3216134"/>
-            <a:ext cx="2643240" cy="1938992"/>
-          </a:xfrm>
-          <a:prstGeom prst="rect">
-            <a:avLst/>
-          </a:prstGeom>
-          <a:noFill/>
-        </p:spPr>
-        <p:txBody>
-          <a:bodyPr wrap="square" rtlCol="0">
-            <a:spAutoFit/>
-          </a:bodyPr>
-          <a:lstStyle/>
-          <a:p>
-            <a:pPr algn="ctr"/>
-            <a:r>
-              <a:rPr lang="en-US" sz="2400" dirty="0"/>
-              <a:t>The lack of financial independence of Haitian women source of lack of freedom</a:t>
-            </a:r>
-          </a:p>
-        </p:txBody>
-      </p:sp>
-      <p:sp>
-        <p:nvSpPr>
-          <p:cNvPr id="5" name="TextBox 4">
-            <a:extLst>
-              <a:ext uri="{FF2B5EF4-FFF2-40B4-BE49-F238E27FC236}">
-                <a16:creationId xmlns:a16="http://schemas.microsoft.com/office/drawing/2014/main" id="{3A82D424-91D7-41E5-8D90-C4161C520849}"/>
-              </a:ext>
-            </a:extLst>
-          </p:cNvPr>
-          <p:cNvSpPr txBox="1"/>
-          <p:nvPr/>
-        </p:nvSpPr>
-        <p:spPr>
-          <a:xfrm>
-            <a:off x="3713018" y="5763491"/>
-            <a:ext cx="5860473" cy="707886"/>
-          </a:xfrm>
-          <a:prstGeom prst="rect">
-            <a:avLst/>
-          </a:prstGeom>
-          <a:noFill/>
-        </p:spPr>
-        <p:txBody>
-          <a:bodyPr wrap="square" rtlCol="0">
-            <a:spAutoFit/>
-          </a:bodyPr>
-          <a:lstStyle/>
-          <a:p>
-            <a:r>
-              <a:rPr lang="en-US" sz="2000" b="1" dirty="0"/>
-              <a:t>To do this work, I calculated a score with tree variables.</a:t>
-            </a:r>
-          </a:p>
-        </p:txBody>
-      </p:sp>
+        </p:grpSpPr>
+        <p:sp>
+          <p:nvSpPr>
+            <p:cNvPr id="2" name="TextBox 1"/>
+            <p:cNvSpPr txBox="1"/>
+            <p:nvPr/>
+          </p:nvSpPr>
+          <p:spPr>
+            <a:xfrm>
+              <a:off x="1533805" y="2407808"/>
+              <a:ext cx="1780432" cy="400110"/>
+            </a:xfrm>
+            <a:prstGeom prst="rect">
+              <a:avLst/>
+            </a:prstGeom>
+            <a:noFill/>
+          </p:spPr>
+          <p:txBody>
+            <a:bodyPr wrap="square" rtlCol="0">
+              <a:spAutoFit/>
+            </a:bodyPr>
+            <a:lstStyle/>
+            <a:p>
+              <a:r>
+                <a:rPr lang="en-US" sz="2000" b="1" dirty="0"/>
+                <a:t>Problem</a:t>
+              </a:r>
+            </a:p>
+          </p:txBody>
+        </p:sp>
+        <p:sp>
+          <p:nvSpPr>
+            <p:cNvPr id="3" name="TextBox 2"/>
+            <p:cNvSpPr txBox="1"/>
+            <p:nvPr/>
+          </p:nvSpPr>
+          <p:spPr>
+            <a:xfrm>
+              <a:off x="615820" y="3216134"/>
+              <a:ext cx="2643240" cy="1938992"/>
+            </a:xfrm>
+            <a:prstGeom prst="rect">
+              <a:avLst/>
+            </a:prstGeom>
+            <a:noFill/>
+          </p:spPr>
+          <p:txBody>
+            <a:bodyPr wrap="square" rtlCol="0">
+              <a:spAutoFit/>
+            </a:bodyPr>
+            <a:lstStyle/>
+            <a:p>
+              <a:pPr algn="ctr"/>
+              <a:r>
+                <a:rPr lang="en-US" sz="2400" dirty="0"/>
+                <a:t>The lack of financial independence of Haitian women source of lack of freedom</a:t>
+              </a:r>
+            </a:p>
+          </p:txBody>
+        </p:sp>
+      </p:grpSp>
     </p:spTree>
     <p:extLst>
       <p:ext uri="{BB962C8B-B14F-4D97-AF65-F5344CB8AC3E}">
@@ -10738,309 +10799,6 @@
   <p:clrMapOvr>
     <a:masterClrMapping/>
   </p:clrMapOvr>
-  <p:timing>
-    <p:tnLst>
-      <p:par>
-        <p:cTn id="1" dur="indefinite" restart="never" nodeType="tmRoot">
-          <p:childTnLst>
-            <p:seq concurrent="1" nextAc="seek">
-              <p:cTn id="2" dur="indefinite" nodeType="mainSeq">
-                <p:childTnLst>
-                  <p:par>
-                    <p:cTn id="3" fill="hold">
-                      <p:stCondLst>
-                        <p:cond delay="indefinite"/>
-                      </p:stCondLst>
-                      <p:childTnLst>
-                        <p:par>
-                          <p:cTn id="4" fill="hold">
-                            <p:stCondLst>
-                              <p:cond delay="0"/>
-                            </p:stCondLst>
-                            <p:childTnLst>
-                              <p:par>
-                                <p:cTn id="5" presetID="2" presetClass="entr" presetSubtype="8" fill="hold" nodeType="clickEffect">
-                                  <p:stCondLst>
-                                    <p:cond delay="0"/>
-                                  </p:stCondLst>
-                                  <p:childTnLst>
-                                    <p:set>
-                                      <p:cBhvr>
-                                        <p:cTn id="6" dur="1" fill="hold">
-                                          <p:stCondLst>
-                                            <p:cond delay="0"/>
-                                          </p:stCondLst>
-                                        </p:cTn>
-                                        <p:tgtEl>
-                                          <p:spTgt spid="18"/>
-                                        </p:tgtEl>
-                                        <p:attrNameLst>
-                                          <p:attrName>style.visibility</p:attrName>
-                                        </p:attrNameLst>
-                                      </p:cBhvr>
-                                      <p:to>
-                                        <p:strVal val="visible"/>
-                                      </p:to>
-                                    </p:set>
-                                    <p:anim calcmode="lin" valueType="num">
-                                      <p:cBhvr additive="base">
-                                        <p:cTn id="7" dur="500" fill="hold"/>
-                                        <p:tgtEl>
-                                          <p:spTgt spid="18"/>
-                                        </p:tgtEl>
-                                        <p:attrNameLst>
-                                          <p:attrName>ppt_x</p:attrName>
-                                        </p:attrNameLst>
-                                      </p:cBhvr>
-                                      <p:tavLst>
-                                        <p:tav tm="0">
-                                          <p:val>
-                                            <p:strVal val="0-#ppt_w/2"/>
-                                          </p:val>
-                                        </p:tav>
-                                        <p:tav tm="100000">
-                                          <p:val>
-                                            <p:strVal val="#ppt_x"/>
-                                          </p:val>
-                                        </p:tav>
-                                      </p:tavLst>
-                                    </p:anim>
-                                    <p:anim calcmode="lin" valueType="num">
-                                      <p:cBhvr additive="base">
-                                        <p:cTn id="8" dur="500" fill="hold"/>
-                                        <p:tgtEl>
-                                          <p:spTgt spid="18"/>
-                                        </p:tgtEl>
-                                        <p:attrNameLst>
-                                          <p:attrName>ppt_y</p:attrName>
-                                        </p:attrNameLst>
-                                      </p:cBhvr>
-                                      <p:tavLst>
-                                        <p:tav tm="0">
-                                          <p:val>
-                                            <p:strVal val="#ppt_y"/>
-                                          </p:val>
-                                        </p:tav>
-                                        <p:tav tm="100000">
-                                          <p:val>
-                                            <p:strVal val="#ppt_y"/>
-                                          </p:val>
-                                        </p:tav>
-                                      </p:tavLst>
-                                    </p:anim>
-                                  </p:childTnLst>
-                                </p:cTn>
-                              </p:par>
-                            </p:childTnLst>
-                          </p:cTn>
-                        </p:par>
-                      </p:childTnLst>
-                    </p:cTn>
-                  </p:par>
-                  <p:par>
-                    <p:cTn id="9" fill="hold">
-                      <p:stCondLst>
-                        <p:cond delay="indefinite"/>
-                      </p:stCondLst>
-                      <p:childTnLst>
-                        <p:par>
-                          <p:cTn id="10" fill="hold">
-                            <p:stCondLst>
-                              <p:cond delay="0"/>
-                            </p:stCondLst>
-                            <p:childTnLst>
-                              <p:par>
-                                <p:cTn id="11" presetID="2" presetClass="entr" presetSubtype="1" fill="hold" nodeType="clickEffect">
-                                  <p:stCondLst>
-                                    <p:cond delay="0"/>
-                                  </p:stCondLst>
-                                  <p:childTnLst>
-                                    <p:set>
-                                      <p:cBhvr>
-                                        <p:cTn id="12" dur="1" fill="hold">
-                                          <p:stCondLst>
-                                            <p:cond delay="0"/>
-                                          </p:stCondLst>
-                                        </p:cTn>
-                                        <p:tgtEl>
-                                          <p:spTgt spid="11"/>
-                                        </p:tgtEl>
-                                        <p:attrNameLst>
-                                          <p:attrName>style.visibility</p:attrName>
-                                        </p:attrNameLst>
-                                      </p:cBhvr>
-                                      <p:to>
-                                        <p:strVal val="visible"/>
-                                      </p:to>
-                                    </p:set>
-                                    <p:anim calcmode="lin" valueType="num">
-                                      <p:cBhvr additive="base">
-                                        <p:cTn id="13" dur="500" fill="hold"/>
-                                        <p:tgtEl>
-                                          <p:spTgt spid="11"/>
-                                        </p:tgtEl>
-                                        <p:attrNameLst>
-                                          <p:attrName>ppt_x</p:attrName>
-                                        </p:attrNameLst>
-                                      </p:cBhvr>
-                                      <p:tavLst>
-                                        <p:tav tm="0">
-                                          <p:val>
-                                            <p:strVal val="#ppt_x"/>
-                                          </p:val>
-                                        </p:tav>
-                                        <p:tav tm="100000">
-                                          <p:val>
-                                            <p:strVal val="#ppt_x"/>
-                                          </p:val>
-                                        </p:tav>
-                                      </p:tavLst>
-                                    </p:anim>
-                                    <p:anim calcmode="lin" valueType="num">
-                                      <p:cBhvr additive="base">
-                                        <p:cTn id="14" dur="500" fill="hold"/>
-                                        <p:tgtEl>
-                                          <p:spTgt spid="11"/>
-                                        </p:tgtEl>
-                                        <p:attrNameLst>
-                                          <p:attrName>ppt_y</p:attrName>
-                                        </p:attrNameLst>
-                                      </p:cBhvr>
-                                      <p:tavLst>
-                                        <p:tav tm="0">
-                                          <p:val>
-                                            <p:strVal val="0-#ppt_h/2"/>
-                                          </p:val>
-                                        </p:tav>
-                                        <p:tav tm="100000">
-                                          <p:val>
-                                            <p:strVal val="#ppt_y"/>
-                                          </p:val>
-                                        </p:tav>
-                                      </p:tavLst>
-                                    </p:anim>
-                                  </p:childTnLst>
-                                </p:cTn>
-                              </p:par>
-                            </p:childTnLst>
-                          </p:cTn>
-                        </p:par>
-                      </p:childTnLst>
-                    </p:cTn>
-                  </p:par>
-                  <p:par>
-                    <p:cTn id="15" fill="hold">
-                      <p:stCondLst>
-                        <p:cond delay="indefinite"/>
-                      </p:stCondLst>
-                      <p:childTnLst>
-                        <p:par>
-                          <p:cTn id="16" fill="hold">
-                            <p:stCondLst>
-                              <p:cond delay="0"/>
-                            </p:stCondLst>
-                            <p:childTnLst>
-                              <p:par>
-                                <p:cTn id="17" presetID="2" presetClass="entr" presetSubtype="2" fill="hold" nodeType="clickEffect">
-                                  <p:stCondLst>
-                                    <p:cond delay="0"/>
-                                  </p:stCondLst>
-                                  <p:childTnLst>
-                                    <p:set>
-                                      <p:cBhvr>
-                                        <p:cTn id="18" dur="1" fill="hold">
-                                          <p:stCondLst>
-                                            <p:cond delay="0"/>
-                                          </p:stCondLst>
-                                        </p:cTn>
-                                        <p:tgtEl>
-                                          <p:spTgt spid="21"/>
-                                        </p:tgtEl>
-                                        <p:attrNameLst>
-                                          <p:attrName>style.visibility</p:attrName>
-                                        </p:attrNameLst>
-                                      </p:cBhvr>
-                                      <p:to>
-                                        <p:strVal val="visible"/>
-                                      </p:to>
-                                    </p:set>
-                                    <p:anim calcmode="lin" valueType="num">
-                                      <p:cBhvr additive="base">
-                                        <p:cTn id="19" dur="500" fill="hold"/>
-                                        <p:tgtEl>
-                                          <p:spTgt spid="21"/>
-                                        </p:tgtEl>
-                                        <p:attrNameLst>
-                                          <p:attrName>ppt_x</p:attrName>
-                                        </p:attrNameLst>
-                                      </p:cBhvr>
-                                      <p:tavLst>
-                                        <p:tav tm="0">
-                                          <p:val>
-                                            <p:strVal val="1+#ppt_w/2"/>
-                                          </p:val>
-                                        </p:tav>
-                                        <p:tav tm="100000">
-                                          <p:val>
-                                            <p:strVal val="#ppt_x"/>
-                                          </p:val>
-                                        </p:tav>
-                                      </p:tavLst>
-                                    </p:anim>
-                                    <p:anim calcmode="lin" valueType="num">
-                                      <p:cBhvr additive="base">
-                                        <p:cTn id="20" dur="500" fill="hold"/>
-                                        <p:tgtEl>
-                                          <p:spTgt spid="21"/>
-                                        </p:tgtEl>
-                                        <p:attrNameLst>
-                                          <p:attrName>ppt_y</p:attrName>
-                                        </p:attrNameLst>
-                                      </p:cBhvr>
-                                      <p:tavLst>
-                                        <p:tav tm="0">
-                                          <p:val>
-                                            <p:strVal val="#ppt_y"/>
-                                          </p:val>
-                                        </p:tav>
-                                        <p:tav tm="100000">
-                                          <p:val>
-                                            <p:strVal val="#ppt_y"/>
-                                          </p:val>
-                                        </p:tav>
-                                      </p:tavLst>
-                                    </p:anim>
-                                  </p:childTnLst>
-                                </p:cTn>
-                              </p:par>
-                            </p:childTnLst>
-                          </p:cTn>
-                        </p:par>
-                      </p:childTnLst>
-                    </p:cTn>
-                  </p:par>
-                </p:childTnLst>
-              </p:cTn>
-              <p:prevCondLst>
-                <p:cond evt="onPrev" delay="0">
-                  <p:tgtEl>
-                    <p:sldTgt/>
-                  </p:tgtEl>
-                </p:cond>
-              </p:prevCondLst>
-              <p:nextCondLst>
-                <p:cond evt="onNext" delay="0">
-                  <p:tgtEl>
-                    <p:sldTgt/>
-                  </p:tgtEl>
-                </p:cond>
-              </p:nextCondLst>
-            </p:seq>
-          </p:childTnLst>
-        </p:cTn>
-      </p:par>
-    </p:tnLst>
-  </p:timing>
 </p:sld>
 </file>
 
@@ -14384,7 +14142,7 @@
         </p:nvCxnSpPr>
         <p:spPr>
           <a:xfrm flipV="1">
-            <a:off x="0" y="676762"/>
+            <a:off x="56876" y="659633"/>
             <a:ext cx="1431565" cy="4220"/>
           </a:xfrm>
           <a:prstGeom prst="line">
@@ -14491,495 +14249,517 @@
   <p:clrMapOvr>
     <a:masterClrMapping/>
   </p:clrMapOvr>
-  <p:timing>
-    <p:tnLst>
-      <p:par>
-        <p:cTn id="1" dur="indefinite" restart="never" nodeType="tmRoot">
-          <p:childTnLst>
-            <p:seq concurrent="1" nextAc="seek">
-              <p:cTn id="2" dur="indefinite" nodeType="mainSeq">
-                <p:childTnLst>
-                  <p:par>
-                    <p:cTn id="3" fill="hold">
-                      <p:stCondLst>
-                        <p:cond delay="indefinite"/>
-                      </p:stCondLst>
-                      <p:childTnLst>
-                        <p:par>
-                          <p:cTn id="4" fill="hold">
-                            <p:stCondLst>
-                              <p:cond delay="0"/>
-                            </p:stCondLst>
-                            <p:childTnLst>
-                              <p:par>
-                                <p:cTn id="5" presetID="2" presetClass="entr" presetSubtype="8" fill="hold" nodeType="clickEffect">
-                                  <p:stCondLst>
-                                    <p:cond delay="0"/>
-                                  </p:stCondLst>
-                                  <p:childTnLst>
-                                    <p:set>
-                                      <p:cBhvr>
-                                        <p:cTn id="6" dur="1" fill="hold">
-                                          <p:stCondLst>
-                                            <p:cond delay="0"/>
-                                          </p:stCondLst>
-                                        </p:cTn>
-                                        <p:tgtEl>
-                                          <p:spTgt spid="85"/>
-                                        </p:tgtEl>
-                                        <p:attrNameLst>
-                                          <p:attrName>style.visibility</p:attrName>
-                                        </p:attrNameLst>
-                                      </p:cBhvr>
-                                      <p:to>
-                                        <p:strVal val="visible"/>
-                                      </p:to>
-                                    </p:set>
-                                    <p:anim calcmode="lin" valueType="num">
-                                      <p:cBhvr additive="base">
-                                        <p:cTn id="7" dur="1000" fill="hold"/>
-                                        <p:tgtEl>
-                                          <p:spTgt spid="85"/>
-                                        </p:tgtEl>
-                                        <p:attrNameLst>
-                                          <p:attrName>ppt_x</p:attrName>
-                                        </p:attrNameLst>
-                                      </p:cBhvr>
-                                      <p:tavLst>
-                                        <p:tav tm="0">
-                                          <p:val>
-                                            <p:strVal val="0-#ppt_w/2"/>
-                                          </p:val>
-                                        </p:tav>
-                                        <p:tav tm="100000">
-                                          <p:val>
-                                            <p:strVal val="#ppt_x"/>
-                                          </p:val>
-                                        </p:tav>
-                                      </p:tavLst>
-                                    </p:anim>
-                                    <p:anim calcmode="lin" valueType="num">
-                                      <p:cBhvr additive="base">
-                                        <p:cTn id="8" dur="1000" fill="hold"/>
-                                        <p:tgtEl>
-                                          <p:spTgt spid="85"/>
-                                        </p:tgtEl>
-                                        <p:attrNameLst>
-                                          <p:attrName>ppt_y</p:attrName>
-                                        </p:attrNameLst>
-                                      </p:cBhvr>
-                                      <p:tavLst>
-                                        <p:tav tm="0">
-                                          <p:val>
-                                            <p:strVal val="#ppt_y"/>
-                                          </p:val>
-                                        </p:tav>
-                                        <p:tav tm="100000">
-                                          <p:val>
-                                            <p:strVal val="#ppt_y"/>
-                                          </p:val>
-                                        </p:tav>
-                                      </p:tavLst>
-                                    </p:anim>
-                                  </p:childTnLst>
-                                </p:cTn>
-                              </p:par>
-                            </p:childTnLst>
-                          </p:cTn>
-                        </p:par>
-                      </p:childTnLst>
-                    </p:cTn>
-                  </p:par>
-                  <p:par>
-                    <p:cTn id="9" fill="hold">
-                      <p:stCondLst>
-                        <p:cond delay="indefinite"/>
-                      </p:stCondLst>
-                      <p:childTnLst>
-                        <p:par>
-                          <p:cTn id="10" fill="hold">
-                            <p:stCondLst>
-                              <p:cond delay="0"/>
-                            </p:stCondLst>
-                            <p:childTnLst>
-                              <p:par>
-                                <p:cTn id="11" presetID="2" presetClass="entr" presetSubtype="8" fill="hold" nodeType="clickEffect">
-                                  <p:stCondLst>
-                                    <p:cond delay="0"/>
-                                  </p:stCondLst>
-                                  <p:childTnLst>
-                                    <p:set>
-                                      <p:cBhvr>
-                                        <p:cTn id="12" dur="1" fill="hold">
-                                          <p:stCondLst>
-                                            <p:cond delay="0"/>
-                                          </p:stCondLst>
-                                        </p:cTn>
-                                        <p:tgtEl>
-                                          <p:spTgt spid="92"/>
-                                        </p:tgtEl>
-                                        <p:attrNameLst>
-                                          <p:attrName>style.visibility</p:attrName>
-                                        </p:attrNameLst>
-                                      </p:cBhvr>
-                                      <p:to>
-                                        <p:strVal val="visible"/>
-                                      </p:to>
-                                    </p:set>
-                                    <p:anim calcmode="lin" valueType="num">
-                                      <p:cBhvr additive="base">
-                                        <p:cTn id="13" dur="1000" fill="hold"/>
-                                        <p:tgtEl>
-                                          <p:spTgt spid="92"/>
-                                        </p:tgtEl>
-                                        <p:attrNameLst>
-                                          <p:attrName>ppt_x</p:attrName>
-                                        </p:attrNameLst>
-                                      </p:cBhvr>
-                                      <p:tavLst>
-                                        <p:tav tm="0">
-                                          <p:val>
-                                            <p:strVal val="0-#ppt_w/2"/>
-                                          </p:val>
-                                        </p:tav>
-                                        <p:tav tm="100000">
-                                          <p:val>
-                                            <p:strVal val="#ppt_x"/>
-                                          </p:val>
-                                        </p:tav>
-                                      </p:tavLst>
-                                    </p:anim>
-                                    <p:anim calcmode="lin" valueType="num">
-                                      <p:cBhvr additive="base">
-                                        <p:cTn id="14" dur="1000" fill="hold"/>
-                                        <p:tgtEl>
-                                          <p:spTgt spid="92"/>
-                                        </p:tgtEl>
-                                        <p:attrNameLst>
-                                          <p:attrName>ppt_y</p:attrName>
-                                        </p:attrNameLst>
-                                      </p:cBhvr>
-                                      <p:tavLst>
-                                        <p:tav tm="0">
-                                          <p:val>
-                                            <p:strVal val="#ppt_y"/>
-                                          </p:val>
-                                        </p:tav>
-                                        <p:tav tm="100000">
-                                          <p:val>
-                                            <p:strVal val="#ppt_y"/>
-                                          </p:val>
-                                        </p:tav>
-                                      </p:tavLst>
-                                    </p:anim>
-                                  </p:childTnLst>
-                                </p:cTn>
-                              </p:par>
-                            </p:childTnLst>
-                          </p:cTn>
-                        </p:par>
-                      </p:childTnLst>
-                    </p:cTn>
-                  </p:par>
-                  <p:par>
-                    <p:cTn id="15" fill="hold">
-                      <p:stCondLst>
-                        <p:cond delay="indefinite"/>
-                      </p:stCondLst>
-                      <p:childTnLst>
-                        <p:par>
-                          <p:cTn id="16" fill="hold">
-                            <p:stCondLst>
-                              <p:cond delay="0"/>
-                            </p:stCondLst>
-                            <p:childTnLst>
-                              <p:par>
-                                <p:cTn id="17" presetID="2" presetClass="entr" presetSubtype="8" fill="hold" nodeType="clickEffect">
-                                  <p:stCondLst>
-                                    <p:cond delay="0"/>
-                                  </p:stCondLst>
-                                  <p:childTnLst>
-                                    <p:set>
-                                      <p:cBhvr>
-                                        <p:cTn id="18" dur="1" fill="hold">
-                                          <p:stCondLst>
-                                            <p:cond delay="0"/>
-                                          </p:stCondLst>
-                                        </p:cTn>
-                                        <p:tgtEl>
-                                          <p:spTgt spid="87"/>
-                                        </p:tgtEl>
-                                        <p:attrNameLst>
-                                          <p:attrName>style.visibility</p:attrName>
-                                        </p:attrNameLst>
-                                      </p:cBhvr>
-                                      <p:to>
-                                        <p:strVal val="visible"/>
-                                      </p:to>
-                                    </p:set>
-                                    <p:anim calcmode="lin" valueType="num">
-                                      <p:cBhvr additive="base">
-                                        <p:cTn id="19" dur="1000" fill="hold"/>
-                                        <p:tgtEl>
-                                          <p:spTgt spid="87"/>
-                                        </p:tgtEl>
-                                        <p:attrNameLst>
-                                          <p:attrName>ppt_x</p:attrName>
-                                        </p:attrNameLst>
-                                      </p:cBhvr>
-                                      <p:tavLst>
-                                        <p:tav tm="0">
-                                          <p:val>
-                                            <p:strVal val="0-#ppt_w/2"/>
-                                          </p:val>
-                                        </p:tav>
-                                        <p:tav tm="100000">
-                                          <p:val>
-                                            <p:strVal val="#ppt_x"/>
-                                          </p:val>
-                                        </p:tav>
-                                      </p:tavLst>
-                                    </p:anim>
-                                    <p:anim calcmode="lin" valueType="num">
-                                      <p:cBhvr additive="base">
-                                        <p:cTn id="20" dur="1000" fill="hold"/>
-                                        <p:tgtEl>
-                                          <p:spTgt spid="87"/>
-                                        </p:tgtEl>
-                                        <p:attrNameLst>
-                                          <p:attrName>ppt_y</p:attrName>
-                                        </p:attrNameLst>
-                                      </p:cBhvr>
-                                      <p:tavLst>
-                                        <p:tav tm="0">
-                                          <p:val>
-                                            <p:strVal val="#ppt_y"/>
-                                          </p:val>
-                                        </p:tav>
-                                        <p:tav tm="100000">
-                                          <p:val>
-                                            <p:strVal val="#ppt_y"/>
-                                          </p:val>
-                                        </p:tav>
-                                      </p:tavLst>
-                                    </p:anim>
-                                  </p:childTnLst>
-                                </p:cTn>
-                              </p:par>
-                            </p:childTnLst>
-                          </p:cTn>
-                        </p:par>
-                      </p:childTnLst>
-                    </p:cTn>
-                  </p:par>
-                  <p:par>
-                    <p:cTn id="21" fill="hold">
-                      <p:stCondLst>
-                        <p:cond delay="indefinite"/>
-                      </p:stCondLst>
-                      <p:childTnLst>
-                        <p:par>
-                          <p:cTn id="22" fill="hold">
-                            <p:stCondLst>
-                              <p:cond delay="0"/>
-                            </p:stCondLst>
-                            <p:childTnLst>
-                              <p:par>
-                                <p:cTn id="23" presetID="2" presetClass="entr" presetSubtype="2" fill="hold" nodeType="clickEffect">
-                                  <p:stCondLst>
-                                    <p:cond delay="0"/>
-                                  </p:stCondLst>
-                                  <p:childTnLst>
-                                    <p:set>
-                                      <p:cBhvr>
-                                        <p:cTn id="24" dur="1" fill="hold">
-                                          <p:stCondLst>
-                                            <p:cond delay="0"/>
-                                          </p:stCondLst>
-                                        </p:cTn>
-                                        <p:tgtEl>
-                                          <p:spTgt spid="88"/>
-                                        </p:tgtEl>
-                                        <p:attrNameLst>
-                                          <p:attrName>style.visibility</p:attrName>
-                                        </p:attrNameLst>
-                                      </p:cBhvr>
-                                      <p:to>
-                                        <p:strVal val="visible"/>
-                                      </p:to>
-                                    </p:set>
-                                    <p:anim calcmode="lin" valueType="num">
-                                      <p:cBhvr additive="base">
-                                        <p:cTn id="25" dur="1000" fill="hold"/>
-                                        <p:tgtEl>
-                                          <p:spTgt spid="88"/>
-                                        </p:tgtEl>
-                                        <p:attrNameLst>
-                                          <p:attrName>ppt_x</p:attrName>
-                                        </p:attrNameLst>
-                                      </p:cBhvr>
-                                      <p:tavLst>
-                                        <p:tav tm="0">
-                                          <p:val>
-                                            <p:strVal val="1+#ppt_w/2"/>
-                                          </p:val>
-                                        </p:tav>
-                                        <p:tav tm="100000">
-                                          <p:val>
-                                            <p:strVal val="#ppt_x"/>
-                                          </p:val>
-                                        </p:tav>
-                                      </p:tavLst>
-                                    </p:anim>
-                                    <p:anim calcmode="lin" valueType="num">
-                                      <p:cBhvr additive="base">
-                                        <p:cTn id="26" dur="1000" fill="hold"/>
-                                        <p:tgtEl>
-                                          <p:spTgt spid="88"/>
-                                        </p:tgtEl>
-                                        <p:attrNameLst>
-                                          <p:attrName>ppt_y</p:attrName>
-                                        </p:attrNameLst>
-                                      </p:cBhvr>
-                                      <p:tavLst>
-                                        <p:tav tm="0">
-                                          <p:val>
-                                            <p:strVal val="#ppt_y"/>
-                                          </p:val>
-                                        </p:tav>
-                                        <p:tav tm="100000">
-                                          <p:val>
-                                            <p:strVal val="#ppt_y"/>
-                                          </p:val>
-                                        </p:tav>
-                                      </p:tavLst>
-                                    </p:anim>
-                                  </p:childTnLst>
-                                </p:cTn>
-                              </p:par>
-                            </p:childTnLst>
-                          </p:cTn>
-                        </p:par>
-                      </p:childTnLst>
-                    </p:cTn>
-                  </p:par>
-                  <p:par>
-                    <p:cTn id="27" fill="hold">
-                      <p:stCondLst>
-                        <p:cond delay="indefinite"/>
-                      </p:stCondLst>
-                      <p:childTnLst>
-                        <p:par>
-                          <p:cTn id="28" fill="hold">
-                            <p:stCondLst>
-                              <p:cond delay="0"/>
-                            </p:stCondLst>
-                            <p:childTnLst>
-                              <p:par>
-                                <p:cTn id="29" presetID="2" presetClass="entr" presetSubtype="2" fill="hold" nodeType="clickEffect">
-                                  <p:stCondLst>
-                                    <p:cond delay="0"/>
-                                  </p:stCondLst>
-                                  <p:childTnLst>
-                                    <p:set>
-                                      <p:cBhvr>
-                                        <p:cTn id="30" dur="1" fill="hold">
-                                          <p:stCondLst>
-                                            <p:cond delay="0"/>
-                                          </p:stCondLst>
-                                        </p:cTn>
-                                        <p:tgtEl>
-                                          <p:spTgt spid="93"/>
-                                        </p:tgtEl>
-                                        <p:attrNameLst>
-                                          <p:attrName>style.visibility</p:attrName>
-                                        </p:attrNameLst>
-                                      </p:cBhvr>
-                                      <p:to>
-                                        <p:strVal val="visible"/>
-                                      </p:to>
-                                    </p:set>
-                                    <p:anim calcmode="lin" valueType="num">
-                                      <p:cBhvr additive="base">
-                                        <p:cTn id="31" dur="1000" fill="hold"/>
-                                        <p:tgtEl>
-                                          <p:spTgt spid="93"/>
-                                        </p:tgtEl>
-                                        <p:attrNameLst>
-                                          <p:attrName>ppt_x</p:attrName>
-                                        </p:attrNameLst>
-                                      </p:cBhvr>
-                                      <p:tavLst>
-                                        <p:tav tm="0">
-                                          <p:val>
-                                            <p:strVal val="1+#ppt_w/2"/>
-                                          </p:val>
-                                        </p:tav>
-                                        <p:tav tm="100000">
-                                          <p:val>
-                                            <p:strVal val="#ppt_x"/>
-                                          </p:val>
-                                        </p:tav>
-                                      </p:tavLst>
-                                    </p:anim>
-                                    <p:anim calcmode="lin" valueType="num">
-                                      <p:cBhvr additive="base">
-                                        <p:cTn id="32" dur="1000" fill="hold"/>
-                                        <p:tgtEl>
-                                          <p:spTgt spid="93"/>
-                                        </p:tgtEl>
-                                        <p:attrNameLst>
-                                          <p:attrName>ppt_y</p:attrName>
-                                        </p:attrNameLst>
-                                      </p:cBhvr>
-                                      <p:tavLst>
-                                        <p:tav tm="0">
-                                          <p:val>
-                                            <p:strVal val="#ppt_y"/>
-                                          </p:val>
-                                        </p:tav>
-                                        <p:tav tm="100000">
-                                          <p:val>
-                                            <p:strVal val="#ppt_y"/>
-                                          </p:val>
-                                        </p:tav>
-                                      </p:tavLst>
-                                    </p:anim>
-                                  </p:childTnLst>
-                                </p:cTn>
-                              </p:par>
-                            </p:childTnLst>
-                          </p:cTn>
-                        </p:par>
-                      </p:childTnLst>
-                    </p:cTn>
-                  </p:par>
-                </p:childTnLst>
-              </p:cTn>
-              <p:prevCondLst>
-                <p:cond evt="onPrev" delay="0">
-                  <p:tgtEl>
-                    <p:sldTgt/>
-                  </p:tgtEl>
-                </p:cond>
-              </p:prevCondLst>
-              <p:nextCondLst>
-                <p:cond evt="onNext" delay="0">
-                  <p:tgtEl>
-                    <p:sldTgt/>
-                  </p:tgtEl>
-                </p:cond>
-              </p:nextCondLst>
-            </p:seq>
-          </p:childTnLst>
-        </p:cTn>
-      </p:par>
-    </p:tnLst>
-  </p:timing>
 </p:sld>
 </file>
 
 <file path=ppt/slides/slide5.xml><?xml version="1.0" encoding="utf-8"?>
+<p:sld xmlns:a="http://schemas.openxmlformats.org/drawingml/2006/main" xmlns:r="http://schemas.openxmlformats.org/officeDocument/2006/relationships" xmlns:p="http://schemas.openxmlformats.org/presentationml/2006/main">
+  <p:cSld>
+    <p:spTree>
+      <p:nvGrpSpPr>
+        <p:cNvPr id="1" name=""/>
+        <p:cNvGrpSpPr/>
+        <p:nvPr/>
+      </p:nvGrpSpPr>
+      <p:grpSpPr>
+        <a:xfrm>
+          <a:off x="0" y="0"/>
+          <a:ext cx="0" cy="0"/>
+          <a:chOff x="0" y="0"/>
+          <a:chExt cx="0" cy="0"/>
+        </a:xfrm>
+      </p:grpSpPr>
+      <p:sp>
+        <p:nvSpPr>
+          <p:cNvPr id="2" name="TextBox 1"/>
+          <p:cNvSpPr txBox="1"/>
+          <p:nvPr/>
+        </p:nvSpPr>
+        <p:spPr>
+          <a:xfrm>
+            <a:off x="125506" y="313776"/>
+            <a:ext cx="4387214" cy="461665"/>
+          </a:xfrm>
+          <a:prstGeom prst="rect">
+            <a:avLst/>
+          </a:prstGeom>
+          <a:noFill/>
+        </p:spPr>
+        <p:txBody>
+          <a:bodyPr wrap="square" rtlCol="0">
+            <a:spAutoFit/>
+          </a:bodyPr>
+          <a:lstStyle/>
+          <a:p>
+            <a:r>
+              <a:rPr lang="en-US" sz="2400" dirty="0"/>
+              <a:t>Exploratory Analysis</a:t>
+            </a:r>
+          </a:p>
+        </p:txBody>
+      </p:sp>
+      <p:cxnSp>
+        <p:nvCxnSpPr>
+          <p:cNvPr id="3" name="Straight Connector 2"/>
+          <p:cNvCxnSpPr/>
+          <p:nvPr/>
+        </p:nvCxnSpPr>
+        <p:spPr>
+          <a:xfrm flipV="1">
+            <a:off x="125506" y="1044384"/>
+            <a:ext cx="1431565" cy="4220"/>
+          </a:xfrm>
+          <a:prstGeom prst="line">
+            <a:avLst/>
+          </a:prstGeom>
+          <a:ln w="57150">
+            <a:solidFill>
+              <a:schemeClr val="accent2"/>
+            </a:solidFill>
+          </a:ln>
+        </p:spPr>
+        <p:style>
+          <a:lnRef idx="1">
+            <a:schemeClr val="accent1"/>
+          </a:lnRef>
+          <a:fillRef idx="0">
+            <a:schemeClr val="accent1"/>
+          </a:fillRef>
+          <a:effectRef idx="0">
+            <a:schemeClr val="accent1"/>
+          </a:effectRef>
+          <a:fontRef idx="minor">
+            <a:schemeClr val="tx1"/>
+          </a:fontRef>
+        </p:style>
+      </p:cxnSp>
+      <p:cxnSp>
+        <p:nvCxnSpPr>
+          <p:cNvPr id="4" name="Straight Connector 3"/>
+          <p:cNvCxnSpPr/>
+          <p:nvPr/>
+        </p:nvCxnSpPr>
+        <p:spPr>
+          <a:xfrm>
+            <a:off x="3385955" y="1044384"/>
+            <a:ext cx="1158525" cy="0"/>
+          </a:xfrm>
+          <a:prstGeom prst="line">
+            <a:avLst/>
+          </a:prstGeom>
+          <a:ln w="57150">
+            <a:solidFill>
+              <a:srgbClr val="057092"/>
+            </a:solidFill>
+          </a:ln>
+        </p:spPr>
+        <p:style>
+          <a:lnRef idx="1">
+            <a:schemeClr val="accent1"/>
+          </a:lnRef>
+          <a:fillRef idx="0">
+            <a:schemeClr val="accent1"/>
+          </a:fillRef>
+          <a:effectRef idx="0">
+            <a:schemeClr val="accent1"/>
+          </a:effectRef>
+          <a:fontRef idx="minor">
+            <a:schemeClr val="tx1"/>
+          </a:fontRef>
+        </p:style>
+      </p:cxnSp>
+      <p:cxnSp>
+        <p:nvCxnSpPr>
+          <p:cNvPr id="5" name="Straight Connector 4"/>
+          <p:cNvCxnSpPr/>
+          <p:nvPr/>
+        </p:nvCxnSpPr>
+        <p:spPr>
+          <a:xfrm flipV="1">
+            <a:off x="1764388" y="1044384"/>
+            <a:ext cx="1431565" cy="4220"/>
+          </a:xfrm>
+          <a:prstGeom prst="line">
+            <a:avLst/>
+          </a:prstGeom>
+          <a:ln w="57150">
+            <a:solidFill>
+              <a:srgbClr val="910C07"/>
+            </a:solidFill>
+          </a:ln>
+        </p:spPr>
+        <p:style>
+          <a:lnRef idx="1">
+            <a:schemeClr val="accent1"/>
+          </a:lnRef>
+          <a:fillRef idx="0">
+            <a:schemeClr val="accent1"/>
+          </a:fillRef>
+          <a:effectRef idx="0">
+            <a:schemeClr val="accent1"/>
+          </a:effectRef>
+          <a:fontRef idx="minor">
+            <a:schemeClr val="tx1"/>
+          </a:fontRef>
+        </p:style>
+      </p:cxnSp>
+      <p:pic>
+        <p:nvPicPr>
+          <p:cNvPr id="6" name="Picture 5"/>
+          <p:cNvPicPr>
+            <a:picLocks noChangeAspect="1"/>
+          </p:cNvPicPr>
+          <p:nvPr/>
+        </p:nvPicPr>
+        <p:blipFill>
+          <a:blip r:embed="rId2">
+            <a:extLst>
+              <a:ext uri="{28A0092B-C50C-407E-A947-70E740481C1C}">
+                <a14:useLocalDpi xmlns:a14="http://schemas.microsoft.com/office/drawing/2010/main" val="0"/>
+              </a:ext>
+            </a:extLst>
+          </a:blip>
+          <a:stretch>
+            <a:fillRect/>
+          </a:stretch>
+        </p:blipFill>
+        <p:spPr>
+          <a:xfrm>
+            <a:off x="841288" y="1313328"/>
+            <a:ext cx="7873016" cy="5434920"/>
+          </a:xfrm>
+          <a:prstGeom prst="rect">
+            <a:avLst/>
+          </a:prstGeom>
+        </p:spPr>
+      </p:pic>
+      <p:sp>
+        <p:nvSpPr>
+          <p:cNvPr id="7" name="TextBox 6"/>
+          <p:cNvSpPr txBox="1"/>
+          <p:nvPr/>
+        </p:nvSpPr>
+        <p:spPr>
+          <a:xfrm>
+            <a:off x="8996083" y="2272553"/>
+            <a:ext cx="2792506" cy="923330"/>
+          </a:xfrm>
+          <a:prstGeom prst="rect">
+            <a:avLst/>
+          </a:prstGeom>
+          <a:noFill/>
+        </p:spPr>
+        <p:txBody>
+          <a:bodyPr wrap="square" rtlCol="0">
+            <a:spAutoFit/>
+          </a:bodyPr>
+          <a:lstStyle/>
+          <a:p>
+            <a:pPr algn="just"/>
+            <a:r>
+              <a:rPr lang="en-US" dirty="0"/>
+              <a:t>The majority of rich women come from urban areas (more than 50%)</a:t>
+            </a:r>
+          </a:p>
+        </p:txBody>
+      </p:sp>
+    </p:spTree>
+    <p:extLst>
+      <p:ext uri="{BB962C8B-B14F-4D97-AF65-F5344CB8AC3E}">
+        <p14:creationId xmlns:p14="http://schemas.microsoft.com/office/powerpoint/2010/main" val="3737739037"/>
+      </p:ext>
+    </p:extLst>
+  </p:cSld>
+  <p:clrMapOvr>
+    <a:masterClrMapping/>
+  </p:clrMapOvr>
+</p:sld>
+</file>
+
+<file path=ppt/slides/slide6.xml><?xml version="1.0" encoding="utf-8"?>
+<p:sld xmlns:a="http://schemas.openxmlformats.org/drawingml/2006/main" xmlns:r="http://schemas.openxmlformats.org/officeDocument/2006/relationships" xmlns:p="http://schemas.openxmlformats.org/presentationml/2006/main">
+  <p:cSld>
+    <p:spTree>
+      <p:nvGrpSpPr>
+        <p:cNvPr id="1" name=""/>
+        <p:cNvGrpSpPr/>
+        <p:nvPr/>
+      </p:nvGrpSpPr>
+      <p:grpSpPr>
+        <a:xfrm>
+          <a:off x="0" y="0"/>
+          <a:ext cx="0" cy="0"/>
+          <a:chOff x="0" y="0"/>
+          <a:chExt cx="0" cy="0"/>
+        </a:xfrm>
+      </p:grpSpPr>
+      <p:sp>
+        <p:nvSpPr>
+          <p:cNvPr id="2" name="TextBox 1"/>
+          <p:cNvSpPr txBox="1"/>
+          <p:nvPr/>
+        </p:nvSpPr>
+        <p:spPr>
+          <a:xfrm>
+            <a:off x="125506" y="313776"/>
+            <a:ext cx="4387214" cy="461665"/>
+          </a:xfrm>
+          <a:prstGeom prst="rect">
+            <a:avLst/>
+          </a:prstGeom>
+          <a:noFill/>
+        </p:spPr>
+        <p:txBody>
+          <a:bodyPr wrap="square" rtlCol="0">
+            <a:spAutoFit/>
+          </a:bodyPr>
+          <a:lstStyle/>
+          <a:p>
+            <a:r>
+              <a:rPr lang="en-US" sz="2400" dirty="0"/>
+              <a:t>Exploratory Analysis</a:t>
+            </a:r>
+          </a:p>
+        </p:txBody>
+      </p:sp>
+      <p:cxnSp>
+        <p:nvCxnSpPr>
+          <p:cNvPr id="3" name="Straight Connector 2"/>
+          <p:cNvCxnSpPr/>
+          <p:nvPr/>
+        </p:nvCxnSpPr>
+        <p:spPr>
+          <a:xfrm flipV="1">
+            <a:off x="125506" y="1044384"/>
+            <a:ext cx="1431565" cy="4220"/>
+          </a:xfrm>
+          <a:prstGeom prst="line">
+            <a:avLst/>
+          </a:prstGeom>
+          <a:ln w="57150">
+            <a:solidFill>
+              <a:schemeClr val="accent2"/>
+            </a:solidFill>
+          </a:ln>
+        </p:spPr>
+        <p:style>
+          <a:lnRef idx="1">
+            <a:schemeClr val="accent1"/>
+          </a:lnRef>
+          <a:fillRef idx="0">
+            <a:schemeClr val="accent1"/>
+          </a:fillRef>
+          <a:effectRef idx="0">
+            <a:schemeClr val="accent1"/>
+          </a:effectRef>
+          <a:fontRef idx="minor">
+            <a:schemeClr val="tx1"/>
+          </a:fontRef>
+        </p:style>
+      </p:cxnSp>
+      <p:cxnSp>
+        <p:nvCxnSpPr>
+          <p:cNvPr id="4" name="Straight Connector 3"/>
+          <p:cNvCxnSpPr/>
+          <p:nvPr/>
+        </p:nvCxnSpPr>
+        <p:spPr>
+          <a:xfrm>
+            <a:off x="3385955" y="1044384"/>
+            <a:ext cx="1158525" cy="0"/>
+          </a:xfrm>
+          <a:prstGeom prst="line">
+            <a:avLst/>
+          </a:prstGeom>
+          <a:ln w="57150">
+            <a:solidFill>
+              <a:srgbClr val="057092"/>
+            </a:solidFill>
+          </a:ln>
+        </p:spPr>
+        <p:style>
+          <a:lnRef idx="1">
+            <a:schemeClr val="accent1"/>
+          </a:lnRef>
+          <a:fillRef idx="0">
+            <a:schemeClr val="accent1"/>
+          </a:fillRef>
+          <a:effectRef idx="0">
+            <a:schemeClr val="accent1"/>
+          </a:effectRef>
+          <a:fontRef idx="minor">
+            <a:schemeClr val="tx1"/>
+          </a:fontRef>
+        </p:style>
+      </p:cxnSp>
+      <p:cxnSp>
+        <p:nvCxnSpPr>
+          <p:cNvPr id="5" name="Straight Connector 4"/>
+          <p:cNvCxnSpPr/>
+          <p:nvPr/>
+        </p:nvCxnSpPr>
+        <p:spPr>
+          <a:xfrm flipV="1">
+            <a:off x="1764388" y="1044384"/>
+            <a:ext cx="1431565" cy="4220"/>
+          </a:xfrm>
+          <a:prstGeom prst="line">
+            <a:avLst/>
+          </a:prstGeom>
+          <a:ln w="57150">
+            <a:solidFill>
+              <a:srgbClr val="910C07"/>
+            </a:solidFill>
+          </a:ln>
+        </p:spPr>
+        <p:style>
+          <a:lnRef idx="1">
+            <a:schemeClr val="accent1"/>
+          </a:lnRef>
+          <a:fillRef idx="0">
+            <a:schemeClr val="accent1"/>
+          </a:fillRef>
+          <a:effectRef idx="0">
+            <a:schemeClr val="accent1"/>
+          </a:effectRef>
+          <a:fontRef idx="minor">
+            <a:schemeClr val="tx1"/>
+          </a:fontRef>
+        </p:style>
+      </p:cxnSp>
+      <p:pic>
+        <p:nvPicPr>
+          <p:cNvPr id="6" name="Picture 5"/>
+          <p:cNvPicPr>
+            <a:picLocks noChangeAspect="1"/>
+          </p:cNvPicPr>
+          <p:nvPr/>
+        </p:nvPicPr>
+        <p:blipFill>
+          <a:blip r:embed="rId2">
+            <a:extLst>
+              <a:ext uri="{28A0092B-C50C-407E-A947-70E740481C1C}">
+                <a14:useLocalDpi xmlns:a14="http://schemas.microsoft.com/office/drawing/2010/main" val="0"/>
+              </a:ext>
+            </a:extLst>
+          </a:blip>
+          <a:stretch>
+            <a:fillRect/>
+          </a:stretch>
+        </p:blipFill>
+        <p:spPr>
+          <a:xfrm>
+            <a:off x="125506" y="1219196"/>
+            <a:ext cx="5523576" cy="3813048"/>
+          </a:xfrm>
+          <a:prstGeom prst="rect">
+            <a:avLst/>
+          </a:prstGeom>
+        </p:spPr>
+      </p:pic>
+      <p:pic>
+        <p:nvPicPr>
+          <p:cNvPr id="7" name="Picture 6"/>
+          <p:cNvPicPr>
+            <a:picLocks noChangeAspect="1"/>
+          </p:cNvPicPr>
+          <p:nvPr/>
+        </p:nvPicPr>
+        <p:blipFill>
+          <a:blip r:embed="rId3">
+            <a:extLst>
+              <a:ext uri="{28A0092B-C50C-407E-A947-70E740481C1C}">
+                <a14:useLocalDpi xmlns:a14="http://schemas.microsoft.com/office/drawing/2010/main" val="0"/>
+              </a:ext>
+            </a:extLst>
+          </a:blip>
+          <a:stretch>
+            <a:fillRect/>
+          </a:stretch>
+        </p:blipFill>
+        <p:spPr>
+          <a:xfrm>
+            <a:off x="6116746" y="1219196"/>
+            <a:ext cx="5519162" cy="3810001"/>
+          </a:xfrm>
+          <a:prstGeom prst="rect">
+            <a:avLst/>
+          </a:prstGeom>
+        </p:spPr>
+      </p:pic>
+      <p:sp>
+        <p:nvSpPr>
+          <p:cNvPr id="8" name="TextBox 7"/>
+          <p:cNvSpPr txBox="1"/>
+          <p:nvPr/>
+        </p:nvSpPr>
+        <p:spPr>
+          <a:xfrm>
+            <a:off x="850064" y="5152833"/>
+            <a:ext cx="4074459" cy="646331"/>
+          </a:xfrm>
+          <a:prstGeom prst="rect">
+            <a:avLst/>
+          </a:prstGeom>
+          <a:noFill/>
+        </p:spPr>
+        <p:txBody>
+          <a:bodyPr wrap="square" rtlCol="0">
+            <a:spAutoFit/>
+          </a:bodyPr>
+          <a:lstStyle/>
+          <a:p>
+            <a:pPr algn="just"/>
+            <a:r>
+              <a:rPr lang="en-US" dirty="0"/>
+              <a:t>The women qualified as rich are not married.</a:t>
+            </a:r>
+          </a:p>
+        </p:txBody>
+      </p:sp>
+      <p:sp>
+        <p:nvSpPr>
+          <p:cNvPr id="10" name="TextBox 9"/>
+          <p:cNvSpPr txBox="1"/>
+          <p:nvPr/>
+        </p:nvSpPr>
+        <p:spPr>
+          <a:xfrm>
+            <a:off x="7611036" y="5207605"/>
+            <a:ext cx="3294529" cy="369332"/>
+          </a:xfrm>
+          <a:prstGeom prst="rect">
+            <a:avLst/>
+          </a:prstGeom>
+          <a:noFill/>
+        </p:spPr>
+        <p:txBody>
+          <a:bodyPr wrap="square" rtlCol="0">
+            <a:spAutoFit/>
+          </a:bodyPr>
+          <a:lstStyle/>
+          <a:p>
+            <a:r>
+              <a:rPr lang="en-US" dirty="0"/>
+              <a:t>Rich women have 0 to 5 children</a:t>
+            </a:r>
+          </a:p>
+        </p:txBody>
+      </p:sp>
+    </p:spTree>
+    <p:extLst>
+      <p:ext uri="{BB962C8B-B14F-4D97-AF65-F5344CB8AC3E}">
+        <p14:creationId xmlns:p14="http://schemas.microsoft.com/office/powerpoint/2010/main" val="142472817"/>
+      </p:ext>
+    </p:extLst>
+  </p:cSld>
+  <p:clrMapOvr>
+    <a:masterClrMapping/>
+  </p:clrMapOvr>
+</p:sld>
+</file>
+
+<file path=ppt/slides/slide7.xml><?xml version="1.0" encoding="utf-8"?>
 <p:sld xmlns:a="http://schemas.openxmlformats.org/drawingml/2006/main" xmlns:r="http://schemas.openxmlformats.org/officeDocument/2006/relationships" xmlns:p="http://schemas.openxmlformats.org/presentationml/2006/main">
   <p:cSld>
     <p:spTree>
@@ -15130,9 +14910,42 @@
           </a:p>
         </p:txBody>
       </p:sp>
+      <p:sp>
+        <p:nvSpPr>
+          <p:cNvPr id="14" name="TextBox 13"/>
+          <p:cNvSpPr txBox="1"/>
+          <p:nvPr/>
+        </p:nvSpPr>
+        <p:spPr>
+          <a:xfrm>
+            <a:off x="1075765" y="5181600"/>
+            <a:ext cx="9574306" cy="830997"/>
+          </a:xfrm>
+          <a:prstGeom prst="rect">
+            <a:avLst/>
+          </a:prstGeom>
+          <a:noFill/>
+        </p:spPr>
+        <p:txBody>
+          <a:bodyPr wrap="square" rtlCol="0">
+            <a:spAutoFit/>
+          </a:bodyPr>
+          <a:lstStyle/>
+          <a:p>
+            <a:pPr algn="just"/>
+            <a:r>
+              <a:rPr lang="en-US" sz="2400" dirty="0">
+                <a:latin typeface="Times New Roman" panose="02020603050405020304" pitchFamily="18" charset="0"/>
+                <a:cs typeface="Times New Roman" panose="02020603050405020304" pitchFamily="18" charset="0"/>
+              </a:rPr>
+              <a:t>There are 2/10 women who are financially dependent, and this dependence starts to decrease from the age of 40</a:t>
+            </a:r>
+          </a:p>
+        </p:txBody>
+      </p:sp>
       <p:pic>
         <p:nvPicPr>
-          <p:cNvPr id="12" name="Picture 11"/>
+          <p:cNvPr id="6" name="Picture 5"/>
           <p:cNvPicPr>
             <a:picLocks noChangeAspect="1"/>
           </p:cNvPicPr>
@@ -15152,7 +14965,7 @@
         </p:blipFill>
         <p:spPr>
           <a:xfrm>
-            <a:off x="125506" y="1313328"/>
+            <a:off x="307341" y="1313328"/>
             <a:ext cx="4800000" cy="3542857"/>
           </a:xfrm>
           <a:prstGeom prst="rect">
@@ -15162,7 +14975,7 @@
       </p:pic>
       <p:pic>
         <p:nvPicPr>
-          <p:cNvPr id="13" name="Picture 12"/>
+          <p:cNvPr id="15" name="Picture 14"/>
           <p:cNvPicPr>
             <a:picLocks noChangeAspect="1"/>
           </p:cNvPicPr>
@@ -15182,47 +14995,14 @@
         </p:blipFill>
         <p:spPr>
           <a:xfrm>
-            <a:off x="5219678" y="1173477"/>
-            <a:ext cx="5625397" cy="3542857"/>
+            <a:off x="5749973" y="1313327"/>
+            <a:ext cx="5079365" cy="3542857"/>
           </a:xfrm>
           <a:prstGeom prst="rect">
             <a:avLst/>
           </a:prstGeom>
         </p:spPr>
       </p:pic>
-      <p:sp>
-        <p:nvSpPr>
-          <p:cNvPr id="14" name="TextBox 13"/>
-          <p:cNvSpPr txBox="1"/>
-          <p:nvPr/>
-        </p:nvSpPr>
-        <p:spPr>
-          <a:xfrm>
-            <a:off x="1075765" y="5181600"/>
-            <a:ext cx="9574306" cy="1200329"/>
-          </a:xfrm>
-          <a:prstGeom prst="rect">
-            <a:avLst/>
-          </a:prstGeom>
-          <a:noFill/>
-        </p:spPr>
-        <p:txBody>
-          <a:bodyPr wrap="square" rtlCol="0">
-            <a:spAutoFit/>
-          </a:bodyPr>
-          <a:lstStyle/>
-          <a:p>
-            <a:pPr algn="just"/>
-            <a:r>
-              <a:rPr lang="en-US" sz="2400" dirty="0">
-                <a:latin typeface="Times New Roman" panose="02020603050405020304" pitchFamily="18" charset="0"/>
-                <a:cs typeface="Times New Roman" panose="02020603050405020304" pitchFamily="18" charset="0"/>
-              </a:rPr>
-              <a:t>There are twice as many women who are financially dependent Among the 6176 married women and 1136 cohabiting women, respectively 60% and 51% are financially independent .</a:t>
-            </a:r>
-          </a:p>
-        </p:txBody>
-      </p:sp>
     </p:spTree>
     <p:extLst>
       <p:ext uri="{BB962C8B-B14F-4D97-AF65-F5344CB8AC3E}">
@@ -15236,306 +15016,7 @@
 </p:sld>
 </file>
 
-<file path=ppt/slides/slide6.xml><?xml version="1.0" encoding="utf-8"?>
-<p:sld xmlns:a="http://schemas.openxmlformats.org/drawingml/2006/main" xmlns:r="http://schemas.openxmlformats.org/officeDocument/2006/relationships" xmlns:p="http://schemas.openxmlformats.org/presentationml/2006/main">
-  <p:cSld>
-    <p:bg>
-      <p:bgPr>
-        <a:solidFill>
-          <a:schemeClr val="bg1"/>
-        </a:solidFill>
-        <a:effectLst/>
-      </p:bgPr>
-    </p:bg>
-    <p:spTree>
-      <p:nvGrpSpPr>
-        <p:cNvPr id="1" name=""/>
-        <p:cNvGrpSpPr/>
-        <p:nvPr/>
-      </p:nvGrpSpPr>
-      <p:grpSpPr>
-        <a:xfrm>
-          <a:off x="0" y="0"/>
-          <a:ext cx="0" cy="0"/>
-          <a:chOff x="0" y="0"/>
-          <a:chExt cx="0" cy="0"/>
-        </a:xfrm>
-      </p:grpSpPr>
-      <p:pic>
-        <p:nvPicPr>
-          <p:cNvPr id="4" name="Picture 3"/>
-          <p:cNvPicPr>
-            <a:picLocks noChangeAspect="1"/>
-          </p:cNvPicPr>
-          <p:nvPr/>
-        </p:nvPicPr>
-        <p:blipFill>
-          <a:blip r:embed="rId2" cstate="print">
-            <a:extLst>
-              <a:ext uri="{28A0092B-C50C-407E-A947-70E740481C1C}">
-                <a14:useLocalDpi xmlns:a14="http://schemas.microsoft.com/office/drawing/2010/main" val="0"/>
-              </a:ext>
-            </a:extLst>
-          </a:blip>
-          <a:stretch>
-            <a:fillRect/>
-          </a:stretch>
-        </p:blipFill>
-        <p:spPr>
-          <a:xfrm>
-            <a:off x="-727711" y="6445848"/>
-            <a:ext cx="3307080" cy="2480310"/>
-          </a:xfrm>
-          <a:prstGeom prst="rect">
-            <a:avLst/>
-          </a:prstGeom>
-        </p:spPr>
-      </p:pic>
-      <p:sp>
-        <p:nvSpPr>
-          <p:cNvPr id="7" name="TextBox 6"/>
-          <p:cNvSpPr txBox="1"/>
-          <p:nvPr/>
-        </p:nvSpPr>
-        <p:spPr>
-          <a:xfrm>
-            <a:off x="-2772335" y="91829"/>
-            <a:ext cx="10172700" cy="461665"/>
-          </a:xfrm>
-          <a:prstGeom prst="rect">
-            <a:avLst/>
-          </a:prstGeom>
-          <a:noFill/>
-        </p:spPr>
-        <p:txBody>
-          <a:bodyPr wrap="square" rtlCol="0">
-            <a:spAutoFit/>
-          </a:bodyPr>
-          <a:lstStyle/>
-          <a:p>
-            <a:pPr algn="ctr"/>
-            <a:r>
-              <a:rPr lang="en-US" sz="2400" b="1" dirty="0"/>
-              <a:t>Exploratory Data Analysis</a:t>
-            </a:r>
-          </a:p>
-        </p:txBody>
-      </p:sp>
-      <p:cxnSp>
-        <p:nvCxnSpPr>
-          <p:cNvPr id="8" name="Straight Connector 7"/>
-          <p:cNvCxnSpPr/>
-          <p:nvPr/>
-        </p:nvCxnSpPr>
-        <p:spPr>
-          <a:xfrm flipV="1">
-            <a:off x="0" y="685795"/>
-            <a:ext cx="1431565" cy="4220"/>
-          </a:xfrm>
-          <a:prstGeom prst="line">
-            <a:avLst/>
-          </a:prstGeom>
-          <a:ln w="57150">
-            <a:solidFill>
-              <a:schemeClr val="accent2"/>
-            </a:solidFill>
-          </a:ln>
-        </p:spPr>
-        <p:style>
-          <a:lnRef idx="1">
-            <a:schemeClr val="accent1"/>
-          </a:lnRef>
-          <a:fillRef idx="0">
-            <a:schemeClr val="accent1"/>
-          </a:fillRef>
-          <a:effectRef idx="0">
-            <a:schemeClr val="accent1"/>
-          </a:effectRef>
-          <a:fontRef idx="minor">
-            <a:schemeClr val="tx1"/>
-          </a:fontRef>
-        </p:style>
-      </p:cxnSp>
-      <p:cxnSp>
-        <p:nvCxnSpPr>
-          <p:cNvPr id="9" name="Straight Connector 8"/>
-          <p:cNvCxnSpPr/>
-          <p:nvPr/>
-        </p:nvCxnSpPr>
-        <p:spPr>
-          <a:xfrm flipV="1">
-            <a:off x="3314237" y="676604"/>
-            <a:ext cx="1431565" cy="4220"/>
-          </a:xfrm>
-          <a:prstGeom prst="line">
-            <a:avLst/>
-          </a:prstGeom>
-          <a:ln w="57150">
-            <a:solidFill>
-              <a:srgbClr val="057092"/>
-            </a:solidFill>
-          </a:ln>
-        </p:spPr>
-        <p:style>
-          <a:lnRef idx="1">
-            <a:schemeClr val="accent1"/>
-          </a:lnRef>
-          <a:fillRef idx="0">
-            <a:schemeClr val="accent1"/>
-          </a:fillRef>
-          <a:effectRef idx="0">
-            <a:schemeClr val="accent1"/>
-          </a:effectRef>
-          <a:fontRef idx="minor">
-            <a:schemeClr val="tx1"/>
-          </a:fontRef>
-        </p:style>
-      </p:cxnSp>
-      <p:cxnSp>
-        <p:nvCxnSpPr>
-          <p:cNvPr id="10" name="Straight Connector 9"/>
-          <p:cNvCxnSpPr/>
-          <p:nvPr/>
-        </p:nvCxnSpPr>
-        <p:spPr>
-          <a:xfrm flipV="1">
-            <a:off x="1638882" y="685795"/>
-            <a:ext cx="1431565" cy="4220"/>
-          </a:xfrm>
-          <a:prstGeom prst="line">
-            <a:avLst/>
-          </a:prstGeom>
-          <a:ln w="57150">
-            <a:solidFill>
-              <a:srgbClr val="910C07"/>
-            </a:solidFill>
-          </a:ln>
-        </p:spPr>
-        <p:style>
-          <a:lnRef idx="1">
-            <a:schemeClr val="accent1"/>
-          </a:lnRef>
-          <a:fillRef idx="0">
-            <a:schemeClr val="accent1"/>
-          </a:fillRef>
-          <a:effectRef idx="0">
-            <a:schemeClr val="accent1"/>
-          </a:effectRef>
-          <a:fontRef idx="minor">
-            <a:schemeClr val="tx1"/>
-          </a:fontRef>
-        </p:style>
-      </p:cxnSp>
-      <p:pic>
-        <p:nvPicPr>
-          <p:cNvPr id="14" name="Picture 13"/>
-          <p:cNvPicPr>
-            <a:picLocks noChangeAspect="1"/>
-          </p:cNvPicPr>
-          <p:nvPr/>
-        </p:nvPicPr>
-        <p:blipFill>
-          <a:blip r:embed="rId3">
-            <a:extLst>
-              <a:ext uri="{28A0092B-C50C-407E-A947-70E740481C1C}">
-                <a14:useLocalDpi xmlns:a14="http://schemas.microsoft.com/office/drawing/2010/main" val="0"/>
-              </a:ext>
-            </a:extLst>
-          </a:blip>
-          <a:stretch>
-            <a:fillRect/>
-          </a:stretch>
-        </p:blipFill>
-        <p:spPr>
-          <a:xfrm>
-            <a:off x="39687" y="1240691"/>
-            <a:ext cx="5079365" cy="3542857"/>
-          </a:xfrm>
-          <a:prstGeom prst="rect">
-            <a:avLst/>
-          </a:prstGeom>
-        </p:spPr>
-      </p:pic>
-      <p:pic>
-        <p:nvPicPr>
-          <p:cNvPr id="15" name="Picture 14"/>
-          <p:cNvPicPr>
-            <a:picLocks noChangeAspect="1"/>
-          </p:cNvPicPr>
-          <p:nvPr/>
-        </p:nvPicPr>
-        <p:blipFill>
-          <a:blip r:embed="rId4">
-            <a:extLst>
-              <a:ext uri="{28A0092B-C50C-407E-A947-70E740481C1C}">
-                <a14:useLocalDpi xmlns:a14="http://schemas.microsoft.com/office/drawing/2010/main" val="0"/>
-              </a:ext>
-            </a:extLst>
-          </a:blip>
-          <a:stretch>
-            <a:fillRect/>
-          </a:stretch>
-        </p:blipFill>
-        <p:spPr>
-          <a:xfrm>
-            <a:off x="5329491" y="1240691"/>
-            <a:ext cx="5549206" cy="3542857"/>
-          </a:xfrm>
-          <a:prstGeom prst="rect">
-            <a:avLst/>
-          </a:prstGeom>
-        </p:spPr>
-      </p:pic>
-      <p:sp>
-        <p:nvSpPr>
-          <p:cNvPr id="16" name="TextBox 15"/>
-          <p:cNvSpPr txBox="1"/>
-          <p:nvPr/>
-        </p:nvSpPr>
-        <p:spPr>
-          <a:xfrm>
-            <a:off x="1201271" y="5020235"/>
-            <a:ext cx="9879105" cy="1477328"/>
-          </a:xfrm>
-          <a:prstGeom prst="rect">
-            <a:avLst/>
-          </a:prstGeom>
-          <a:noFill/>
-        </p:spPr>
-        <p:txBody>
-          <a:bodyPr wrap="square" rtlCol="0">
-            <a:spAutoFit/>
-          </a:bodyPr>
-          <a:lstStyle/>
-          <a:p>
-            <a:pPr algn="just"/>
-            <a:r>
-              <a:rPr lang="en-US" sz="2400" dirty="0">
-                <a:latin typeface="Times New Roman" panose="02020603050405020304" pitchFamily="18" charset="0"/>
-                <a:cs typeface="Times New Roman" panose="02020603050405020304" pitchFamily="18" charset="0"/>
-              </a:rPr>
-              <a:t>Among women aged 40-44 more than 60% are financially independent and more than 50% among those aged 30-39. 42% of highly educated women are independent.</a:t>
-            </a:r>
-          </a:p>
-          <a:p>
-            <a:endParaRPr lang="en-US" dirty="0"/>
-          </a:p>
-        </p:txBody>
-      </p:sp>
-    </p:spTree>
-    <p:extLst>
-      <p:ext uri="{BB962C8B-B14F-4D97-AF65-F5344CB8AC3E}">
-        <p14:creationId xmlns:p14="http://schemas.microsoft.com/office/powerpoint/2010/main" val="2137815926"/>
-      </p:ext>
-    </p:extLst>
-  </p:cSld>
-  <p:clrMapOvr>
-    <a:masterClrMapping/>
-  </p:clrMapOvr>
-</p:sld>
-</file>
-
-<file path=ppt/slides/slide7.xml><?xml version="1.0" encoding="utf-8"?>
+<file path=ppt/slides/slide8.xml><?xml version="1.0" encoding="utf-8"?>
 <p:sld xmlns:a="http://schemas.openxmlformats.org/drawingml/2006/main" xmlns:r="http://schemas.openxmlformats.org/officeDocument/2006/relationships" xmlns:p="http://schemas.openxmlformats.org/presentationml/2006/main">
   <p:cSld>
     <p:spTree>
@@ -15686,9 +15167,42 @@
           </a:p>
         </p:txBody>
       </p:sp>
+      <p:sp>
+        <p:nvSpPr>
+          <p:cNvPr id="9" name="TextBox 8"/>
+          <p:cNvSpPr txBox="1"/>
+          <p:nvPr/>
+        </p:nvSpPr>
+        <p:spPr>
+          <a:xfrm>
+            <a:off x="685800" y="5100967"/>
+            <a:ext cx="10484224" cy="830997"/>
+          </a:xfrm>
+          <a:prstGeom prst="rect">
+            <a:avLst/>
+          </a:prstGeom>
+          <a:noFill/>
+        </p:spPr>
+        <p:txBody>
+          <a:bodyPr wrap="square" rtlCol="0">
+            <a:spAutoFit/>
+          </a:bodyPr>
+          <a:lstStyle/>
+          <a:p>
+            <a:pPr algn="just"/>
+            <a:r>
+              <a:rPr lang="en-US" sz="2400" dirty="0">
+                <a:latin typeface="Times New Roman" panose="02020603050405020304" pitchFamily="18" charset="0"/>
+                <a:cs typeface="Times New Roman" panose="02020603050405020304" pitchFamily="18" charset="0"/>
+              </a:rPr>
+              <a:t>among these women, 4/10 come from areas with strong economic activities such as the west, the north and, out of every 10 women, at least 7 have a university level</a:t>
+            </a:r>
+          </a:p>
+        </p:txBody>
+      </p:sp>
       <p:pic>
         <p:nvPicPr>
-          <p:cNvPr id="8" name="Picture 7"/>
+          <p:cNvPr id="10" name="Picture 9"/>
           <p:cNvPicPr>
             <a:picLocks noChangeAspect="1"/>
           </p:cNvPicPr>
@@ -15708,7 +15222,7 @@
         </p:blipFill>
         <p:spPr>
           <a:xfrm>
-            <a:off x="340288" y="1250146"/>
+            <a:off x="5709707" y="1398064"/>
             <a:ext cx="5460317" cy="3542857"/>
           </a:xfrm>
           <a:prstGeom prst="rect">
@@ -15716,39 +15230,36 @@
           </a:prstGeom>
         </p:spPr>
       </p:pic>
-      <p:sp>
-        <p:nvSpPr>
-          <p:cNvPr id="9" name="TextBox 8"/>
-          <p:cNvSpPr txBox="1"/>
+      <p:pic>
+        <p:nvPicPr>
+          <p:cNvPr id="11" name="Picture 10"/>
+          <p:cNvPicPr>
+            <a:picLocks noChangeAspect="1"/>
+          </p:cNvPicPr>
           <p:nvPr/>
-        </p:nvSpPr>
+        </p:nvPicPr>
+        <p:blipFill>
+          <a:blip r:embed="rId3">
+            <a:extLst>
+              <a:ext uri="{28A0092B-C50C-407E-A947-70E740481C1C}">
+                <a14:useLocalDpi xmlns:a14="http://schemas.microsoft.com/office/drawing/2010/main" val="0"/>
+              </a:ext>
+            </a:extLst>
+          </a:blip>
+          <a:stretch>
+            <a:fillRect/>
+          </a:stretch>
+        </p:blipFill>
         <p:spPr>
           <a:xfrm>
-            <a:off x="6705600" y="2236744"/>
-            <a:ext cx="4894730" cy="1569660"/>
+            <a:off x="276796" y="1398064"/>
+            <a:ext cx="5587301" cy="3542857"/>
           </a:xfrm>
           <a:prstGeom prst="rect">
             <a:avLst/>
           </a:prstGeom>
-          <a:noFill/>
         </p:spPr>
-        <p:txBody>
-          <a:bodyPr wrap="square" rtlCol="0">
-            <a:spAutoFit/>
-          </a:bodyPr>
-          <a:lstStyle/>
-          <a:p>
-            <a:pPr algn="just"/>
-            <a:r>
-              <a:rPr lang="en-US" sz="2400" dirty="0">
-                <a:latin typeface="Times New Roman" panose="02020603050405020304" pitchFamily="18" charset="0"/>
-                <a:cs typeface="Times New Roman" panose="02020603050405020304" pitchFamily="18" charset="0"/>
-              </a:rPr>
-              <a:t>Among the women coming from each department directly, more than 40% of those coming from the Northeast are independent</a:t>
-            </a:r>
-          </a:p>
-        </p:txBody>
-      </p:sp>
+      </p:pic>
     </p:spTree>
     <p:extLst>
       <p:ext uri="{BB962C8B-B14F-4D97-AF65-F5344CB8AC3E}">
@@ -15762,9 +15273,17 @@
 </p:sld>
 </file>
 
-<file path=ppt/slides/slide8.xml><?xml version="1.0" encoding="utf-8"?>
+<file path=ppt/slides/slide9.xml><?xml version="1.0" encoding="utf-8"?>
 <p:sld xmlns:a="http://schemas.openxmlformats.org/drawingml/2006/main" xmlns:r="http://schemas.openxmlformats.org/officeDocument/2006/relationships" xmlns:p="http://schemas.openxmlformats.org/presentationml/2006/main">
   <p:cSld>
+    <p:bg>
+      <p:bgPr>
+        <a:solidFill>
+          <a:schemeClr val="bg1"/>
+        </a:solidFill>
+        <a:effectLst/>
+      </p:bgPr>
+    </p:bg>
     <p:spTree>
       <p:nvGrpSpPr>
         <p:cNvPr id="1" name=""/>
@@ -15781,14 +15300,14 @@
       </p:grpSpPr>
       <p:sp>
         <p:nvSpPr>
-          <p:cNvPr id="2" name="TextBox 1"/>
+          <p:cNvPr id="7" name="TextBox 6"/>
           <p:cNvSpPr txBox="1"/>
           <p:nvPr/>
         </p:nvSpPr>
         <p:spPr>
           <a:xfrm>
-            <a:off x="179294" y="286871"/>
-            <a:ext cx="6329082" cy="523220"/>
+            <a:off x="-2772335" y="91829"/>
+            <a:ext cx="10172700" cy="461665"/>
           </a:xfrm>
           <a:prstGeom prst="rect">
             <a:avLst/>
@@ -15801,22 +15320,23 @@
           </a:bodyPr>
           <a:lstStyle/>
           <a:p>
+            <a:pPr algn="ctr"/>
             <a:r>
-              <a:rPr lang="en-US" sz="2800" b="1" dirty="0"/>
-              <a:t>Analytical Models</a:t>
+              <a:rPr lang="en-US" sz="2400" b="1" dirty="0"/>
+              <a:t>Exploratory Data Analysis</a:t>
             </a:r>
           </a:p>
         </p:txBody>
       </p:sp>
       <p:cxnSp>
         <p:nvCxnSpPr>
-          <p:cNvPr id="3" name="Straight Connector 2"/>
+          <p:cNvPr id="8" name="Straight Connector 7"/>
           <p:cNvCxnSpPr/>
           <p:nvPr/>
         </p:nvCxnSpPr>
         <p:spPr>
           <a:xfrm flipV="1">
-            <a:off x="0" y="1053615"/>
+            <a:off x="0" y="685795"/>
             <a:ext cx="1431565" cy="4220"/>
           </a:xfrm>
           <a:prstGeom prst="line">
@@ -15845,13 +15365,13 @@
       </p:cxnSp>
       <p:cxnSp>
         <p:nvCxnSpPr>
-          <p:cNvPr id="4" name="Straight Connector 3"/>
+          <p:cNvPr id="9" name="Straight Connector 8"/>
           <p:cNvCxnSpPr/>
           <p:nvPr/>
         </p:nvCxnSpPr>
         <p:spPr>
           <a:xfrm flipV="1">
-            <a:off x="3314237" y="1044424"/>
+            <a:off x="3314237" y="676604"/>
             <a:ext cx="1431565" cy="4220"/>
           </a:xfrm>
           <a:prstGeom prst="line">
@@ -15880,13 +15400,13 @@
       </p:cxnSp>
       <p:cxnSp>
         <p:nvCxnSpPr>
-          <p:cNvPr id="5" name="Straight Connector 4"/>
+          <p:cNvPr id="10" name="Straight Connector 9"/>
           <p:cNvCxnSpPr/>
           <p:nvPr/>
         </p:nvCxnSpPr>
         <p:spPr>
           <a:xfrm flipV="1">
-            <a:off x="1638882" y="1053615"/>
+            <a:off x="1638882" y="685795"/>
             <a:ext cx="1431565" cy="4220"/>
           </a:xfrm>
           <a:prstGeom prst="line">
@@ -15915,14 +15435,14 @@
       </p:cxnSp>
       <p:sp>
         <p:nvSpPr>
-          <p:cNvPr id="9" name="TextBox 8"/>
+          <p:cNvPr id="16" name="TextBox 15"/>
           <p:cNvSpPr txBox="1"/>
           <p:nvPr/>
         </p:nvSpPr>
         <p:spPr>
           <a:xfrm>
-            <a:off x="0" y="1301359"/>
-            <a:ext cx="8803341" cy="830997"/>
+            <a:off x="1201271" y="5020235"/>
+            <a:ext cx="9879105" cy="830997"/>
           </a:xfrm>
           <a:prstGeom prst="rect">
             <a:avLst/>
@@ -15935,1685 +15455,28 @@
           </a:bodyPr>
           <a:lstStyle/>
           <a:p>
-            <a:r>
-              <a:rPr lang="en-US" sz="2400" dirty="0"/>
-              <a:t>Technical document: </a:t>
-            </a:r>
+            <a:pPr algn="just"/>
             <a:r>
               <a:rPr lang="en-US" sz="2400" dirty="0">
-                <a:hlinkClick r:id="rId2"/>
-              </a:rPr>
-              <a:t>https://github.com/gothie348/Final-project.git</a:t>
-            </a:r>
-            <a:endParaRPr lang="en-US" sz="2400" dirty="0"/>
-          </a:p>
-          <a:p>
-            <a:endParaRPr lang="en-US" sz="2400" dirty="0"/>
-          </a:p>
-        </p:txBody>
-      </p:sp>
-      <p:graphicFrame>
-        <p:nvGraphicFramePr>
-          <p:cNvPr id="11" name="Table 10"/>
-          <p:cNvGraphicFramePr>
-            <a:graphicFrameLocks noGrp="1"/>
-          </p:cNvGraphicFramePr>
-          <p:nvPr/>
-        </p:nvGraphicFramePr>
-        <p:xfrm>
-          <a:off x="179292" y="1873857"/>
-          <a:ext cx="7351060" cy="3971132"/>
-        </p:xfrm>
-        <a:graphic>
-          <a:graphicData uri="http://schemas.openxmlformats.org/drawingml/2006/table">
-            <a:tbl>
-              <a:tblPr firstRow="1" firstCol="1" bandRow="1">
-                <a:tableStyleId>{5C22544A-7EE6-4342-B048-85BDC9FD1C3A}</a:tableStyleId>
-              </a:tblPr>
-              <a:tblGrid>
-                <a:gridCol w="483712">
-                  <a:extLst>
-                    <a:ext uri="{9D8B030D-6E8A-4147-A177-3AD203B41FA5}">
-                      <a16:colId xmlns:a16="http://schemas.microsoft.com/office/drawing/2014/main" val="491864898"/>
-                    </a:ext>
-                  </a:extLst>
-                </a:gridCol>
-                <a:gridCol w="2575255">
-                  <a:extLst>
-                    <a:ext uri="{9D8B030D-6E8A-4147-A177-3AD203B41FA5}">
-                      <a16:colId xmlns:a16="http://schemas.microsoft.com/office/drawing/2014/main" val="1107961254"/>
-                    </a:ext>
-                  </a:extLst>
-                </a:gridCol>
-                <a:gridCol w="1594206">
-                  <a:extLst>
-                    <a:ext uri="{9D8B030D-6E8A-4147-A177-3AD203B41FA5}">
-                      <a16:colId xmlns:a16="http://schemas.microsoft.com/office/drawing/2014/main" val="3912913567"/>
-                    </a:ext>
-                  </a:extLst>
-                </a:gridCol>
-                <a:gridCol w="1594206">
-                  <a:extLst>
-                    <a:ext uri="{9D8B030D-6E8A-4147-A177-3AD203B41FA5}">
-                      <a16:colId xmlns:a16="http://schemas.microsoft.com/office/drawing/2014/main" val="1762830411"/>
-                    </a:ext>
-                  </a:extLst>
-                </a:gridCol>
-                <a:gridCol w="1103681">
-                  <a:extLst>
-                    <a:ext uri="{9D8B030D-6E8A-4147-A177-3AD203B41FA5}">
-                      <a16:colId xmlns:a16="http://schemas.microsoft.com/office/drawing/2014/main" val="3686447408"/>
-                    </a:ext>
-                  </a:extLst>
-                </a:gridCol>
-              </a:tblGrid>
-              <a:tr h="898314">
-                <a:tc>
-                  <a:txBody>
-                    <a:bodyPr/>
-                    <a:lstStyle/>
-                    <a:p>
-                      <a:pPr marL="0" marR="0" algn="r">
-                        <a:lnSpc>
-                          <a:spcPct val="107000"/>
-                        </a:lnSpc>
-                        <a:spcBef>
-                          <a:spcPts val="0"/>
-                        </a:spcBef>
-                        <a:spcAft>
-                          <a:spcPts val="0"/>
-                        </a:spcAft>
-                      </a:pPr>
-                      <a:r>
-                        <a:rPr lang="en-US" sz="1600">
-                          <a:effectLst/>
-                          <a:latin typeface="Times New Roman" panose="02020603050405020304" pitchFamily="18" charset="0"/>
-                          <a:cs typeface="Times New Roman" panose="02020603050405020304" pitchFamily="18" charset="0"/>
-                        </a:rPr>
-                        <a:t> </a:t>
-                      </a:r>
-                      <a:endParaRPr lang="en-US" sz="1400">
-                        <a:effectLst/>
-                        <a:latin typeface="Times New Roman" panose="02020603050405020304" pitchFamily="18" charset="0"/>
-                        <a:ea typeface="Calibri" panose="020F0502020204030204" pitchFamily="34" charset="0"/>
-                        <a:cs typeface="Times New Roman" panose="02020603050405020304" pitchFamily="18" charset="0"/>
-                      </a:endParaRPr>
-                    </a:p>
-                  </a:txBody>
-                  <a:tcPr marL="68580" marR="68580" marT="0" marB="0"/>
-                </a:tc>
-                <a:tc>
-                  <a:txBody>
-                    <a:bodyPr/>
-                    <a:lstStyle/>
-                    <a:p>
-                      <a:pPr marL="0" marR="0">
-                        <a:lnSpc>
-                          <a:spcPct val="107000"/>
-                        </a:lnSpc>
-                        <a:spcBef>
-                          <a:spcPts val="0"/>
-                        </a:spcBef>
-                        <a:spcAft>
-                          <a:spcPts val="0"/>
-                        </a:spcAft>
-                      </a:pPr>
-                      <a:r>
-                        <a:rPr lang="en-US" sz="1600">
-                          <a:effectLst/>
-                          <a:latin typeface="Times New Roman" panose="02020603050405020304" pitchFamily="18" charset="0"/>
-                          <a:cs typeface="Times New Roman" panose="02020603050405020304" pitchFamily="18" charset="0"/>
-                        </a:rPr>
-                        <a:t>Names</a:t>
-                      </a:r>
-                      <a:endParaRPr lang="en-US" sz="1400">
-                        <a:effectLst/>
-                        <a:latin typeface="Times New Roman" panose="02020603050405020304" pitchFamily="18" charset="0"/>
-                        <a:ea typeface="Calibri" panose="020F0502020204030204" pitchFamily="34" charset="0"/>
-                        <a:cs typeface="Times New Roman" panose="02020603050405020304" pitchFamily="18" charset="0"/>
-                      </a:endParaRPr>
-                    </a:p>
-                  </a:txBody>
-                  <a:tcPr marL="68580" marR="68580" marT="0" marB="0"/>
-                </a:tc>
-                <a:tc>
-                  <a:txBody>
-                    <a:bodyPr/>
-                    <a:lstStyle/>
-                    <a:p>
-                      <a:pPr marL="0" marR="0">
-                        <a:lnSpc>
-                          <a:spcPct val="107000"/>
-                        </a:lnSpc>
-                        <a:spcBef>
-                          <a:spcPts val="0"/>
-                        </a:spcBef>
-                        <a:spcAft>
-                          <a:spcPts val="0"/>
-                        </a:spcAft>
-                      </a:pPr>
-                      <a:r>
-                        <a:rPr lang="en-US" sz="1600">
-                          <a:effectLst/>
-                          <a:latin typeface="Times New Roman" panose="02020603050405020304" pitchFamily="18" charset="0"/>
-                          <a:cs typeface="Times New Roman" panose="02020603050405020304" pitchFamily="18" charset="0"/>
-                        </a:rPr>
-                        <a:t>Accuracy</a:t>
-                      </a:r>
-                      <a:endParaRPr lang="en-US" sz="1400">
-                        <a:effectLst/>
-                        <a:latin typeface="Times New Roman" panose="02020603050405020304" pitchFamily="18" charset="0"/>
-                        <a:ea typeface="Calibri" panose="020F0502020204030204" pitchFamily="34" charset="0"/>
-                        <a:cs typeface="Times New Roman" panose="02020603050405020304" pitchFamily="18" charset="0"/>
-                      </a:endParaRPr>
-                    </a:p>
-                  </a:txBody>
-                  <a:tcPr marL="68580" marR="68580" marT="0" marB="0"/>
-                </a:tc>
-                <a:tc>
-                  <a:txBody>
-                    <a:bodyPr/>
-                    <a:lstStyle/>
-                    <a:p>
-                      <a:pPr marL="0" marR="0">
-                        <a:lnSpc>
-                          <a:spcPct val="107000"/>
-                        </a:lnSpc>
-                        <a:spcBef>
-                          <a:spcPts val="0"/>
-                        </a:spcBef>
-                        <a:spcAft>
-                          <a:spcPts val="0"/>
-                        </a:spcAft>
-                      </a:pPr>
-                      <a:r>
-                        <a:rPr lang="en-US" sz="1600">
-                          <a:effectLst/>
-                          <a:latin typeface="Times New Roman" panose="02020603050405020304" pitchFamily="18" charset="0"/>
-                          <a:cs typeface="Times New Roman" panose="02020603050405020304" pitchFamily="18" charset="0"/>
-                        </a:rPr>
-                        <a:t>Times</a:t>
-                      </a:r>
-                      <a:endParaRPr lang="en-US" sz="1400">
-                        <a:effectLst/>
-                        <a:latin typeface="Times New Roman" panose="02020603050405020304" pitchFamily="18" charset="0"/>
-                        <a:ea typeface="Calibri" panose="020F0502020204030204" pitchFamily="34" charset="0"/>
-                        <a:cs typeface="Times New Roman" panose="02020603050405020304" pitchFamily="18" charset="0"/>
-                      </a:endParaRPr>
-                    </a:p>
-                  </a:txBody>
-                  <a:tcPr marL="68580" marR="68580" marT="0" marB="0"/>
-                </a:tc>
-                <a:tc>
-                  <a:txBody>
-                    <a:bodyPr/>
-                    <a:lstStyle/>
-                    <a:p>
-                      <a:pPr marL="0" marR="0">
-                        <a:lnSpc>
-                          <a:spcPct val="107000"/>
-                        </a:lnSpc>
-                        <a:spcBef>
-                          <a:spcPts val="0"/>
-                        </a:spcBef>
-                        <a:spcAft>
-                          <a:spcPts val="0"/>
-                        </a:spcAft>
-                      </a:pPr>
-                      <a:r>
-                        <a:rPr lang="en-US" sz="1600">
-                          <a:effectLst/>
-                          <a:latin typeface="Times New Roman" panose="02020603050405020304" pitchFamily="18" charset="0"/>
-                          <a:cs typeface="Times New Roman" panose="02020603050405020304" pitchFamily="18" charset="0"/>
-                        </a:rPr>
-                        <a:t>AUC</a:t>
-                      </a:r>
-                      <a:endParaRPr lang="en-US" sz="1400">
-                        <a:effectLst/>
-                        <a:latin typeface="Times New Roman" panose="02020603050405020304" pitchFamily="18" charset="0"/>
-                        <a:ea typeface="Calibri" panose="020F0502020204030204" pitchFamily="34" charset="0"/>
-                        <a:cs typeface="Times New Roman" panose="02020603050405020304" pitchFamily="18" charset="0"/>
-                      </a:endParaRPr>
-                    </a:p>
-                  </a:txBody>
-                  <a:tcPr marL="68580" marR="68580" marT="0" marB="0"/>
-                </a:tc>
-                <a:extLst>
-                  <a:ext uri="{0D108BD9-81ED-4DB2-BD59-A6C34878D82A}">
-                    <a16:rowId xmlns:a16="http://schemas.microsoft.com/office/drawing/2014/main" val="86891766"/>
-                  </a:ext>
-                </a:extLst>
-              </a:tr>
-              <a:tr h="438974">
-                <a:tc>
-                  <a:txBody>
-                    <a:bodyPr/>
-                    <a:lstStyle/>
-                    <a:p>
-                      <a:pPr marL="0" marR="0" algn="r">
-                        <a:lnSpc>
-                          <a:spcPct val="107000"/>
-                        </a:lnSpc>
-                        <a:spcBef>
-                          <a:spcPts val="0"/>
-                        </a:spcBef>
-                        <a:spcAft>
-                          <a:spcPts val="0"/>
-                        </a:spcAft>
-                      </a:pPr>
-                      <a:r>
-                        <a:rPr lang="en-US" sz="1600">
-                          <a:effectLst/>
-                          <a:latin typeface="Times New Roman" panose="02020603050405020304" pitchFamily="18" charset="0"/>
-                          <a:cs typeface="Times New Roman" panose="02020603050405020304" pitchFamily="18" charset="0"/>
-                        </a:rPr>
-                        <a:t>0</a:t>
-                      </a:r>
-                      <a:endParaRPr lang="en-US" sz="1400">
-                        <a:effectLst/>
-                        <a:latin typeface="Times New Roman" panose="02020603050405020304" pitchFamily="18" charset="0"/>
-                        <a:ea typeface="Calibri" panose="020F0502020204030204" pitchFamily="34" charset="0"/>
-                        <a:cs typeface="Times New Roman" panose="02020603050405020304" pitchFamily="18" charset="0"/>
-                      </a:endParaRPr>
-                    </a:p>
-                  </a:txBody>
-                  <a:tcPr marL="68580" marR="68580" marT="0" marB="0"/>
-                </a:tc>
-                <a:tc>
-                  <a:txBody>
-                    <a:bodyPr/>
-                    <a:lstStyle/>
-                    <a:p>
-                      <a:pPr marL="0" marR="0">
-                        <a:lnSpc>
-                          <a:spcPct val="107000"/>
-                        </a:lnSpc>
-                        <a:spcBef>
-                          <a:spcPts val="0"/>
-                        </a:spcBef>
-                        <a:spcAft>
-                          <a:spcPts val="0"/>
-                        </a:spcAft>
-                      </a:pPr>
-                      <a:r>
-                        <a:rPr lang="en-US" sz="1400" dirty="0" err="1">
-                          <a:effectLst/>
-                          <a:latin typeface="Times New Roman" panose="02020603050405020304" pitchFamily="18" charset="0"/>
-                          <a:cs typeface="Times New Roman" panose="02020603050405020304" pitchFamily="18" charset="0"/>
-                        </a:rPr>
-                        <a:t>LogisticRegression</a:t>
-                      </a:r>
-                      <a:endParaRPr lang="en-US" sz="1400" dirty="0">
-                        <a:effectLst/>
-                        <a:latin typeface="Times New Roman" panose="02020603050405020304" pitchFamily="18" charset="0"/>
-                        <a:ea typeface="Calibri" panose="020F0502020204030204" pitchFamily="34" charset="0"/>
-                        <a:cs typeface="Times New Roman" panose="02020603050405020304" pitchFamily="18" charset="0"/>
-                      </a:endParaRPr>
-                    </a:p>
-                  </a:txBody>
-                  <a:tcPr marL="68580" marR="68580" marT="0" marB="0"/>
-                </a:tc>
-                <a:tc>
-                  <a:txBody>
-                    <a:bodyPr/>
-                    <a:lstStyle/>
-                    <a:p>
-                      <a:pPr marL="0" marR="0">
-                        <a:lnSpc>
-                          <a:spcPct val="107000"/>
-                        </a:lnSpc>
-                        <a:spcBef>
-                          <a:spcPts val="0"/>
-                        </a:spcBef>
-                        <a:spcAft>
-                          <a:spcPts val="0"/>
-                        </a:spcAft>
-                      </a:pPr>
-                      <a:r>
-                        <a:rPr lang="en-US" sz="1400">
-                          <a:effectLst/>
-                          <a:latin typeface="Times New Roman" panose="02020603050405020304" pitchFamily="18" charset="0"/>
-                          <a:cs typeface="Times New Roman" panose="02020603050405020304" pitchFamily="18" charset="0"/>
-                        </a:rPr>
-                        <a:t>0.832743</a:t>
-                      </a:r>
-                      <a:endParaRPr lang="en-US" sz="1400">
-                        <a:effectLst/>
-                        <a:latin typeface="Times New Roman" panose="02020603050405020304" pitchFamily="18" charset="0"/>
-                        <a:ea typeface="Calibri" panose="020F0502020204030204" pitchFamily="34" charset="0"/>
-                        <a:cs typeface="Times New Roman" panose="02020603050405020304" pitchFamily="18" charset="0"/>
-                      </a:endParaRPr>
-                    </a:p>
-                  </a:txBody>
-                  <a:tcPr marL="68580" marR="68580" marT="0" marB="0"/>
-                </a:tc>
-                <a:tc>
-                  <a:txBody>
-                    <a:bodyPr/>
-                    <a:lstStyle/>
-                    <a:p>
-                      <a:pPr marL="0" marR="0">
-                        <a:lnSpc>
-                          <a:spcPct val="107000"/>
-                        </a:lnSpc>
-                        <a:spcBef>
-                          <a:spcPts val="0"/>
-                        </a:spcBef>
-                        <a:spcAft>
-                          <a:spcPts val="0"/>
-                        </a:spcAft>
-                      </a:pPr>
-                      <a:r>
-                        <a:rPr lang="en-US" sz="1600">
-                          <a:effectLst/>
-                          <a:latin typeface="Times New Roman" panose="02020603050405020304" pitchFamily="18" charset="0"/>
-                          <a:cs typeface="Times New Roman" panose="02020603050405020304" pitchFamily="18" charset="0"/>
-                        </a:rPr>
-                        <a:t>1.048089</a:t>
-                      </a:r>
-                      <a:endParaRPr lang="en-US" sz="1400">
-                        <a:effectLst/>
-                        <a:latin typeface="Times New Roman" panose="02020603050405020304" pitchFamily="18" charset="0"/>
-                        <a:ea typeface="Calibri" panose="020F0502020204030204" pitchFamily="34" charset="0"/>
-                        <a:cs typeface="Times New Roman" panose="02020603050405020304" pitchFamily="18" charset="0"/>
-                      </a:endParaRPr>
-                    </a:p>
-                  </a:txBody>
-                  <a:tcPr marL="68580" marR="68580" marT="0" marB="0"/>
-                </a:tc>
-                <a:tc>
-                  <a:txBody>
-                    <a:bodyPr/>
-                    <a:lstStyle/>
-                    <a:p>
-                      <a:pPr marL="0" marR="0">
-                        <a:lnSpc>
-                          <a:spcPct val="107000"/>
-                        </a:lnSpc>
-                        <a:spcBef>
-                          <a:spcPts val="0"/>
-                        </a:spcBef>
-                        <a:spcAft>
-                          <a:spcPts val="0"/>
-                        </a:spcAft>
-                      </a:pPr>
-                      <a:r>
-                        <a:rPr lang="en-US" sz="1400">
-                          <a:effectLst/>
-                          <a:latin typeface="Times New Roman" panose="02020603050405020304" pitchFamily="18" charset="0"/>
-                          <a:cs typeface="Times New Roman" panose="02020603050405020304" pitchFamily="18" charset="0"/>
-                        </a:rPr>
-                        <a:t>0.90</a:t>
-                      </a:r>
-                      <a:endParaRPr lang="en-US" sz="1400">
-                        <a:effectLst/>
-                        <a:latin typeface="Times New Roman" panose="02020603050405020304" pitchFamily="18" charset="0"/>
-                        <a:ea typeface="Calibri" panose="020F0502020204030204" pitchFamily="34" charset="0"/>
-                        <a:cs typeface="Times New Roman" panose="02020603050405020304" pitchFamily="18" charset="0"/>
-                      </a:endParaRPr>
-                    </a:p>
-                  </a:txBody>
-                  <a:tcPr marL="68580" marR="68580" marT="0" marB="0"/>
-                </a:tc>
-                <a:extLst>
-                  <a:ext uri="{0D108BD9-81ED-4DB2-BD59-A6C34878D82A}">
-                    <a16:rowId xmlns:a16="http://schemas.microsoft.com/office/drawing/2014/main" val="3846381851"/>
-                  </a:ext>
-                </a:extLst>
-              </a:tr>
-              <a:tr h="438974">
-                <a:tc>
-                  <a:txBody>
-                    <a:bodyPr/>
-                    <a:lstStyle/>
-                    <a:p>
-                      <a:pPr marL="0" marR="0" algn="r">
-                        <a:lnSpc>
-                          <a:spcPct val="107000"/>
-                        </a:lnSpc>
-                        <a:spcBef>
-                          <a:spcPts val="0"/>
-                        </a:spcBef>
-                        <a:spcAft>
-                          <a:spcPts val="0"/>
-                        </a:spcAft>
-                      </a:pPr>
-                      <a:r>
-                        <a:rPr lang="en-US" sz="1600">
-                          <a:effectLst/>
-                          <a:latin typeface="Times New Roman" panose="02020603050405020304" pitchFamily="18" charset="0"/>
-                          <a:cs typeface="Times New Roman" panose="02020603050405020304" pitchFamily="18" charset="0"/>
-                        </a:rPr>
-                        <a:t>1</a:t>
-                      </a:r>
-                      <a:endParaRPr lang="en-US" sz="1400">
-                        <a:effectLst/>
-                        <a:latin typeface="Times New Roman" panose="02020603050405020304" pitchFamily="18" charset="0"/>
-                        <a:ea typeface="Calibri" panose="020F0502020204030204" pitchFamily="34" charset="0"/>
-                        <a:cs typeface="Times New Roman" panose="02020603050405020304" pitchFamily="18" charset="0"/>
-                      </a:endParaRPr>
-                    </a:p>
-                  </a:txBody>
-                  <a:tcPr marL="68580" marR="68580" marT="0" marB="0"/>
-                </a:tc>
-                <a:tc>
-                  <a:txBody>
-                    <a:bodyPr/>
-                    <a:lstStyle/>
-                    <a:p>
-                      <a:pPr marL="0" marR="0">
-                        <a:lnSpc>
-                          <a:spcPct val="107000"/>
-                        </a:lnSpc>
-                        <a:spcBef>
-                          <a:spcPts val="0"/>
-                        </a:spcBef>
-                        <a:spcAft>
-                          <a:spcPts val="0"/>
-                        </a:spcAft>
-                      </a:pPr>
-                      <a:r>
-                        <a:rPr lang="en-US" sz="1400">
-                          <a:effectLst/>
-                          <a:latin typeface="Times New Roman" panose="02020603050405020304" pitchFamily="18" charset="0"/>
-                          <a:cs typeface="Times New Roman" panose="02020603050405020304" pitchFamily="18" charset="0"/>
-                        </a:rPr>
-                        <a:t>Ridge Classifier</a:t>
-                      </a:r>
-                      <a:endParaRPr lang="en-US" sz="1400">
-                        <a:effectLst/>
-                        <a:latin typeface="Times New Roman" panose="02020603050405020304" pitchFamily="18" charset="0"/>
-                        <a:ea typeface="Calibri" panose="020F0502020204030204" pitchFamily="34" charset="0"/>
-                        <a:cs typeface="Times New Roman" panose="02020603050405020304" pitchFamily="18" charset="0"/>
-                      </a:endParaRPr>
-                    </a:p>
-                  </a:txBody>
-                  <a:tcPr marL="68580" marR="68580" marT="0" marB="0"/>
-                </a:tc>
-                <a:tc>
-                  <a:txBody>
-                    <a:bodyPr/>
-                    <a:lstStyle/>
-                    <a:p>
-                      <a:pPr marL="0" marR="0">
-                        <a:lnSpc>
-                          <a:spcPct val="107000"/>
-                        </a:lnSpc>
-                        <a:spcBef>
-                          <a:spcPts val="0"/>
-                        </a:spcBef>
-                        <a:spcAft>
-                          <a:spcPts val="0"/>
-                        </a:spcAft>
-                      </a:pPr>
-                      <a:r>
-                        <a:rPr lang="en-US" sz="1400">
-                          <a:effectLst/>
-                          <a:latin typeface="Times New Roman" panose="02020603050405020304" pitchFamily="18" charset="0"/>
-                          <a:cs typeface="Times New Roman" panose="02020603050405020304" pitchFamily="18" charset="0"/>
-                        </a:rPr>
-                        <a:t>0.826297</a:t>
-                      </a:r>
-                      <a:endParaRPr lang="en-US" sz="1400">
-                        <a:effectLst/>
-                        <a:latin typeface="Times New Roman" panose="02020603050405020304" pitchFamily="18" charset="0"/>
-                        <a:ea typeface="Calibri" panose="020F0502020204030204" pitchFamily="34" charset="0"/>
-                        <a:cs typeface="Times New Roman" panose="02020603050405020304" pitchFamily="18" charset="0"/>
-                      </a:endParaRPr>
-                    </a:p>
-                  </a:txBody>
-                  <a:tcPr marL="68580" marR="68580" marT="0" marB="0"/>
-                </a:tc>
-                <a:tc>
-                  <a:txBody>
-                    <a:bodyPr/>
-                    <a:lstStyle/>
-                    <a:p>
-                      <a:pPr marL="0" marR="0">
-                        <a:lnSpc>
-                          <a:spcPct val="107000"/>
-                        </a:lnSpc>
-                        <a:spcBef>
-                          <a:spcPts val="0"/>
-                        </a:spcBef>
-                        <a:spcAft>
-                          <a:spcPts val="0"/>
-                        </a:spcAft>
-                      </a:pPr>
-                      <a:r>
-                        <a:rPr lang="en-US" sz="1200" dirty="0">
-                          <a:effectLst/>
-                          <a:latin typeface="Times New Roman" panose="02020603050405020304" pitchFamily="18" charset="0"/>
-                          <a:cs typeface="Times New Roman" panose="02020603050405020304" pitchFamily="18" charset="0"/>
-                        </a:rPr>
-                        <a:t>1.500670</a:t>
-                      </a:r>
-                      <a:endParaRPr lang="en-US" sz="1400" dirty="0">
-                        <a:effectLst/>
-                        <a:latin typeface="Times New Roman" panose="02020603050405020304" pitchFamily="18" charset="0"/>
-                        <a:ea typeface="Calibri" panose="020F0502020204030204" pitchFamily="34" charset="0"/>
-                        <a:cs typeface="Times New Roman" panose="02020603050405020304" pitchFamily="18" charset="0"/>
-                      </a:endParaRPr>
-                    </a:p>
-                  </a:txBody>
-                  <a:tcPr marL="68580" marR="68580" marT="0" marB="0"/>
-                </a:tc>
-                <a:tc>
-                  <a:txBody>
-                    <a:bodyPr/>
-                    <a:lstStyle/>
-                    <a:p>
-                      <a:pPr marL="0" marR="0">
-                        <a:lnSpc>
-                          <a:spcPct val="107000"/>
-                        </a:lnSpc>
-                        <a:spcBef>
-                          <a:spcPts val="0"/>
-                        </a:spcBef>
-                        <a:spcAft>
-                          <a:spcPts val="0"/>
-                        </a:spcAft>
-                      </a:pPr>
-                      <a:r>
-                        <a:rPr lang="en-US" sz="1400">
-                          <a:effectLst/>
-                          <a:latin typeface="Times New Roman" panose="02020603050405020304" pitchFamily="18" charset="0"/>
-                          <a:cs typeface="Times New Roman" panose="02020603050405020304" pitchFamily="18" charset="0"/>
-                        </a:rPr>
-                        <a:t>0.90</a:t>
-                      </a:r>
-                      <a:endParaRPr lang="en-US" sz="1400">
-                        <a:effectLst/>
-                        <a:latin typeface="Times New Roman" panose="02020603050405020304" pitchFamily="18" charset="0"/>
-                        <a:ea typeface="Calibri" panose="020F0502020204030204" pitchFamily="34" charset="0"/>
-                        <a:cs typeface="Times New Roman" panose="02020603050405020304" pitchFamily="18" charset="0"/>
-                      </a:endParaRPr>
-                    </a:p>
-                  </a:txBody>
-                  <a:tcPr marL="68580" marR="68580" marT="0" marB="0"/>
-                </a:tc>
-                <a:extLst>
-                  <a:ext uri="{0D108BD9-81ED-4DB2-BD59-A6C34878D82A}">
-                    <a16:rowId xmlns:a16="http://schemas.microsoft.com/office/drawing/2014/main" val="3609895277"/>
-                  </a:ext>
-                </a:extLst>
-              </a:tr>
-              <a:tr h="438974">
-                <a:tc>
-                  <a:txBody>
-                    <a:bodyPr/>
-                    <a:lstStyle/>
-                    <a:p>
-                      <a:pPr marL="0" marR="0" algn="r">
-                        <a:lnSpc>
-                          <a:spcPct val="107000"/>
-                        </a:lnSpc>
-                        <a:spcBef>
-                          <a:spcPts val="0"/>
-                        </a:spcBef>
-                        <a:spcAft>
-                          <a:spcPts val="0"/>
-                        </a:spcAft>
-                      </a:pPr>
-                      <a:r>
-                        <a:rPr lang="en-US" sz="1600">
-                          <a:effectLst/>
-                          <a:latin typeface="Times New Roman" panose="02020603050405020304" pitchFamily="18" charset="0"/>
-                          <a:cs typeface="Times New Roman" panose="02020603050405020304" pitchFamily="18" charset="0"/>
-                        </a:rPr>
-                        <a:t>2</a:t>
-                      </a:r>
-                      <a:endParaRPr lang="en-US" sz="1400">
-                        <a:effectLst/>
-                        <a:latin typeface="Times New Roman" panose="02020603050405020304" pitchFamily="18" charset="0"/>
-                        <a:ea typeface="Calibri" panose="020F0502020204030204" pitchFamily="34" charset="0"/>
-                        <a:cs typeface="Times New Roman" panose="02020603050405020304" pitchFamily="18" charset="0"/>
-                      </a:endParaRPr>
-                    </a:p>
-                  </a:txBody>
-                  <a:tcPr marL="68580" marR="68580" marT="0" marB="0"/>
-                </a:tc>
-                <a:tc>
-                  <a:txBody>
-                    <a:bodyPr/>
-                    <a:lstStyle/>
-                    <a:p>
-                      <a:pPr marL="0" marR="0">
-                        <a:lnSpc>
-                          <a:spcPct val="107000"/>
-                        </a:lnSpc>
-                        <a:spcBef>
-                          <a:spcPts val="0"/>
-                        </a:spcBef>
-                        <a:spcAft>
-                          <a:spcPts val="0"/>
-                        </a:spcAft>
-                      </a:pPr>
-                      <a:r>
-                        <a:rPr lang="en-US" sz="1400">
-                          <a:effectLst/>
-                          <a:latin typeface="Times New Roman" panose="02020603050405020304" pitchFamily="18" charset="0"/>
-                          <a:cs typeface="Times New Roman" panose="02020603050405020304" pitchFamily="18" charset="0"/>
-                        </a:rPr>
-                        <a:t>AdaBoostClassifier</a:t>
-                      </a:r>
-                      <a:endParaRPr lang="en-US" sz="1400">
-                        <a:effectLst/>
-                        <a:latin typeface="Times New Roman" panose="02020603050405020304" pitchFamily="18" charset="0"/>
-                        <a:ea typeface="Calibri" panose="020F0502020204030204" pitchFamily="34" charset="0"/>
-                        <a:cs typeface="Times New Roman" panose="02020603050405020304" pitchFamily="18" charset="0"/>
-                      </a:endParaRPr>
-                    </a:p>
-                  </a:txBody>
-                  <a:tcPr marL="68580" marR="68580" marT="0" marB="0"/>
-                </a:tc>
-                <a:tc>
-                  <a:txBody>
-                    <a:bodyPr/>
-                    <a:lstStyle/>
-                    <a:p>
-                      <a:pPr marL="0" marR="0">
-                        <a:lnSpc>
-                          <a:spcPct val="107000"/>
-                        </a:lnSpc>
-                        <a:spcBef>
-                          <a:spcPts val="0"/>
-                        </a:spcBef>
-                        <a:spcAft>
-                          <a:spcPts val="0"/>
-                        </a:spcAft>
-                      </a:pPr>
-                      <a:r>
-                        <a:rPr lang="en-US" sz="1400">
-                          <a:effectLst/>
-                          <a:latin typeface="Times New Roman" panose="02020603050405020304" pitchFamily="18" charset="0"/>
-                          <a:cs typeface="Times New Roman" panose="02020603050405020304" pitchFamily="18" charset="0"/>
-                        </a:rPr>
-                        <a:t>0.830809</a:t>
-                      </a:r>
-                      <a:endParaRPr lang="en-US" sz="1400">
-                        <a:effectLst/>
-                        <a:latin typeface="Times New Roman" panose="02020603050405020304" pitchFamily="18" charset="0"/>
-                        <a:ea typeface="Calibri" panose="020F0502020204030204" pitchFamily="34" charset="0"/>
-                        <a:cs typeface="Times New Roman" panose="02020603050405020304" pitchFamily="18" charset="0"/>
-                      </a:endParaRPr>
-                    </a:p>
-                  </a:txBody>
-                  <a:tcPr marL="68580" marR="68580" marT="0" marB="0"/>
-                </a:tc>
-                <a:tc>
-                  <a:txBody>
-                    <a:bodyPr/>
-                    <a:lstStyle/>
-                    <a:p>
-                      <a:pPr marL="0" marR="0">
-                        <a:lnSpc>
-                          <a:spcPct val="107000"/>
-                        </a:lnSpc>
-                        <a:spcBef>
-                          <a:spcPts val="0"/>
-                        </a:spcBef>
-                        <a:spcAft>
-                          <a:spcPts val="0"/>
-                        </a:spcAft>
-                      </a:pPr>
-                      <a:r>
-                        <a:rPr lang="en-US" sz="1200">
-                          <a:effectLst/>
-                          <a:latin typeface="Times New Roman" panose="02020603050405020304" pitchFamily="18" charset="0"/>
-                          <a:cs typeface="Times New Roman" panose="02020603050405020304" pitchFamily="18" charset="0"/>
-                        </a:rPr>
-                        <a:t>0.736661</a:t>
-                      </a:r>
-                      <a:endParaRPr lang="en-US" sz="1400">
-                        <a:effectLst/>
-                        <a:latin typeface="Times New Roman" panose="02020603050405020304" pitchFamily="18" charset="0"/>
-                        <a:ea typeface="Calibri" panose="020F0502020204030204" pitchFamily="34" charset="0"/>
-                        <a:cs typeface="Times New Roman" panose="02020603050405020304" pitchFamily="18" charset="0"/>
-                      </a:endParaRPr>
-                    </a:p>
-                  </a:txBody>
-                  <a:tcPr marL="68580" marR="68580" marT="0" marB="0"/>
-                </a:tc>
-                <a:tc>
-                  <a:txBody>
-                    <a:bodyPr/>
-                    <a:lstStyle/>
-                    <a:p>
-                      <a:pPr marL="0" marR="0">
-                        <a:lnSpc>
-                          <a:spcPct val="107000"/>
-                        </a:lnSpc>
-                        <a:spcBef>
-                          <a:spcPts val="0"/>
-                        </a:spcBef>
-                        <a:spcAft>
-                          <a:spcPts val="0"/>
-                        </a:spcAft>
-                      </a:pPr>
-                      <a:r>
-                        <a:rPr lang="en-US" sz="1400">
-                          <a:effectLst/>
-                          <a:latin typeface="Times New Roman" panose="02020603050405020304" pitchFamily="18" charset="0"/>
-                          <a:cs typeface="Times New Roman" panose="02020603050405020304" pitchFamily="18" charset="0"/>
-                        </a:rPr>
-                        <a:t>0.90</a:t>
-                      </a:r>
-                      <a:endParaRPr lang="en-US" sz="1400">
-                        <a:effectLst/>
-                        <a:latin typeface="Times New Roman" panose="02020603050405020304" pitchFamily="18" charset="0"/>
-                        <a:ea typeface="Calibri" panose="020F0502020204030204" pitchFamily="34" charset="0"/>
-                        <a:cs typeface="Times New Roman" panose="02020603050405020304" pitchFamily="18" charset="0"/>
-                      </a:endParaRPr>
-                    </a:p>
-                  </a:txBody>
-                  <a:tcPr marL="68580" marR="68580" marT="0" marB="0"/>
-                </a:tc>
-                <a:extLst>
-                  <a:ext uri="{0D108BD9-81ED-4DB2-BD59-A6C34878D82A}">
-                    <a16:rowId xmlns:a16="http://schemas.microsoft.com/office/drawing/2014/main" val="696760846"/>
-                  </a:ext>
-                </a:extLst>
-              </a:tr>
-              <a:tr h="438974">
-                <a:tc>
-                  <a:txBody>
-                    <a:bodyPr/>
-                    <a:lstStyle/>
-                    <a:p>
-                      <a:pPr marL="0" marR="0" algn="r">
-                        <a:lnSpc>
-                          <a:spcPct val="107000"/>
-                        </a:lnSpc>
-                        <a:spcBef>
-                          <a:spcPts val="0"/>
-                        </a:spcBef>
-                        <a:spcAft>
-                          <a:spcPts val="0"/>
-                        </a:spcAft>
-                      </a:pPr>
-                      <a:r>
-                        <a:rPr lang="en-US" sz="1600">
-                          <a:effectLst/>
-                          <a:latin typeface="Times New Roman" panose="02020603050405020304" pitchFamily="18" charset="0"/>
-                          <a:cs typeface="Times New Roman" panose="02020603050405020304" pitchFamily="18" charset="0"/>
-                        </a:rPr>
-                        <a:t>3</a:t>
-                      </a:r>
-                      <a:endParaRPr lang="en-US" sz="1400">
-                        <a:effectLst/>
-                        <a:latin typeface="Times New Roman" panose="02020603050405020304" pitchFamily="18" charset="0"/>
-                        <a:ea typeface="Calibri" panose="020F0502020204030204" pitchFamily="34" charset="0"/>
-                        <a:cs typeface="Times New Roman" panose="02020603050405020304" pitchFamily="18" charset="0"/>
-                      </a:endParaRPr>
-                    </a:p>
-                  </a:txBody>
-                  <a:tcPr marL="68580" marR="68580" marT="0" marB="0"/>
-                </a:tc>
-                <a:tc>
-                  <a:txBody>
-                    <a:bodyPr/>
-                    <a:lstStyle/>
-                    <a:p>
-                      <a:pPr marL="0" marR="0">
-                        <a:lnSpc>
-                          <a:spcPct val="107000"/>
-                        </a:lnSpc>
-                        <a:spcBef>
-                          <a:spcPts val="0"/>
-                        </a:spcBef>
-                        <a:spcAft>
-                          <a:spcPts val="0"/>
-                        </a:spcAft>
-                      </a:pPr>
-                      <a:r>
-                        <a:rPr lang="en-US" sz="1400">
-                          <a:effectLst/>
-                          <a:latin typeface="Times New Roman" panose="02020603050405020304" pitchFamily="18" charset="0"/>
-                          <a:cs typeface="Times New Roman" panose="02020603050405020304" pitchFamily="18" charset="0"/>
-                        </a:rPr>
-                        <a:t>GradientBoosting</a:t>
-                      </a:r>
-                      <a:endParaRPr lang="en-US" sz="1400">
-                        <a:effectLst/>
-                        <a:latin typeface="Times New Roman" panose="02020603050405020304" pitchFamily="18" charset="0"/>
-                        <a:ea typeface="Calibri" panose="020F0502020204030204" pitchFamily="34" charset="0"/>
-                        <a:cs typeface="Times New Roman" panose="02020603050405020304" pitchFamily="18" charset="0"/>
-                      </a:endParaRPr>
-                    </a:p>
-                  </a:txBody>
-                  <a:tcPr marL="68580" marR="68580" marT="0" marB="0"/>
-                </a:tc>
-                <a:tc>
-                  <a:txBody>
-                    <a:bodyPr/>
-                    <a:lstStyle/>
-                    <a:p>
-                      <a:pPr marL="0" marR="0">
-                        <a:lnSpc>
-                          <a:spcPct val="107000"/>
-                        </a:lnSpc>
-                        <a:spcBef>
-                          <a:spcPts val="0"/>
-                        </a:spcBef>
-                        <a:spcAft>
-                          <a:spcPts val="0"/>
-                        </a:spcAft>
-                      </a:pPr>
-                      <a:r>
-                        <a:rPr lang="en-US" sz="1400">
-                          <a:effectLst/>
-                          <a:latin typeface="Times New Roman" panose="02020603050405020304" pitchFamily="18" charset="0"/>
-                          <a:cs typeface="Times New Roman" panose="02020603050405020304" pitchFamily="18" charset="0"/>
-                        </a:rPr>
-                        <a:t>0.831453</a:t>
-                      </a:r>
-                      <a:endParaRPr lang="en-US" sz="1400">
-                        <a:effectLst/>
-                        <a:latin typeface="Times New Roman" panose="02020603050405020304" pitchFamily="18" charset="0"/>
-                        <a:ea typeface="Calibri" panose="020F0502020204030204" pitchFamily="34" charset="0"/>
-                        <a:cs typeface="Times New Roman" panose="02020603050405020304" pitchFamily="18" charset="0"/>
-                      </a:endParaRPr>
-                    </a:p>
-                  </a:txBody>
-                  <a:tcPr marL="68580" marR="68580" marT="0" marB="0"/>
-                </a:tc>
-                <a:tc>
-                  <a:txBody>
-                    <a:bodyPr/>
-                    <a:lstStyle/>
-                    <a:p>
-                      <a:pPr marL="0" marR="0">
-                        <a:lnSpc>
-                          <a:spcPct val="107000"/>
-                        </a:lnSpc>
-                        <a:spcBef>
-                          <a:spcPts val="0"/>
-                        </a:spcBef>
-                        <a:spcAft>
-                          <a:spcPts val="0"/>
-                        </a:spcAft>
-                      </a:pPr>
-                      <a:r>
-                        <a:rPr lang="en-US" sz="1200">
-                          <a:effectLst/>
-                          <a:latin typeface="Times New Roman" panose="02020603050405020304" pitchFamily="18" charset="0"/>
-                          <a:cs typeface="Times New Roman" panose="02020603050405020304" pitchFamily="18" charset="0"/>
-                        </a:rPr>
-                        <a:t>1.634922</a:t>
-                      </a:r>
-                      <a:endParaRPr lang="en-US" sz="1400">
-                        <a:effectLst/>
-                        <a:latin typeface="Times New Roman" panose="02020603050405020304" pitchFamily="18" charset="0"/>
-                        <a:ea typeface="Calibri" panose="020F0502020204030204" pitchFamily="34" charset="0"/>
-                        <a:cs typeface="Times New Roman" panose="02020603050405020304" pitchFamily="18" charset="0"/>
-                      </a:endParaRPr>
-                    </a:p>
-                  </a:txBody>
-                  <a:tcPr marL="68580" marR="68580" marT="0" marB="0"/>
-                </a:tc>
-                <a:tc>
-                  <a:txBody>
-                    <a:bodyPr/>
-                    <a:lstStyle/>
-                    <a:p>
-                      <a:pPr marL="0" marR="0">
-                        <a:lnSpc>
-                          <a:spcPct val="107000"/>
-                        </a:lnSpc>
-                        <a:spcBef>
-                          <a:spcPts val="0"/>
-                        </a:spcBef>
-                        <a:spcAft>
-                          <a:spcPts val="0"/>
-                        </a:spcAft>
-                      </a:pPr>
-                      <a:r>
-                        <a:rPr lang="en-US" sz="1400">
-                          <a:effectLst/>
-                          <a:latin typeface="Times New Roman" panose="02020603050405020304" pitchFamily="18" charset="0"/>
-                          <a:cs typeface="Times New Roman" panose="02020603050405020304" pitchFamily="18" charset="0"/>
-                        </a:rPr>
-                        <a:t>0.90</a:t>
-                      </a:r>
-                      <a:endParaRPr lang="en-US" sz="1400">
-                        <a:effectLst/>
-                        <a:latin typeface="Times New Roman" panose="02020603050405020304" pitchFamily="18" charset="0"/>
-                        <a:ea typeface="Calibri" panose="020F0502020204030204" pitchFamily="34" charset="0"/>
-                        <a:cs typeface="Times New Roman" panose="02020603050405020304" pitchFamily="18" charset="0"/>
-                      </a:endParaRPr>
-                    </a:p>
-                  </a:txBody>
-                  <a:tcPr marL="68580" marR="68580" marT="0" marB="0"/>
-                </a:tc>
-                <a:extLst>
-                  <a:ext uri="{0D108BD9-81ED-4DB2-BD59-A6C34878D82A}">
-                    <a16:rowId xmlns:a16="http://schemas.microsoft.com/office/drawing/2014/main" val="1967419431"/>
-                  </a:ext>
-                </a:extLst>
-              </a:tr>
-              <a:tr h="438974">
-                <a:tc>
-                  <a:txBody>
-                    <a:bodyPr/>
-                    <a:lstStyle/>
-                    <a:p>
-                      <a:pPr marL="0" marR="0" algn="r">
-                        <a:lnSpc>
-                          <a:spcPct val="107000"/>
-                        </a:lnSpc>
-                        <a:spcBef>
-                          <a:spcPts val="0"/>
-                        </a:spcBef>
-                        <a:spcAft>
-                          <a:spcPts val="0"/>
-                        </a:spcAft>
-                      </a:pPr>
-                      <a:r>
-                        <a:rPr lang="en-US" sz="1600">
-                          <a:effectLst/>
-                          <a:latin typeface="Times New Roman" panose="02020603050405020304" pitchFamily="18" charset="0"/>
-                          <a:cs typeface="Times New Roman" panose="02020603050405020304" pitchFamily="18" charset="0"/>
-                        </a:rPr>
-                        <a:t>4</a:t>
-                      </a:r>
-                      <a:endParaRPr lang="en-US" sz="1400">
-                        <a:effectLst/>
-                        <a:latin typeface="Times New Roman" panose="02020603050405020304" pitchFamily="18" charset="0"/>
-                        <a:ea typeface="Calibri" panose="020F0502020204030204" pitchFamily="34" charset="0"/>
-                        <a:cs typeface="Times New Roman" panose="02020603050405020304" pitchFamily="18" charset="0"/>
-                      </a:endParaRPr>
-                    </a:p>
-                  </a:txBody>
-                  <a:tcPr marL="68580" marR="68580" marT="0" marB="0"/>
-                </a:tc>
-                <a:tc>
-                  <a:txBody>
-                    <a:bodyPr/>
-                    <a:lstStyle/>
-                    <a:p>
-                      <a:pPr marL="0" marR="0">
-                        <a:lnSpc>
-                          <a:spcPct val="107000"/>
-                        </a:lnSpc>
-                        <a:spcBef>
-                          <a:spcPts val="0"/>
-                        </a:spcBef>
-                        <a:spcAft>
-                          <a:spcPts val="0"/>
-                        </a:spcAft>
-                      </a:pPr>
-                      <a:r>
-                        <a:rPr lang="en-US" sz="1400">
-                          <a:effectLst/>
-                          <a:latin typeface="Times New Roman" panose="02020603050405020304" pitchFamily="18" charset="0"/>
-                          <a:cs typeface="Times New Roman" panose="02020603050405020304" pitchFamily="18" charset="0"/>
-                        </a:rPr>
-                        <a:t>Random Forest</a:t>
-                      </a:r>
-                      <a:endParaRPr lang="en-US" sz="1400">
-                        <a:effectLst/>
-                        <a:latin typeface="Times New Roman" panose="02020603050405020304" pitchFamily="18" charset="0"/>
-                        <a:ea typeface="Calibri" panose="020F0502020204030204" pitchFamily="34" charset="0"/>
-                        <a:cs typeface="Times New Roman" panose="02020603050405020304" pitchFamily="18" charset="0"/>
-                      </a:endParaRPr>
-                    </a:p>
-                  </a:txBody>
-                  <a:tcPr marL="68580" marR="68580" marT="0" marB="0"/>
-                </a:tc>
-                <a:tc>
-                  <a:txBody>
-                    <a:bodyPr/>
-                    <a:lstStyle/>
-                    <a:p>
-                      <a:pPr marL="0" marR="0">
-                        <a:lnSpc>
-                          <a:spcPct val="107000"/>
-                        </a:lnSpc>
-                        <a:spcBef>
-                          <a:spcPts val="0"/>
-                        </a:spcBef>
-                        <a:spcAft>
-                          <a:spcPts val="0"/>
-                        </a:spcAft>
-                      </a:pPr>
-                      <a:r>
-                        <a:rPr lang="en-US" sz="1400">
-                          <a:effectLst/>
-                          <a:latin typeface="Times New Roman" panose="02020603050405020304" pitchFamily="18" charset="0"/>
-                          <a:cs typeface="Times New Roman" panose="02020603050405020304" pitchFamily="18" charset="0"/>
-                        </a:rPr>
-                        <a:t>0.804383</a:t>
-                      </a:r>
-                      <a:endParaRPr lang="en-US" sz="1400">
-                        <a:effectLst/>
-                        <a:latin typeface="Times New Roman" panose="02020603050405020304" pitchFamily="18" charset="0"/>
-                        <a:ea typeface="Calibri" panose="020F0502020204030204" pitchFamily="34" charset="0"/>
-                        <a:cs typeface="Times New Roman" panose="02020603050405020304" pitchFamily="18" charset="0"/>
-                      </a:endParaRPr>
-                    </a:p>
-                  </a:txBody>
-                  <a:tcPr marL="68580" marR="68580" marT="0" marB="0"/>
-                </a:tc>
-                <a:tc>
-                  <a:txBody>
-                    <a:bodyPr/>
-                    <a:lstStyle/>
-                    <a:p>
-                      <a:pPr marL="0" marR="0">
-                        <a:lnSpc>
-                          <a:spcPct val="107000"/>
-                        </a:lnSpc>
-                        <a:spcBef>
-                          <a:spcPts val="0"/>
-                        </a:spcBef>
-                        <a:spcAft>
-                          <a:spcPts val="0"/>
-                        </a:spcAft>
-                      </a:pPr>
-                      <a:r>
-                        <a:rPr lang="en-US" sz="1200">
-                          <a:effectLst/>
-                          <a:latin typeface="Times New Roman" panose="02020603050405020304" pitchFamily="18" charset="0"/>
-                          <a:cs typeface="Times New Roman" panose="02020603050405020304" pitchFamily="18" charset="0"/>
-                        </a:rPr>
-                        <a:t>0.765919</a:t>
-                      </a:r>
-                      <a:endParaRPr lang="en-US" sz="1400">
-                        <a:effectLst/>
-                        <a:latin typeface="Times New Roman" panose="02020603050405020304" pitchFamily="18" charset="0"/>
-                        <a:ea typeface="Calibri" panose="020F0502020204030204" pitchFamily="34" charset="0"/>
-                        <a:cs typeface="Times New Roman" panose="02020603050405020304" pitchFamily="18" charset="0"/>
-                      </a:endParaRPr>
-                    </a:p>
-                  </a:txBody>
-                  <a:tcPr marL="68580" marR="68580" marT="0" marB="0"/>
-                </a:tc>
-                <a:tc>
-                  <a:txBody>
-                    <a:bodyPr/>
-                    <a:lstStyle/>
-                    <a:p>
-                      <a:pPr marL="0" marR="0">
-                        <a:lnSpc>
-                          <a:spcPct val="107000"/>
-                        </a:lnSpc>
-                        <a:spcBef>
-                          <a:spcPts val="0"/>
-                        </a:spcBef>
-                        <a:spcAft>
-                          <a:spcPts val="0"/>
-                        </a:spcAft>
-                      </a:pPr>
-                      <a:r>
-                        <a:rPr lang="en-US" sz="1400">
-                          <a:effectLst/>
-                          <a:latin typeface="Times New Roman" panose="02020603050405020304" pitchFamily="18" charset="0"/>
-                          <a:cs typeface="Times New Roman" panose="02020603050405020304" pitchFamily="18" charset="0"/>
-                        </a:rPr>
-                        <a:t>0.89</a:t>
-                      </a:r>
-                      <a:endParaRPr lang="en-US" sz="1400">
-                        <a:effectLst/>
-                        <a:latin typeface="Times New Roman" panose="02020603050405020304" pitchFamily="18" charset="0"/>
-                        <a:ea typeface="Calibri" panose="020F0502020204030204" pitchFamily="34" charset="0"/>
-                        <a:cs typeface="Times New Roman" panose="02020603050405020304" pitchFamily="18" charset="0"/>
-                      </a:endParaRPr>
-                    </a:p>
-                  </a:txBody>
-                  <a:tcPr marL="68580" marR="68580" marT="0" marB="0"/>
-                </a:tc>
-                <a:extLst>
-                  <a:ext uri="{0D108BD9-81ED-4DB2-BD59-A6C34878D82A}">
-                    <a16:rowId xmlns:a16="http://schemas.microsoft.com/office/drawing/2014/main" val="48190538"/>
-                  </a:ext>
-                </a:extLst>
-              </a:tr>
-              <a:tr h="438974">
-                <a:tc>
-                  <a:txBody>
-                    <a:bodyPr/>
-                    <a:lstStyle/>
-                    <a:p>
-                      <a:pPr marL="0" marR="0" algn="r">
-                        <a:lnSpc>
-                          <a:spcPct val="107000"/>
-                        </a:lnSpc>
-                        <a:spcBef>
-                          <a:spcPts val="0"/>
-                        </a:spcBef>
-                        <a:spcAft>
-                          <a:spcPts val="0"/>
-                        </a:spcAft>
-                      </a:pPr>
-                      <a:r>
-                        <a:rPr lang="en-US" sz="1600">
-                          <a:effectLst/>
-                          <a:latin typeface="Times New Roman" panose="02020603050405020304" pitchFamily="18" charset="0"/>
-                          <a:cs typeface="Times New Roman" panose="02020603050405020304" pitchFamily="18" charset="0"/>
-                        </a:rPr>
-                        <a:t>5</a:t>
-                      </a:r>
-                      <a:endParaRPr lang="en-US" sz="1400">
-                        <a:effectLst/>
-                        <a:latin typeface="Times New Roman" panose="02020603050405020304" pitchFamily="18" charset="0"/>
-                        <a:ea typeface="Calibri" panose="020F0502020204030204" pitchFamily="34" charset="0"/>
-                        <a:cs typeface="Times New Roman" panose="02020603050405020304" pitchFamily="18" charset="0"/>
-                      </a:endParaRPr>
-                    </a:p>
-                  </a:txBody>
-                  <a:tcPr marL="68580" marR="68580" marT="0" marB="0"/>
-                </a:tc>
-                <a:tc>
-                  <a:txBody>
-                    <a:bodyPr/>
-                    <a:lstStyle/>
-                    <a:p>
-                      <a:pPr marL="0" marR="0">
-                        <a:lnSpc>
-                          <a:spcPct val="107000"/>
-                        </a:lnSpc>
-                        <a:spcBef>
-                          <a:spcPts val="0"/>
-                        </a:spcBef>
-                        <a:spcAft>
-                          <a:spcPts val="0"/>
-                        </a:spcAft>
-                      </a:pPr>
-                      <a:r>
-                        <a:rPr lang="en-US" sz="1400">
-                          <a:effectLst/>
-                          <a:latin typeface="Times New Roman" panose="02020603050405020304" pitchFamily="18" charset="0"/>
-                          <a:cs typeface="Times New Roman" panose="02020603050405020304" pitchFamily="18" charset="0"/>
-                        </a:rPr>
-                        <a:t>Decision Tree</a:t>
-                      </a:r>
-                      <a:endParaRPr lang="en-US" sz="1400">
-                        <a:effectLst/>
-                        <a:latin typeface="Times New Roman" panose="02020603050405020304" pitchFamily="18" charset="0"/>
-                        <a:ea typeface="Calibri" panose="020F0502020204030204" pitchFamily="34" charset="0"/>
-                        <a:cs typeface="Times New Roman" panose="02020603050405020304" pitchFamily="18" charset="0"/>
-                      </a:endParaRPr>
-                    </a:p>
-                  </a:txBody>
-                  <a:tcPr marL="68580" marR="68580" marT="0" marB="0"/>
-                </a:tc>
-                <a:tc>
-                  <a:txBody>
-                    <a:bodyPr/>
-                    <a:lstStyle/>
-                    <a:p>
-                      <a:pPr marL="0" marR="0">
-                        <a:lnSpc>
-                          <a:spcPct val="107000"/>
-                        </a:lnSpc>
-                        <a:spcBef>
-                          <a:spcPts val="0"/>
-                        </a:spcBef>
-                        <a:spcAft>
-                          <a:spcPts val="0"/>
-                        </a:spcAft>
-                      </a:pPr>
-                      <a:r>
-                        <a:rPr lang="en-US" sz="1400">
-                          <a:effectLst/>
-                          <a:latin typeface="Times New Roman" panose="02020603050405020304" pitchFamily="18" charset="0"/>
-                          <a:cs typeface="Times New Roman" panose="02020603050405020304" pitchFamily="18" charset="0"/>
-                        </a:rPr>
-                        <a:t>0.790525</a:t>
-                      </a:r>
-                      <a:endParaRPr lang="en-US" sz="1400">
-                        <a:effectLst/>
-                        <a:latin typeface="Times New Roman" panose="02020603050405020304" pitchFamily="18" charset="0"/>
-                        <a:ea typeface="Calibri" panose="020F0502020204030204" pitchFamily="34" charset="0"/>
-                        <a:cs typeface="Times New Roman" panose="02020603050405020304" pitchFamily="18" charset="0"/>
-                      </a:endParaRPr>
-                    </a:p>
-                  </a:txBody>
-                  <a:tcPr marL="68580" marR="68580" marT="0" marB="0"/>
-                </a:tc>
-                <a:tc>
-                  <a:txBody>
-                    <a:bodyPr/>
-                    <a:lstStyle/>
-                    <a:p>
-                      <a:pPr marL="0" marR="0">
-                        <a:lnSpc>
-                          <a:spcPct val="107000"/>
-                        </a:lnSpc>
-                        <a:spcBef>
-                          <a:spcPts val="0"/>
-                        </a:spcBef>
-                        <a:spcAft>
-                          <a:spcPts val="0"/>
-                        </a:spcAft>
-                      </a:pPr>
-                      <a:r>
-                        <a:rPr lang="en-US" sz="1200">
-                          <a:effectLst/>
-                          <a:latin typeface="Times New Roman" panose="02020603050405020304" pitchFamily="18" charset="0"/>
-                          <a:cs typeface="Times New Roman" panose="02020603050405020304" pitchFamily="18" charset="0"/>
-                        </a:rPr>
-                        <a:t>0.021938</a:t>
-                      </a:r>
-                      <a:endParaRPr lang="en-US" sz="1400">
-                        <a:effectLst/>
-                        <a:latin typeface="Times New Roman" panose="02020603050405020304" pitchFamily="18" charset="0"/>
-                        <a:ea typeface="Calibri" panose="020F0502020204030204" pitchFamily="34" charset="0"/>
-                        <a:cs typeface="Times New Roman" panose="02020603050405020304" pitchFamily="18" charset="0"/>
-                      </a:endParaRPr>
-                    </a:p>
-                  </a:txBody>
-                  <a:tcPr marL="68580" marR="68580" marT="0" marB="0"/>
-                </a:tc>
-                <a:tc>
-                  <a:txBody>
-                    <a:bodyPr/>
-                    <a:lstStyle/>
-                    <a:p>
-                      <a:pPr marL="0" marR="0">
-                        <a:lnSpc>
-                          <a:spcPct val="107000"/>
-                        </a:lnSpc>
-                        <a:spcBef>
-                          <a:spcPts val="0"/>
-                        </a:spcBef>
-                        <a:spcAft>
-                          <a:spcPts val="0"/>
-                        </a:spcAft>
-                      </a:pPr>
-                      <a:r>
-                        <a:rPr lang="en-US" sz="1400">
-                          <a:effectLst/>
-                          <a:latin typeface="Times New Roman" panose="02020603050405020304" pitchFamily="18" charset="0"/>
-                          <a:cs typeface="Times New Roman" panose="02020603050405020304" pitchFamily="18" charset="0"/>
-                        </a:rPr>
-                        <a:t>0.79</a:t>
-                      </a:r>
-                      <a:endParaRPr lang="en-US" sz="1400">
-                        <a:effectLst/>
-                        <a:latin typeface="Times New Roman" panose="02020603050405020304" pitchFamily="18" charset="0"/>
-                        <a:ea typeface="Calibri" panose="020F0502020204030204" pitchFamily="34" charset="0"/>
-                        <a:cs typeface="Times New Roman" panose="02020603050405020304" pitchFamily="18" charset="0"/>
-                      </a:endParaRPr>
-                    </a:p>
-                  </a:txBody>
-                  <a:tcPr marL="68580" marR="68580" marT="0" marB="0"/>
-                </a:tc>
-                <a:extLst>
-                  <a:ext uri="{0D108BD9-81ED-4DB2-BD59-A6C34878D82A}">
-                    <a16:rowId xmlns:a16="http://schemas.microsoft.com/office/drawing/2014/main" val="1836359163"/>
-                  </a:ext>
-                </a:extLst>
-              </a:tr>
-              <a:tr h="438974">
-                <a:tc>
-                  <a:txBody>
-                    <a:bodyPr/>
-                    <a:lstStyle/>
-                    <a:p>
-                      <a:pPr marL="0" marR="0" algn="r">
-                        <a:lnSpc>
-                          <a:spcPct val="107000"/>
-                        </a:lnSpc>
-                        <a:spcBef>
-                          <a:spcPts val="0"/>
-                        </a:spcBef>
-                        <a:spcAft>
-                          <a:spcPts val="0"/>
-                        </a:spcAft>
-                      </a:pPr>
-                      <a:r>
-                        <a:rPr lang="en-US" sz="1600">
-                          <a:effectLst/>
-                          <a:latin typeface="Times New Roman" panose="02020603050405020304" pitchFamily="18" charset="0"/>
-                          <a:cs typeface="Times New Roman" panose="02020603050405020304" pitchFamily="18" charset="0"/>
-                        </a:rPr>
-                        <a:t>6</a:t>
-                      </a:r>
-                      <a:endParaRPr lang="en-US" sz="1400">
-                        <a:effectLst/>
-                        <a:latin typeface="Times New Roman" panose="02020603050405020304" pitchFamily="18" charset="0"/>
-                        <a:ea typeface="Calibri" panose="020F0502020204030204" pitchFamily="34" charset="0"/>
-                        <a:cs typeface="Times New Roman" panose="02020603050405020304" pitchFamily="18" charset="0"/>
-                      </a:endParaRPr>
-                    </a:p>
-                  </a:txBody>
-                  <a:tcPr marL="68580" marR="68580" marT="0" marB="0"/>
-                </a:tc>
-                <a:tc>
-                  <a:txBody>
-                    <a:bodyPr/>
-                    <a:lstStyle/>
-                    <a:p>
-                      <a:pPr marL="0" marR="0">
-                        <a:lnSpc>
-                          <a:spcPct val="107000"/>
-                        </a:lnSpc>
-                        <a:spcBef>
-                          <a:spcPts val="0"/>
-                        </a:spcBef>
-                        <a:spcAft>
-                          <a:spcPts val="0"/>
-                        </a:spcAft>
-                      </a:pPr>
-                      <a:r>
-                        <a:rPr lang="en-US" sz="1400">
-                          <a:effectLst/>
-                          <a:latin typeface="Times New Roman" panose="02020603050405020304" pitchFamily="18" charset="0"/>
-                          <a:cs typeface="Times New Roman" panose="02020603050405020304" pitchFamily="18" charset="0"/>
-                        </a:rPr>
-                        <a:t>KNeighbors</a:t>
-                      </a:r>
-                      <a:endParaRPr lang="en-US" sz="1400">
-                        <a:effectLst/>
-                        <a:latin typeface="Times New Roman" panose="02020603050405020304" pitchFamily="18" charset="0"/>
-                        <a:ea typeface="Calibri" panose="020F0502020204030204" pitchFamily="34" charset="0"/>
-                        <a:cs typeface="Times New Roman" panose="02020603050405020304" pitchFamily="18" charset="0"/>
-                      </a:endParaRPr>
-                    </a:p>
-                  </a:txBody>
-                  <a:tcPr marL="68580" marR="68580" marT="0" marB="0"/>
-                </a:tc>
-                <a:tc>
-                  <a:txBody>
-                    <a:bodyPr/>
-                    <a:lstStyle/>
-                    <a:p>
-                      <a:pPr marL="0" marR="0">
-                        <a:lnSpc>
-                          <a:spcPct val="107000"/>
-                        </a:lnSpc>
-                        <a:spcBef>
-                          <a:spcPts val="0"/>
-                        </a:spcBef>
-                        <a:spcAft>
-                          <a:spcPts val="0"/>
-                        </a:spcAft>
-                      </a:pPr>
-                      <a:r>
-                        <a:rPr lang="en-US" sz="1400">
-                          <a:effectLst/>
-                          <a:latin typeface="Times New Roman" panose="02020603050405020304" pitchFamily="18" charset="0"/>
-                          <a:cs typeface="Times New Roman" panose="02020603050405020304" pitchFamily="18" charset="0"/>
-                        </a:rPr>
-                        <a:t>0.788592</a:t>
-                      </a:r>
-                      <a:endParaRPr lang="en-US" sz="1400">
-                        <a:effectLst/>
-                        <a:latin typeface="Times New Roman" panose="02020603050405020304" pitchFamily="18" charset="0"/>
-                        <a:ea typeface="Calibri" panose="020F0502020204030204" pitchFamily="34" charset="0"/>
-                        <a:cs typeface="Times New Roman" panose="02020603050405020304" pitchFamily="18" charset="0"/>
-                      </a:endParaRPr>
-                    </a:p>
-                  </a:txBody>
-                  <a:tcPr marL="68580" marR="68580" marT="0" marB="0"/>
-                </a:tc>
-                <a:tc>
-                  <a:txBody>
-                    <a:bodyPr/>
-                    <a:lstStyle/>
-                    <a:p>
-                      <a:pPr marL="0" marR="0">
-                        <a:lnSpc>
-                          <a:spcPct val="107000"/>
-                        </a:lnSpc>
-                        <a:spcBef>
-                          <a:spcPts val="0"/>
-                        </a:spcBef>
-                        <a:spcAft>
-                          <a:spcPts val="0"/>
-                        </a:spcAft>
-                      </a:pPr>
-                      <a:r>
-                        <a:rPr lang="en-US" sz="1200">
-                          <a:effectLst/>
-                          <a:latin typeface="Times New Roman" panose="02020603050405020304" pitchFamily="18" charset="0"/>
-                          <a:cs typeface="Times New Roman" panose="02020603050405020304" pitchFamily="18" charset="0"/>
-                        </a:rPr>
-                        <a:t>0.998034</a:t>
-                      </a:r>
-                      <a:endParaRPr lang="en-US" sz="1400">
-                        <a:effectLst/>
-                        <a:latin typeface="Times New Roman" panose="02020603050405020304" pitchFamily="18" charset="0"/>
-                        <a:ea typeface="Calibri" panose="020F0502020204030204" pitchFamily="34" charset="0"/>
-                        <a:cs typeface="Times New Roman" panose="02020603050405020304" pitchFamily="18" charset="0"/>
-                      </a:endParaRPr>
-                    </a:p>
-                  </a:txBody>
-                  <a:tcPr marL="68580" marR="68580" marT="0" marB="0"/>
-                </a:tc>
-                <a:tc>
-                  <a:txBody>
-                    <a:bodyPr/>
-                    <a:lstStyle/>
-                    <a:p>
-                      <a:pPr marL="0" marR="0">
-                        <a:lnSpc>
-                          <a:spcPct val="107000"/>
-                        </a:lnSpc>
-                        <a:spcBef>
-                          <a:spcPts val="0"/>
-                        </a:spcBef>
-                        <a:spcAft>
-                          <a:spcPts val="0"/>
-                        </a:spcAft>
-                      </a:pPr>
-                      <a:r>
-                        <a:rPr lang="en-US" sz="1400" dirty="0">
-                          <a:effectLst/>
-                          <a:latin typeface="Times New Roman" panose="02020603050405020304" pitchFamily="18" charset="0"/>
-                          <a:cs typeface="Times New Roman" panose="02020603050405020304" pitchFamily="18" charset="0"/>
-                        </a:rPr>
-                        <a:t>0.86</a:t>
-                      </a:r>
-                      <a:endParaRPr lang="en-US" sz="1400" dirty="0">
-                        <a:effectLst/>
-                        <a:latin typeface="Times New Roman" panose="02020603050405020304" pitchFamily="18" charset="0"/>
-                        <a:ea typeface="Calibri" panose="020F0502020204030204" pitchFamily="34" charset="0"/>
-                        <a:cs typeface="Times New Roman" panose="02020603050405020304" pitchFamily="18" charset="0"/>
-                      </a:endParaRPr>
-                    </a:p>
-                  </a:txBody>
-                  <a:tcPr marL="68580" marR="68580" marT="0" marB="0"/>
-                </a:tc>
-                <a:extLst>
-                  <a:ext uri="{0D108BD9-81ED-4DB2-BD59-A6C34878D82A}">
-                    <a16:rowId xmlns:a16="http://schemas.microsoft.com/office/drawing/2014/main" val="1305827020"/>
-                  </a:ext>
-                </a:extLst>
-              </a:tr>
-            </a:tbl>
-          </a:graphicData>
-        </a:graphic>
-      </p:graphicFrame>
-      <p:sp>
-        <p:nvSpPr>
-          <p:cNvPr id="12" name="TextBox 11"/>
-          <p:cNvSpPr txBox="1"/>
-          <p:nvPr/>
-        </p:nvSpPr>
-        <p:spPr>
-          <a:xfrm>
-            <a:off x="7709644" y="1873858"/>
-            <a:ext cx="4285132" cy="3971132"/>
-          </a:xfrm>
-          <a:prstGeom prst="rect">
-            <a:avLst/>
-          </a:prstGeom>
-          <a:noFill/>
-        </p:spPr>
-        <p:txBody>
-          <a:bodyPr wrap="square" rtlCol="0">
-            <a:spAutoFit/>
-          </a:bodyPr>
-          <a:lstStyle/>
-          <a:p>
-            <a:endParaRPr lang="en-US" dirty="0"/>
-          </a:p>
-        </p:txBody>
-      </p:sp>
-      <p:sp>
-        <p:nvSpPr>
-          <p:cNvPr id="13" name="TextBox 12"/>
-          <p:cNvSpPr txBox="1"/>
-          <p:nvPr/>
-        </p:nvSpPr>
-        <p:spPr>
-          <a:xfrm>
-            <a:off x="7709644" y="1878858"/>
-            <a:ext cx="4267203" cy="4216539"/>
-          </a:xfrm>
-          <a:prstGeom prst="rect">
-            <a:avLst/>
-          </a:prstGeom>
-          <a:noFill/>
-        </p:spPr>
-        <p:txBody>
-          <a:bodyPr wrap="square" rtlCol="0">
-            <a:spAutoFit/>
-          </a:bodyPr>
-          <a:lstStyle/>
-          <a:p>
-            <a:pPr algn="ctr"/>
-            <a:r>
-              <a:rPr lang="en-US" sz="2800" b="1" dirty="0"/>
-              <a:t>Model Chosen</a:t>
-            </a:r>
-          </a:p>
-          <a:p>
-            <a:pPr algn="ctr"/>
-            <a:endParaRPr lang="en-US" sz="2000" b="1" dirty="0"/>
-          </a:p>
-          <a:p>
-            <a:pPr algn="just"/>
-            <a:r>
-              <a:rPr lang="en-US" sz="2000" dirty="0">
                 <a:latin typeface="Times New Roman" panose="02020603050405020304" pitchFamily="18" charset="0"/>
                 <a:cs typeface="Times New Roman" panose="02020603050405020304" pitchFamily="18" charset="0"/>
               </a:rPr>
-              <a:t>Given the performance of the models, the amount of categorical data contained in the dataset, and the objective of my work, I chose the Random forest classification model with an accuracy of and in a time of 0.76 seconds</a:t>
+              <a:t>The majority of these women are not in formal relationships and they have less than 5 children. only 1/2 are married, and 3/10 have more than 5 children</a:t>
             </a:r>
-            <a:endParaRPr lang="en-US" sz="2000" b="1" dirty="0"/>
-          </a:p>
-          <a:p>
-            <a:pPr algn="ctr"/>
-            <a:endParaRPr lang="en-US" sz="2000" b="1" dirty="0"/>
-          </a:p>
-          <a:p>
-            <a:pPr algn="ctr"/>
-            <a:endParaRPr lang="en-US" sz="2000" b="1" dirty="0"/>
-          </a:p>
-          <a:p>
-            <a:pPr algn="ctr"/>
-            <a:endParaRPr lang="en-US" sz="2000" b="1" dirty="0"/>
-          </a:p>
-          <a:p>
-            <a:pPr algn="ctr"/>
-            <a:endParaRPr lang="en-US" sz="2000" b="1" dirty="0"/>
-          </a:p>
-        </p:txBody>
-      </p:sp>
-    </p:spTree>
-    <p:extLst>
-      <p:ext uri="{BB962C8B-B14F-4D97-AF65-F5344CB8AC3E}">
-        <p14:creationId xmlns:p14="http://schemas.microsoft.com/office/powerpoint/2010/main" val="8517291"/>
-      </p:ext>
-    </p:extLst>
-  </p:cSld>
-  <p:clrMapOvr>
-    <a:masterClrMapping/>
-  </p:clrMapOvr>
-</p:sld>
-</file>
-
-<file path=ppt/slides/slide9.xml><?xml version="1.0" encoding="utf-8"?>
-<p:sld xmlns:a="http://schemas.openxmlformats.org/drawingml/2006/main" xmlns:r="http://schemas.openxmlformats.org/officeDocument/2006/relationships" xmlns:p="http://schemas.openxmlformats.org/presentationml/2006/main">
-  <p:cSld>
-    <p:spTree>
-      <p:nvGrpSpPr>
-        <p:cNvPr id="1" name=""/>
-        <p:cNvGrpSpPr/>
-        <p:nvPr/>
-      </p:nvGrpSpPr>
-      <p:grpSpPr>
-        <a:xfrm>
-          <a:off x="0" y="0"/>
-          <a:ext cx="0" cy="0"/>
-          <a:chOff x="0" y="0"/>
-          <a:chExt cx="0" cy="0"/>
-        </a:xfrm>
-      </p:grpSpPr>
-      <p:sp>
-        <p:nvSpPr>
-          <p:cNvPr id="3" name="Rectangle 2"/>
-          <p:cNvSpPr/>
-          <p:nvPr/>
-        </p:nvSpPr>
-        <p:spPr>
-          <a:xfrm>
-            <a:off x="1" y="304799"/>
-            <a:ext cx="12192000" cy="702365"/>
-          </a:xfrm>
-          <a:prstGeom prst="rect">
-            <a:avLst/>
-          </a:prstGeom>
-          <a:solidFill>
-            <a:srgbClr val="0C7185">
-              <a:alpha val="60000"/>
-            </a:srgbClr>
-          </a:solidFill>
-          <a:ln>
-            <a:solidFill>
-              <a:schemeClr val="accent1">
-                <a:shade val="50000"/>
-                <a:alpha val="70000"/>
-              </a:schemeClr>
-            </a:solidFill>
-          </a:ln>
-        </p:spPr>
-        <p:style>
-          <a:lnRef idx="2">
-            <a:schemeClr val="accent1">
-              <a:shade val="50000"/>
-            </a:schemeClr>
-          </a:lnRef>
-          <a:fillRef idx="1">
-            <a:schemeClr val="accent1"/>
-          </a:fillRef>
-          <a:effectRef idx="0">
-            <a:schemeClr val="accent1"/>
-          </a:effectRef>
-          <a:fontRef idx="minor">
-            <a:schemeClr val="lt1"/>
-          </a:fontRef>
-        </p:style>
-        <p:txBody>
-          <a:bodyPr rtlCol="0" anchor="ctr"/>
-          <a:lstStyle/>
-          <a:p>
-            <a:pPr algn="ctr"/>
-            <a:r>
-              <a:rPr lang="en-US" sz="2400" b="1" dirty="0">
-                <a:solidFill>
-                  <a:schemeClr val="tx1"/>
-                </a:solidFill>
-              </a:rPr>
-              <a:t>RECOMMENDATION</a:t>
-            </a:r>
+            <a:endParaRPr lang="en-US" dirty="0"/>
           </a:p>
         </p:txBody>
       </p:sp>
       <p:pic>
         <p:nvPicPr>
-          <p:cNvPr id="4" name="Picture 3"/>
+          <p:cNvPr id="12" name="Picture 11"/>
           <p:cNvPicPr>
             <a:picLocks noChangeAspect="1"/>
           </p:cNvPicPr>
           <p:nvPr/>
         </p:nvPicPr>
         <p:blipFill>
-          <a:blip r:embed="rId2" cstate="print">
+          <a:blip r:embed="rId2">
             <a:extLst>
               <a:ext uri="{28A0092B-C50C-407E-A947-70E740481C1C}">
                 <a14:useLocalDpi xmlns:a14="http://schemas.microsoft.com/office/drawing/2010/main" val="0"/>
@@ -17626,964 +15489,54 @@
         </p:blipFill>
         <p:spPr>
           <a:xfrm>
-            <a:off x="0" y="6051727"/>
-            <a:ext cx="2701291" cy="2025968"/>
+            <a:off x="7775" y="1240690"/>
+            <a:ext cx="5625397" cy="3542857"/>
           </a:xfrm>
           <a:prstGeom prst="rect">
             <a:avLst/>
           </a:prstGeom>
         </p:spPr>
       </p:pic>
-      <p:grpSp>
-        <p:nvGrpSpPr>
-          <p:cNvPr id="21" name="Group 20"/>
-          <p:cNvGrpSpPr/>
+      <p:pic>
+        <p:nvPicPr>
+          <p:cNvPr id="13" name="Picture 12"/>
+          <p:cNvPicPr>
+            <a:picLocks noChangeAspect="1"/>
+          </p:cNvPicPr>
           <p:nvPr/>
-        </p:nvGrpSpPr>
-        <p:grpSpPr>
+        </p:nvPicPr>
+        <p:blipFill>
+          <a:blip r:embed="rId3">
+            <a:extLst>
+              <a:ext uri="{28A0092B-C50C-407E-A947-70E740481C1C}">
+                <a14:useLocalDpi xmlns:a14="http://schemas.microsoft.com/office/drawing/2010/main" val="0"/>
+              </a:ext>
+            </a:extLst>
+          </a:blip>
+          <a:stretch>
+            <a:fillRect/>
+          </a:stretch>
+        </p:blipFill>
+        <p:spPr>
           <a:xfrm>
-            <a:off x="0" y="1833191"/>
-            <a:ext cx="5432612" cy="1611438"/>
-            <a:chOff x="0" y="1833191"/>
-            <a:chExt cx="5432612" cy="1611438"/>
+            <a:off x="6295026" y="1240689"/>
+            <a:ext cx="4926984" cy="3542857"/>
           </a:xfrm>
-        </p:grpSpPr>
-        <p:sp>
-          <p:nvSpPr>
-            <p:cNvPr id="5" name="Rectangle 4"/>
-            <p:cNvSpPr/>
-            <p:nvPr/>
-          </p:nvSpPr>
-          <p:spPr>
-            <a:xfrm>
-              <a:off x="0" y="1833191"/>
-              <a:ext cx="5432612" cy="1546412"/>
-            </a:xfrm>
-            <a:prstGeom prst="rect">
-              <a:avLst/>
-            </a:prstGeom>
-            <a:solidFill>
-              <a:schemeClr val="accent1">
-                <a:lumMod val="40000"/>
-                <a:lumOff val="60000"/>
-                <a:alpha val="70000"/>
-              </a:schemeClr>
-            </a:solidFill>
-            <a:ln>
-              <a:noFill/>
-            </a:ln>
-          </p:spPr>
-          <p:style>
-            <a:lnRef idx="2">
-              <a:schemeClr val="accent1">
-                <a:shade val="50000"/>
-              </a:schemeClr>
-            </a:lnRef>
-            <a:fillRef idx="1">
-              <a:schemeClr val="accent1"/>
-            </a:fillRef>
-            <a:effectRef idx="0">
-              <a:schemeClr val="accent1"/>
-            </a:effectRef>
-            <a:fontRef idx="minor">
-              <a:schemeClr val="lt1"/>
-            </a:fontRef>
-          </p:style>
-          <p:txBody>
-            <a:bodyPr rtlCol="0" anchor="ctr"/>
-            <a:lstStyle/>
-            <a:p>
-              <a:pPr algn="ctr"/>
-              <a:endParaRPr lang="en-US" dirty="0">
-                <a:solidFill>
-                  <a:schemeClr val="tx1"/>
-                </a:solidFill>
-              </a:endParaRPr>
-            </a:p>
-          </p:txBody>
-        </p:sp>
-        <p:pic>
-          <p:nvPicPr>
-            <p:cNvPr id="2" name="Picture 1"/>
-            <p:cNvPicPr>
-              <a:picLocks noChangeAspect="1"/>
-            </p:cNvPicPr>
-            <p:nvPr/>
-          </p:nvPicPr>
-          <p:blipFill>
-            <a:blip r:embed="rId3">
-              <a:extLst>
-                <a:ext uri="{28A0092B-C50C-407E-A947-70E740481C1C}">
-                  <a14:useLocalDpi xmlns:a14="http://schemas.microsoft.com/office/drawing/2010/main" val="0"/>
-                </a:ext>
-              </a:extLst>
-            </a:blip>
-            <a:stretch>
-              <a:fillRect/>
-            </a:stretch>
-          </p:blipFill>
-          <p:spPr>
-            <a:xfrm>
-              <a:off x="0" y="1833191"/>
-              <a:ext cx="1529500" cy="1611438"/>
-            </a:xfrm>
-            <a:prstGeom prst="rect">
-              <a:avLst/>
-            </a:prstGeom>
-          </p:spPr>
-        </p:pic>
-        <p:sp>
-          <p:nvSpPr>
-            <p:cNvPr id="9" name="TextBox 8"/>
-            <p:cNvSpPr txBox="1"/>
-            <p:nvPr/>
-          </p:nvSpPr>
-          <p:spPr>
-            <a:xfrm>
-              <a:off x="1578612" y="1844191"/>
-              <a:ext cx="3854000" cy="1323439"/>
-            </a:xfrm>
-            <a:prstGeom prst="rect">
-              <a:avLst/>
-            </a:prstGeom>
-            <a:noFill/>
-          </p:spPr>
-          <p:txBody>
-            <a:bodyPr wrap="square" rtlCol="0">
-              <a:spAutoFit/>
-            </a:bodyPr>
-            <a:lstStyle/>
-            <a:p>
-              <a:pPr algn="ctr"/>
-              <a:r>
-                <a:rPr lang="en-US" sz="2000" b="1" dirty="0"/>
-                <a:t>To sensitize the population on the importance of financial independence for them and even for the country</a:t>
-              </a:r>
-            </a:p>
-          </p:txBody>
-        </p:sp>
-      </p:grpSp>
-      <p:grpSp>
-        <p:nvGrpSpPr>
-          <p:cNvPr id="18" name="Group 17"/>
-          <p:cNvGrpSpPr/>
-          <p:nvPr/>
-        </p:nvGrpSpPr>
-        <p:grpSpPr>
-          <a:xfrm>
-            <a:off x="6683381" y="1794771"/>
-            <a:ext cx="5481724" cy="1649858"/>
-            <a:chOff x="6683381" y="1794771"/>
-            <a:chExt cx="5481724" cy="1649858"/>
-          </a:xfrm>
-        </p:grpSpPr>
-        <p:sp>
-          <p:nvSpPr>
-            <p:cNvPr id="8" name="Rectangle 7"/>
-            <p:cNvSpPr/>
-            <p:nvPr/>
-          </p:nvSpPr>
-          <p:spPr>
-            <a:xfrm>
-              <a:off x="6732493" y="1833191"/>
-              <a:ext cx="5432612" cy="1546412"/>
-            </a:xfrm>
-            <a:prstGeom prst="rect">
-              <a:avLst/>
-            </a:prstGeom>
-            <a:solidFill>
-              <a:schemeClr val="accent1">
-                <a:lumMod val="40000"/>
-                <a:lumOff val="60000"/>
-                <a:alpha val="70000"/>
-              </a:schemeClr>
-            </a:solidFill>
-            <a:ln>
-              <a:noFill/>
-            </a:ln>
-          </p:spPr>
-          <p:style>
-            <a:lnRef idx="2">
-              <a:schemeClr val="accent1">
-                <a:shade val="50000"/>
-              </a:schemeClr>
-            </a:lnRef>
-            <a:fillRef idx="1">
-              <a:schemeClr val="accent1"/>
-            </a:fillRef>
-            <a:effectRef idx="0">
-              <a:schemeClr val="accent1"/>
-            </a:effectRef>
-            <a:fontRef idx="minor">
-              <a:schemeClr val="lt1"/>
-            </a:fontRef>
-          </p:style>
-          <p:txBody>
-            <a:bodyPr rtlCol="0" anchor="ctr"/>
-            <a:lstStyle/>
-            <a:p>
-              <a:pPr algn="ctr"/>
-              <a:endParaRPr lang="en-US"/>
-            </a:p>
-          </p:txBody>
-        </p:sp>
-        <p:pic>
-          <p:nvPicPr>
-            <p:cNvPr id="11" name="Picture 10"/>
-            <p:cNvPicPr>
-              <a:picLocks noChangeAspect="1"/>
-            </p:cNvPicPr>
-            <p:nvPr/>
-          </p:nvPicPr>
-          <p:blipFill>
-            <a:blip r:embed="rId4" cstate="print">
-              <a:extLst>
-                <a:ext uri="{28A0092B-C50C-407E-A947-70E740481C1C}">
-                  <a14:useLocalDpi xmlns:a14="http://schemas.microsoft.com/office/drawing/2010/main" val="0"/>
-                </a:ext>
-              </a:extLst>
-            </a:blip>
-            <a:stretch>
-              <a:fillRect/>
-            </a:stretch>
-          </p:blipFill>
-          <p:spPr>
-            <a:xfrm>
-              <a:off x="6683381" y="1794771"/>
-              <a:ext cx="1547540" cy="1649858"/>
-            </a:xfrm>
-            <a:prstGeom prst="rect">
-              <a:avLst/>
-            </a:prstGeom>
-          </p:spPr>
-        </p:pic>
-        <p:sp>
-          <p:nvSpPr>
-            <p:cNvPr id="12" name="TextBox 11"/>
-            <p:cNvSpPr txBox="1"/>
-            <p:nvPr/>
-          </p:nvSpPr>
-          <p:spPr>
-            <a:xfrm>
-              <a:off x="8210229" y="2052735"/>
-              <a:ext cx="3807600" cy="1015663"/>
-            </a:xfrm>
-            <a:prstGeom prst="rect">
-              <a:avLst/>
-            </a:prstGeom>
-            <a:noFill/>
-            <a:ln>
-              <a:noFill/>
-            </a:ln>
-          </p:spPr>
-          <p:txBody>
-            <a:bodyPr wrap="square" rtlCol="0">
-              <a:spAutoFit/>
-            </a:bodyPr>
-            <a:lstStyle/>
-            <a:p>
-              <a:pPr algn="ctr"/>
-              <a:r>
-                <a:rPr lang="en-US" sz="2000" b="1" dirty="0"/>
-                <a:t>Implement financial policies to increase access to financial services in rural areas</a:t>
-              </a:r>
-            </a:p>
-          </p:txBody>
-        </p:sp>
-      </p:grpSp>
-      <p:grpSp>
-        <p:nvGrpSpPr>
-          <p:cNvPr id="19" name="Group 18"/>
-          <p:cNvGrpSpPr/>
-          <p:nvPr/>
-        </p:nvGrpSpPr>
-        <p:grpSpPr>
-          <a:xfrm>
-            <a:off x="0" y="4013072"/>
-            <a:ext cx="5432612" cy="1580872"/>
-            <a:chOff x="0" y="4013072"/>
-            <a:chExt cx="5432612" cy="1580872"/>
-          </a:xfrm>
-        </p:grpSpPr>
-        <p:sp>
-          <p:nvSpPr>
-            <p:cNvPr id="7" name="Rectangle 6"/>
-            <p:cNvSpPr/>
-            <p:nvPr/>
-          </p:nvSpPr>
-          <p:spPr>
-            <a:xfrm>
-              <a:off x="0" y="4013072"/>
-              <a:ext cx="5432612" cy="1470212"/>
-            </a:xfrm>
-            <a:prstGeom prst="rect">
-              <a:avLst/>
-            </a:prstGeom>
-            <a:solidFill>
-              <a:schemeClr val="accent1">
-                <a:lumMod val="40000"/>
-                <a:lumOff val="60000"/>
-                <a:alpha val="70000"/>
-              </a:schemeClr>
-            </a:solidFill>
-            <a:ln>
-              <a:noFill/>
-            </a:ln>
-          </p:spPr>
-          <p:style>
-            <a:lnRef idx="2">
-              <a:schemeClr val="accent1">
-                <a:shade val="50000"/>
-              </a:schemeClr>
-            </a:lnRef>
-            <a:fillRef idx="1">
-              <a:schemeClr val="accent1"/>
-            </a:fillRef>
-            <a:effectRef idx="0">
-              <a:schemeClr val="accent1"/>
-            </a:effectRef>
-            <a:fontRef idx="minor">
-              <a:schemeClr val="lt1"/>
-            </a:fontRef>
-          </p:style>
-          <p:txBody>
-            <a:bodyPr rtlCol="0" anchor="ctr"/>
-            <a:lstStyle/>
-            <a:p>
-              <a:pPr algn="ctr"/>
-              <a:endParaRPr lang="en-US"/>
-            </a:p>
-          </p:txBody>
-        </p:sp>
-        <p:pic>
-          <p:nvPicPr>
-            <p:cNvPr id="13" name="Picture 12"/>
-            <p:cNvPicPr>
-              <a:picLocks noChangeAspect="1"/>
-            </p:cNvPicPr>
-            <p:nvPr/>
-          </p:nvPicPr>
-          <p:blipFill>
-            <a:blip r:embed="rId5">
-              <a:extLst>
-                <a:ext uri="{28A0092B-C50C-407E-A947-70E740481C1C}">
-                  <a14:useLocalDpi xmlns:a14="http://schemas.microsoft.com/office/drawing/2010/main" val="0"/>
-                </a:ext>
-              </a:extLst>
-            </a:blip>
-            <a:stretch>
-              <a:fillRect/>
-            </a:stretch>
-          </p:blipFill>
-          <p:spPr>
-            <a:xfrm>
-              <a:off x="13652" y="4078097"/>
-              <a:ext cx="1515847" cy="1515847"/>
-            </a:xfrm>
-            <a:prstGeom prst="rect">
-              <a:avLst/>
-            </a:prstGeom>
-            <a:solidFill>
-              <a:srgbClr val="FFFFFF">
-                <a:shade val="85000"/>
-              </a:srgbClr>
-            </a:solidFill>
-            <a:ln w="88900" cap="sq">
-              <a:solidFill>
-                <a:srgbClr val="FFFFFF"/>
-              </a:solidFill>
-              <a:miter lim="800000"/>
-            </a:ln>
-            <a:effectLst>
-              <a:outerShdw blurRad="55000" dist="18000" dir="5400000" algn="tl" rotWithShape="0">
-                <a:srgbClr val="000000">
-                  <a:alpha val="40000"/>
-                </a:srgbClr>
-              </a:outerShdw>
-            </a:effectLst>
-            <a:scene3d>
-              <a:camera prst="orthographicFront"/>
-              <a:lightRig rig="twoPt" dir="t">
-                <a:rot lat="0" lon="0" rev="7200000"/>
-              </a:lightRig>
-            </a:scene3d>
-            <a:sp3d>
-              <a:bevelT w="25400" h="19050"/>
-              <a:contourClr>
-                <a:srgbClr val="FFFFFF"/>
-              </a:contourClr>
-            </a:sp3d>
-          </p:spPr>
-        </p:pic>
-        <p:sp>
-          <p:nvSpPr>
-            <p:cNvPr id="14" name="TextBox 13"/>
-            <p:cNvSpPr txBox="1"/>
-            <p:nvPr/>
-          </p:nvSpPr>
-          <p:spPr>
-            <a:xfrm>
-              <a:off x="1422400" y="4460033"/>
-              <a:ext cx="3746759" cy="707886"/>
-            </a:xfrm>
-            <a:prstGeom prst="rect">
-              <a:avLst/>
-            </a:prstGeom>
-            <a:noFill/>
-          </p:spPr>
-          <p:txBody>
-            <a:bodyPr wrap="square" rtlCol="0">
-              <a:spAutoFit/>
-            </a:bodyPr>
-            <a:lstStyle/>
-            <a:p>
-              <a:pPr algn="ctr"/>
-              <a:r>
-                <a:rPr lang="en-US" sz="2000" b="1" dirty="0"/>
-                <a:t>Investing in women's education in Haiti</a:t>
-              </a:r>
-            </a:p>
-          </p:txBody>
-        </p:sp>
-      </p:grpSp>
-      <p:grpSp>
-        <p:nvGrpSpPr>
-          <p:cNvPr id="20" name="Group 19"/>
-          <p:cNvGrpSpPr/>
-          <p:nvPr/>
-        </p:nvGrpSpPr>
-        <p:grpSpPr>
-          <a:xfrm>
-            <a:off x="6732493" y="4013072"/>
-            <a:ext cx="5432612" cy="1470213"/>
-            <a:chOff x="6732493" y="4013072"/>
-            <a:chExt cx="5432612" cy="1470213"/>
-          </a:xfrm>
-        </p:grpSpPr>
-        <p:sp>
-          <p:nvSpPr>
-            <p:cNvPr id="6" name="Rectangle 5"/>
-            <p:cNvSpPr/>
-            <p:nvPr/>
-          </p:nvSpPr>
-          <p:spPr>
-            <a:xfrm>
-              <a:off x="6732493" y="4013072"/>
-              <a:ext cx="5432612" cy="1470212"/>
-            </a:xfrm>
-            <a:prstGeom prst="rect">
-              <a:avLst/>
-            </a:prstGeom>
-            <a:solidFill>
-              <a:schemeClr val="accent1">
-                <a:lumMod val="40000"/>
-                <a:lumOff val="60000"/>
-                <a:alpha val="70000"/>
-              </a:schemeClr>
-            </a:solidFill>
-            <a:ln>
-              <a:noFill/>
-            </a:ln>
-          </p:spPr>
-          <p:style>
-            <a:lnRef idx="2">
-              <a:schemeClr val="accent1">
-                <a:shade val="50000"/>
-              </a:schemeClr>
-            </a:lnRef>
-            <a:fillRef idx="1">
-              <a:schemeClr val="accent1"/>
-            </a:fillRef>
-            <a:effectRef idx="0">
-              <a:schemeClr val="accent1"/>
-            </a:effectRef>
-            <a:fontRef idx="minor">
-              <a:schemeClr val="lt1"/>
-            </a:fontRef>
-          </p:style>
-          <p:txBody>
-            <a:bodyPr rtlCol="0" anchor="ctr"/>
-            <a:lstStyle/>
-            <a:p>
-              <a:pPr algn="ctr"/>
-              <a:endParaRPr lang="en-US" sz="2000" b="1" dirty="0">
-                <a:solidFill>
-                  <a:schemeClr val="tx1"/>
-                </a:solidFill>
-              </a:endParaRPr>
-            </a:p>
-          </p:txBody>
-        </p:sp>
-        <p:pic>
-          <p:nvPicPr>
-            <p:cNvPr id="15" name="Picture 14"/>
-            <p:cNvPicPr>
-              <a:picLocks noChangeAspect="1"/>
-            </p:cNvPicPr>
-            <p:nvPr/>
-          </p:nvPicPr>
-          <p:blipFill>
-            <a:blip r:embed="rId6" cstate="print">
-              <a:extLst>
-                <a:ext uri="{28A0092B-C50C-407E-A947-70E740481C1C}">
-                  <a14:useLocalDpi xmlns:a14="http://schemas.microsoft.com/office/drawing/2010/main" val="0"/>
-                </a:ext>
-              </a:extLst>
-            </a:blip>
-            <a:stretch>
-              <a:fillRect/>
-            </a:stretch>
-          </p:blipFill>
-          <p:spPr>
-            <a:xfrm>
-              <a:off x="6732493" y="4013073"/>
-              <a:ext cx="1291834" cy="1470212"/>
-            </a:xfrm>
-            <a:prstGeom prst="rect">
-              <a:avLst/>
-            </a:prstGeom>
-            <a:ln>
-              <a:noFill/>
-            </a:ln>
-          </p:spPr>
-        </p:pic>
-        <p:sp>
-          <p:nvSpPr>
-            <p:cNvPr id="16" name="TextBox 15"/>
-            <p:cNvSpPr txBox="1"/>
-            <p:nvPr/>
-          </p:nvSpPr>
-          <p:spPr>
-            <a:xfrm>
-              <a:off x="8537770" y="4240346"/>
-              <a:ext cx="3152518" cy="1015663"/>
-            </a:xfrm>
-            <a:prstGeom prst="rect">
-              <a:avLst/>
-            </a:prstGeom>
-            <a:noFill/>
-            <a:ln>
-              <a:noFill/>
-            </a:ln>
-          </p:spPr>
-          <p:txBody>
-            <a:bodyPr wrap="square" rtlCol="0">
-              <a:spAutoFit/>
-            </a:bodyPr>
-            <a:lstStyle/>
-            <a:p>
-              <a:r>
-                <a:rPr lang="en-US" sz="2000" b="1" dirty="0"/>
-                <a:t>The responsible institutions must take concrete actions to defend women's rights</a:t>
-              </a:r>
-            </a:p>
-          </p:txBody>
-        </p:sp>
-      </p:grpSp>
+          <a:prstGeom prst="rect">
+            <a:avLst/>
+          </a:prstGeom>
+        </p:spPr>
+      </p:pic>
     </p:spTree>
     <p:extLst>
       <p:ext uri="{BB962C8B-B14F-4D97-AF65-F5344CB8AC3E}">
-        <p14:creationId xmlns:p14="http://schemas.microsoft.com/office/powerpoint/2010/main" val="1663132200"/>
+        <p14:creationId xmlns:p14="http://schemas.microsoft.com/office/powerpoint/2010/main" val="2137815926"/>
       </p:ext>
     </p:extLst>
   </p:cSld>
   <p:clrMapOvr>
     <a:masterClrMapping/>
   </p:clrMapOvr>
-  <p:timing>
-    <p:tnLst>
-      <p:par>
-        <p:cTn id="1" dur="indefinite" restart="never" nodeType="tmRoot">
-          <p:childTnLst>
-            <p:seq concurrent="1" nextAc="seek">
-              <p:cTn id="2" dur="indefinite" nodeType="mainSeq">
-                <p:childTnLst>
-                  <p:par>
-                    <p:cTn id="3" fill="hold">
-                      <p:stCondLst>
-                        <p:cond delay="indefinite"/>
-                      </p:stCondLst>
-                      <p:childTnLst>
-                        <p:par>
-                          <p:cTn id="4" fill="hold">
-                            <p:stCondLst>
-                              <p:cond delay="0"/>
-                            </p:stCondLst>
-                            <p:childTnLst>
-                              <p:par>
-                                <p:cTn id="5" presetID="2" presetClass="entr" presetSubtype="4" fill="hold" nodeType="clickEffect">
-                                  <p:stCondLst>
-                                    <p:cond delay="0"/>
-                                  </p:stCondLst>
-                                  <p:childTnLst>
-                                    <p:set>
-                                      <p:cBhvr>
-                                        <p:cTn id="6" dur="1" fill="hold">
-                                          <p:stCondLst>
-                                            <p:cond delay="0"/>
-                                          </p:stCondLst>
-                                        </p:cTn>
-                                        <p:tgtEl>
-                                          <p:spTgt spid="20"/>
-                                        </p:tgtEl>
-                                        <p:attrNameLst>
-                                          <p:attrName>style.visibility</p:attrName>
-                                        </p:attrNameLst>
-                                      </p:cBhvr>
-                                      <p:to>
-                                        <p:strVal val="visible"/>
-                                      </p:to>
-                                    </p:set>
-                                    <p:anim calcmode="lin" valueType="num">
-                                      <p:cBhvr additive="base">
-                                        <p:cTn id="7" dur="500" fill="hold"/>
-                                        <p:tgtEl>
-                                          <p:spTgt spid="20"/>
-                                        </p:tgtEl>
-                                        <p:attrNameLst>
-                                          <p:attrName>ppt_x</p:attrName>
-                                        </p:attrNameLst>
-                                      </p:cBhvr>
-                                      <p:tavLst>
-                                        <p:tav tm="0">
-                                          <p:val>
-                                            <p:strVal val="#ppt_x"/>
-                                          </p:val>
-                                        </p:tav>
-                                        <p:tav tm="100000">
-                                          <p:val>
-                                            <p:strVal val="#ppt_x"/>
-                                          </p:val>
-                                        </p:tav>
-                                      </p:tavLst>
-                                    </p:anim>
-                                    <p:anim calcmode="lin" valueType="num">
-                                      <p:cBhvr additive="base">
-                                        <p:cTn id="8" dur="500" fill="hold"/>
-                                        <p:tgtEl>
-                                          <p:spTgt spid="20"/>
-                                        </p:tgtEl>
-                                        <p:attrNameLst>
-                                          <p:attrName>ppt_y</p:attrName>
-                                        </p:attrNameLst>
-                                      </p:cBhvr>
-                                      <p:tavLst>
-                                        <p:tav tm="0">
-                                          <p:val>
-                                            <p:strVal val="1+#ppt_h/2"/>
-                                          </p:val>
-                                        </p:tav>
-                                        <p:tav tm="100000">
-                                          <p:val>
-                                            <p:strVal val="#ppt_y"/>
-                                          </p:val>
-                                        </p:tav>
-                                      </p:tavLst>
-                                    </p:anim>
-                                  </p:childTnLst>
-                                </p:cTn>
-                              </p:par>
-                            </p:childTnLst>
-                          </p:cTn>
-                        </p:par>
-                      </p:childTnLst>
-                    </p:cTn>
-                  </p:par>
-                  <p:par>
-                    <p:cTn id="9" fill="hold">
-                      <p:stCondLst>
-                        <p:cond delay="indefinite"/>
-                      </p:stCondLst>
-                      <p:childTnLst>
-                        <p:par>
-                          <p:cTn id="10" fill="hold">
-                            <p:stCondLst>
-                              <p:cond delay="0"/>
-                            </p:stCondLst>
-                            <p:childTnLst>
-                              <p:par>
-                                <p:cTn id="11" presetID="2" presetClass="entr" presetSubtype="4" fill="hold" nodeType="clickEffect">
-                                  <p:stCondLst>
-                                    <p:cond delay="0"/>
-                                  </p:stCondLst>
-                                  <p:childTnLst>
-                                    <p:set>
-                                      <p:cBhvr>
-                                        <p:cTn id="12" dur="1" fill="hold">
-                                          <p:stCondLst>
-                                            <p:cond delay="0"/>
-                                          </p:stCondLst>
-                                        </p:cTn>
-                                        <p:tgtEl>
-                                          <p:spTgt spid="19"/>
-                                        </p:tgtEl>
-                                        <p:attrNameLst>
-                                          <p:attrName>style.visibility</p:attrName>
-                                        </p:attrNameLst>
-                                      </p:cBhvr>
-                                      <p:to>
-                                        <p:strVal val="visible"/>
-                                      </p:to>
-                                    </p:set>
-                                    <p:anim calcmode="lin" valueType="num">
-                                      <p:cBhvr additive="base">
-                                        <p:cTn id="13" dur="500" fill="hold"/>
-                                        <p:tgtEl>
-                                          <p:spTgt spid="19"/>
-                                        </p:tgtEl>
-                                        <p:attrNameLst>
-                                          <p:attrName>ppt_x</p:attrName>
-                                        </p:attrNameLst>
-                                      </p:cBhvr>
-                                      <p:tavLst>
-                                        <p:tav tm="0">
-                                          <p:val>
-                                            <p:strVal val="#ppt_x"/>
-                                          </p:val>
-                                        </p:tav>
-                                        <p:tav tm="100000">
-                                          <p:val>
-                                            <p:strVal val="#ppt_x"/>
-                                          </p:val>
-                                        </p:tav>
-                                      </p:tavLst>
-                                    </p:anim>
-                                    <p:anim calcmode="lin" valueType="num">
-                                      <p:cBhvr additive="base">
-                                        <p:cTn id="14" dur="500" fill="hold"/>
-                                        <p:tgtEl>
-                                          <p:spTgt spid="19"/>
-                                        </p:tgtEl>
-                                        <p:attrNameLst>
-                                          <p:attrName>ppt_y</p:attrName>
-                                        </p:attrNameLst>
-                                      </p:cBhvr>
-                                      <p:tavLst>
-                                        <p:tav tm="0">
-                                          <p:val>
-                                            <p:strVal val="1+#ppt_h/2"/>
-                                          </p:val>
-                                        </p:tav>
-                                        <p:tav tm="100000">
-                                          <p:val>
-                                            <p:strVal val="#ppt_y"/>
-                                          </p:val>
-                                        </p:tav>
-                                      </p:tavLst>
-                                    </p:anim>
-                                  </p:childTnLst>
-                                </p:cTn>
-                              </p:par>
-                            </p:childTnLst>
-                          </p:cTn>
-                        </p:par>
-                      </p:childTnLst>
-                    </p:cTn>
-                  </p:par>
-                  <p:par>
-                    <p:cTn id="15" fill="hold">
-                      <p:stCondLst>
-                        <p:cond delay="indefinite"/>
-                      </p:stCondLst>
-                      <p:childTnLst>
-                        <p:par>
-                          <p:cTn id="16" fill="hold">
-                            <p:stCondLst>
-                              <p:cond delay="0"/>
-                            </p:stCondLst>
-                            <p:childTnLst>
-                              <p:par>
-                                <p:cTn id="17" presetID="2" presetClass="entr" presetSubtype="2" fill="hold" nodeType="clickEffect">
-                                  <p:stCondLst>
-                                    <p:cond delay="0"/>
-                                  </p:stCondLst>
-                                  <p:childTnLst>
-                                    <p:set>
-                                      <p:cBhvr>
-                                        <p:cTn id="18" dur="1" fill="hold">
-                                          <p:stCondLst>
-                                            <p:cond delay="0"/>
-                                          </p:stCondLst>
-                                        </p:cTn>
-                                        <p:tgtEl>
-                                          <p:spTgt spid="18"/>
-                                        </p:tgtEl>
-                                        <p:attrNameLst>
-                                          <p:attrName>style.visibility</p:attrName>
-                                        </p:attrNameLst>
-                                      </p:cBhvr>
-                                      <p:to>
-                                        <p:strVal val="visible"/>
-                                      </p:to>
-                                    </p:set>
-                                    <p:anim calcmode="lin" valueType="num">
-                                      <p:cBhvr additive="base">
-                                        <p:cTn id="19" dur="500" fill="hold"/>
-                                        <p:tgtEl>
-                                          <p:spTgt spid="18"/>
-                                        </p:tgtEl>
-                                        <p:attrNameLst>
-                                          <p:attrName>ppt_x</p:attrName>
-                                        </p:attrNameLst>
-                                      </p:cBhvr>
-                                      <p:tavLst>
-                                        <p:tav tm="0">
-                                          <p:val>
-                                            <p:strVal val="1+#ppt_w/2"/>
-                                          </p:val>
-                                        </p:tav>
-                                        <p:tav tm="100000">
-                                          <p:val>
-                                            <p:strVal val="#ppt_x"/>
-                                          </p:val>
-                                        </p:tav>
-                                      </p:tavLst>
-                                    </p:anim>
-                                    <p:anim calcmode="lin" valueType="num">
-                                      <p:cBhvr additive="base">
-                                        <p:cTn id="20" dur="500" fill="hold"/>
-                                        <p:tgtEl>
-                                          <p:spTgt spid="18"/>
-                                        </p:tgtEl>
-                                        <p:attrNameLst>
-                                          <p:attrName>ppt_y</p:attrName>
-                                        </p:attrNameLst>
-                                      </p:cBhvr>
-                                      <p:tavLst>
-                                        <p:tav tm="0">
-                                          <p:val>
-                                            <p:strVal val="#ppt_y"/>
-                                          </p:val>
-                                        </p:tav>
-                                        <p:tav tm="100000">
-                                          <p:val>
-                                            <p:strVal val="#ppt_y"/>
-                                          </p:val>
-                                        </p:tav>
-                                      </p:tavLst>
-                                    </p:anim>
-                                  </p:childTnLst>
-                                </p:cTn>
-                              </p:par>
-                            </p:childTnLst>
-                          </p:cTn>
-                        </p:par>
-                      </p:childTnLst>
-                    </p:cTn>
-                  </p:par>
-                  <p:par>
-                    <p:cTn id="21" fill="hold">
-                      <p:stCondLst>
-                        <p:cond delay="indefinite"/>
-                      </p:stCondLst>
-                      <p:childTnLst>
-                        <p:par>
-                          <p:cTn id="22" fill="hold">
-                            <p:stCondLst>
-                              <p:cond delay="0"/>
-                            </p:stCondLst>
-                            <p:childTnLst>
-                              <p:par>
-                                <p:cTn id="23" presetID="2" presetClass="entr" presetSubtype="8" fill="hold" nodeType="clickEffect">
-                                  <p:stCondLst>
-                                    <p:cond delay="0"/>
-                                  </p:stCondLst>
-                                  <p:childTnLst>
-                                    <p:set>
-                                      <p:cBhvr>
-                                        <p:cTn id="24" dur="1" fill="hold">
-                                          <p:stCondLst>
-                                            <p:cond delay="0"/>
-                                          </p:stCondLst>
-                                        </p:cTn>
-                                        <p:tgtEl>
-                                          <p:spTgt spid="21"/>
-                                        </p:tgtEl>
-                                        <p:attrNameLst>
-                                          <p:attrName>style.visibility</p:attrName>
-                                        </p:attrNameLst>
-                                      </p:cBhvr>
-                                      <p:to>
-                                        <p:strVal val="visible"/>
-                                      </p:to>
-                                    </p:set>
-                                    <p:anim calcmode="lin" valueType="num">
-                                      <p:cBhvr additive="base">
-                                        <p:cTn id="25" dur="500" fill="hold"/>
-                                        <p:tgtEl>
-                                          <p:spTgt spid="21"/>
-                                        </p:tgtEl>
-                                        <p:attrNameLst>
-                                          <p:attrName>ppt_x</p:attrName>
-                                        </p:attrNameLst>
-                                      </p:cBhvr>
-                                      <p:tavLst>
-                                        <p:tav tm="0">
-                                          <p:val>
-                                            <p:strVal val="0-#ppt_w/2"/>
-                                          </p:val>
-                                        </p:tav>
-                                        <p:tav tm="100000">
-                                          <p:val>
-                                            <p:strVal val="#ppt_x"/>
-                                          </p:val>
-                                        </p:tav>
-                                      </p:tavLst>
-                                    </p:anim>
-                                    <p:anim calcmode="lin" valueType="num">
-                                      <p:cBhvr additive="base">
-                                        <p:cTn id="26" dur="500" fill="hold"/>
-                                        <p:tgtEl>
-                                          <p:spTgt spid="21"/>
-                                        </p:tgtEl>
-                                        <p:attrNameLst>
-                                          <p:attrName>ppt_y</p:attrName>
-                                        </p:attrNameLst>
-                                      </p:cBhvr>
-                                      <p:tavLst>
-                                        <p:tav tm="0">
-                                          <p:val>
-                                            <p:strVal val="#ppt_y"/>
-                                          </p:val>
-                                        </p:tav>
-                                        <p:tav tm="100000">
-                                          <p:val>
-                                            <p:strVal val="#ppt_y"/>
-                                          </p:val>
-                                        </p:tav>
-                                      </p:tavLst>
-                                    </p:anim>
-                                  </p:childTnLst>
-                                </p:cTn>
-                              </p:par>
-                            </p:childTnLst>
-                          </p:cTn>
-                        </p:par>
-                      </p:childTnLst>
-                    </p:cTn>
-                  </p:par>
-                </p:childTnLst>
-              </p:cTn>
-              <p:prevCondLst>
-                <p:cond evt="onPrev" delay="0">
-                  <p:tgtEl>
-                    <p:sldTgt/>
-                  </p:tgtEl>
-                </p:cond>
-              </p:prevCondLst>
-              <p:nextCondLst>
-                <p:cond evt="onNext" delay="0">
-                  <p:tgtEl>
-                    <p:sldTgt/>
-                  </p:tgtEl>
-                </p:cond>
-              </p:nextCondLst>
-            </p:seq>
-          </p:childTnLst>
-        </p:cTn>
-      </p:par>
-    </p:tnLst>
-  </p:timing>
 </p:sld>
 </file>
 
